--- a/ОШІ/Сучасний стан та перспективи штучного інтелекту.pptx
+++ b/ОШІ/Сучасний стан та перспективи штучного інтелекту.pptx
@@ -2,7 +2,7 @@
 <file path=ppt/presentation.xml><?xml version="1.0" encoding="utf-8"?>
 <p:presentation xmlns:a="http://schemas.openxmlformats.org/drawingml/2006/main" xmlns:r="http://schemas.openxmlformats.org/officeDocument/2006/relationships" xmlns:p="http://schemas.openxmlformats.org/presentationml/2006/main" saveSubsetFonts="1">
   <p:sldMasterIdLst>
-    <p:sldMasterId id="2147483648" r:id="rId1"/>
+    <p:sldMasterId id="2147483660" r:id="rId1"/>
   </p:sldMasterIdLst>
   <p:sldIdLst>
     <p:sldId id="256" r:id="rId2"/>
@@ -145,7 +145,7 @@
       </p:grpSpPr>
       <p:sp>
         <p:nvSpPr>
-          <p:cNvPr id="2" name="Заголовок 1"/>
+          <p:cNvPr id="2" name="Title 1"/>
           <p:cNvSpPr>
             <a:spLocks noGrp="1"/>
           </p:cNvSpPr>
@@ -155,15 +155,32 @@
         </p:nvSpPr>
         <p:spPr>
           <a:xfrm>
-            <a:off x="1524000" y="1122363"/>
-            <a:ext cx="9144000" cy="2387600"/>
+            <a:off x="1751012" y="609601"/>
+            <a:ext cx="8676222" cy="3200400"/>
           </a:xfrm>
         </p:spPr>
         <p:txBody>
-          <a:bodyPr anchor="b"/>
+          <a:bodyPr anchor="b">
+            <a:normAutofit/>
+          </a:bodyPr>
           <a:lstStyle>
             <a:lvl1pPr algn="ctr">
-              <a:defRPr sz="6000"/>
+              <a:defRPr sz="4800">
+                <a:effectLst>
+                  <a:glow rad="38100">
+                    <a:schemeClr val="bg1">
+                      <a:lumMod val="65000"/>
+                      <a:lumOff val="35000"/>
+                      <a:alpha val="50000"/>
+                    </a:schemeClr>
+                  </a:glow>
+                  <a:outerShdw blurRad="28575" dist="31750" dir="13200000" algn="tl" rotWithShape="0">
+                    <a:srgbClr val="000000">
+                      <a:alpha val="25000"/>
+                    </a:srgbClr>
+                  </a:outerShdw>
+                </a:effectLst>
+              </a:defRPr>
             </a:lvl1pPr>
           </a:lstStyle>
           <a:p>
@@ -171,13 +188,13 @@
               <a:rPr lang="ru-RU" smtClean="0"/>
               <a:t>Образец заголовка</a:t>
             </a:r>
-            <a:endParaRPr lang="uk-UA"/>
-          </a:p>
-        </p:txBody>
-      </p:sp>
-      <p:sp>
-        <p:nvSpPr>
-          <p:cNvPr id="3" name="Подзаголовок 2"/>
+            <a:endParaRPr lang="en-US" dirty="0"/>
+          </a:p>
+        </p:txBody>
+      </p:sp>
+      <p:sp>
+        <p:nvSpPr>
+          <p:cNvPr id="3" name="Subtitle 2"/>
           <p:cNvSpPr>
             <a:spLocks noGrp="1"/>
           </p:cNvSpPr>
@@ -187,48 +204,113 @@
         </p:nvSpPr>
         <p:spPr>
           <a:xfrm>
-            <a:off x="1524000" y="3602038"/>
-            <a:ext cx="9144000" cy="1655762"/>
+            <a:off x="1751012" y="3886200"/>
+            <a:ext cx="8676222" cy="1905000"/>
           </a:xfrm>
         </p:spPr>
         <p:txBody>
-          <a:bodyPr/>
+          <a:bodyPr anchor="t">
+            <a:normAutofit/>
+          </a:bodyPr>
           <a:lstStyle>
             <a:lvl1pPr marL="0" indent="0" algn="ctr">
               <a:buNone/>
-              <a:defRPr sz="2400"/>
+              <a:defRPr sz="2100">
+                <a:gradFill flip="none" rotWithShape="1">
+                  <a:gsLst>
+                    <a:gs pos="0">
+                      <a:schemeClr val="tx1"/>
+                    </a:gs>
+                    <a:gs pos="100000">
+                      <a:schemeClr val="tx1">
+                        <a:lumMod val="75000"/>
+                      </a:schemeClr>
+                    </a:gs>
+                  </a:gsLst>
+                  <a:lin ang="5400000" scaled="0"/>
+                  <a:tileRect/>
+                </a:gradFill>
+              </a:defRPr>
             </a:lvl1pPr>
             <a:lvl2pPr marL="457200" indent="0" algn="ctr">
               <a:buNone/>
-              <a:defRPr sz="2000"/>
+              <a:defRPr>
+                <a:solidFill>
+                  <a:schemeClr val="tx1">
+                    <a:tint val="75000"/>
+                  </a:schemeClr>
+                </a:solidFill>
+              </a:defRPr>
             </a:lvl2pPr>
             <a:lvl3pPr marL="914400" indent="0" algn="ctr">
               <a:buNone/>
-              <a:defRPr sz="1800"/>
+              <a:defRPr>
+                <a:solidFill>
+                  <a:schemeClr val="tx1">
+                    <a:tint val="75000"/>
+                  </a:schemeClr>
+                </a:solidFill>
+              </a:defRPr>
             </a:lvl3pPr>
             <a:lvl4pPr marL="1371600" indent="0" algn="ctr">
               <a:buNone/>
-              <a:defRPr sz="1600"/>
+              <a:defRPr>
+                <a:solidFill>
+                  <a:schemeClr val="tx1">
+                    <a:tint val="75000"/>
+                  </a:schemeClr>
+                </a:solidFill>
+              </a:defRPr>
             </a:lvl4pPr>
             <a:lvl5pPr marL="1828800" indent="0" algn="ctr">
               <a:buNone/>
-              <a:defRPr sz="1600"/>
+              <a:defRPr>
+                <a:solidFill>
+                  <a:schemeClr val="tx1">
+                    <a:tint val="75000"/>
+                  </a:schemeClr>
+                </a:solidFill>
+              </a:defRPr>
             </a:lvl5pPr>
             <a:lvl6pPr marL="2286000" indent="0" algn="ctr">
               <a:buNone/>
-              <a:defRPr sz="1600"/>
+              <a:defRPr>
+                <a:solidFill>
+                  <a:schemeClr val="tx1">
+                    <a:tint val="75000"/>
+                  </a:schemeClr>
+                </a:solidFill>
+              </a:defRPr>
             </a:lvl6pPr>
             <a:lvl7pPr marL="2743200" indent="0" algn="ctr">
               <a:buNone/>
-              <a:defRPr sz="1600"/>
+              <a:defRPr>
+                <a:solidFill>
+                  <a:schemeClr val="tx1">
+                    <a:tint val="75000"/>
+                  </a:schemeClr>
+                </a:solidFill>
+              </a:defRPr>
             </a:lvl7pPr>
             <a:lvl8pPr marL="3200400" indent="0" algn="ctr">
               <a:buNone/>
-              <a:defRPr sz="1600"/>
+              <a:defRPr>
+                <a:solidFill>
+                  <a:schemeClr val="tx1">
+                    <a:tint val="75000"/>
+                  </a:schemeClr>
+                </a:solidFill>
+              </a:defRPr>
             </a:lvl8pPr>
             <a:lvl9pPr marL="3657600" indent="0" algn="ctr">
               <a:buNone/>
-              <a:defRPr sz="1600"/>
+              <a:defRPr>
+                <a:solidFill>
+                  <a:schemeClr val="tx1">
+                    <a:tint val="75000"/>
+                  </a:schemeClr>
+                </a:solidFill>
+              </a:defRPr>
             </a:lvl9pPr>
           </a:lstStyle>
           <a:p>
@@ -236,13 +318,13 @@
               <a:rPr lang="ru-RU" smtClean="0"/>
               <a:t>Образец подзаголовка</a:t>
             </a:r>
-            <a:endParaRPr lang="uk-UA"/>
-          </a:p>
-        </p:txBody>
-      </p:sp>
-      <p:sp>
-        <p:nvSpPr>
-          <p:cNvPr id="4" name="Дата 3"/>
+            <a:endParaRPr lang="en-US" dirty="0"/>
+          </a:p>
+        </p:txBody>
+      </p:sp>
+      <p:sp>
+        <p:nvSpPr>
+          <p:cNvPr id="4" name="Date Placeholder 3"/>
           <p:cNvSpPr>
             <a:spLocks noGrp="1"/>
           </p:cNvSpPr>
@@ -257,7 +339,7 @@
           <a:p>
             <a:fld id="{BC34E395-A33C-4CC6-B17C-9EC771FD0342}" type="datetimeFigureOut">
               <a:rPr lang="uk-UA" smtClean="0"/>
-              <a:t>05.10.2021</a:t>
+              <a:t>02.11.2021</a:t>
             </a:fld>
             <a:endParaRPr lang="uk-UA"/>
           </a:p>
@@ -265,7 +347,7 @@
       </p:sp>
       <p:sp>
         <p:nvSpPr>
-          <p:cNvPr id="5" name="Нижний колонтитул 4"/>
+          <p:cNvPr id="5" name="Footer Placeholder 4"/>
           <p:cNvSpPr>
             <a:spLocks noGrp="1"/>
           </p:cNvSpPr>
@@ -284,7 +366,7 @@
       </p:sp>
       <p:sp>
         <p:nvSpPr>
-          <p:cNvPr id="6" name="Номер слайда 5"/>
+          <p:cNvPr id="6" name="Slide Number Placeholder 5"/>
           <p:cNvSpPr>
             <a:spLocks noGrp="1"/>
           </p:cNvSpPr>
@@ -308,7 +390,7 @@
     </p:spTree>
     <p:extLst>
       <p:ext uri="{BB962C8B-B14F-4D97-AF65-F5344CB8AC3E}">
-        <p14:creationId xmlns:p14="http://schemas.microsoft.com/office/powerpoint/2010/main" val="967168871"/>
+        <p14:creationId xmlns:p14="http://schemas.microsoft.com/office/powerpoint/2010/main" val="3888283364"/>
       </p:ext>
     </p:extLst>
   </p:cSld>
@@ -319,6 +401,2113 @@
 </file>
 
 <file path=ppt/slideLayouts/slideLayout10.xml><?xml version="1.0" encoding="utf-8"?>
+<p:sldLayout xmlns:a="http://schemas.openxmlformats.org/drawingml/2006/main" xmlns:r="http://schemas.openxmlformats.org/officeDocument/2006/relationships" xmlns:p="http://schemas.openxmlformats.org/presentationml/2006/main" preserve="1">
+  <p:cSld name="Панорамная фотография с подписью">
+    <p:spTree>
+      <p:nvGrpSpPr>
+        <p:cNvPr id="1" name=""/>
+        <p:cNvGrpSpPr/>
+        <p:nvPr/>
+      </p:nvGrpSpPr>
+      <p:grpSpPr>
+        <a:xfrm>
+          <a:off x="0" y="0"/>
+          <a:ext cx="0" cy="0"/>
+          <a:chOff x="0" y="0"/>
+          <a:chExt cx="0" cy="0"/>
+        </a:xfrm>
+      </p:grpSpPr>
+      <p:sp>
+        <p:nvSpPr>
+          <p:cNvPr id="2" name="Title 1"/>
+          <p:cNvSpPr>
+            <a:spLocks noGrp="1"/>
+          </p:cNvSpPr>
+          <p:nvPr>
+            <p:ph type="title"/>
+          </p:nvPr>
+        </p:nvSpPr>
+        <p:spPr>
+          <a:xfrm>
+            <a:off x="1141413" y="4732865"/>
+            <a:ext cx="9906000" cy="566738"/>
+          </a:xfrm>
+        </p:spPr>
+        <p:txBody>
+          <a:bodyPr anchor="b">
+            <a:normAutofit/>
+          </a:bodyPr>
+          <a:lstStyle>
+            <a:lvl1pPr algn="l">
+              <a:defRPr sz="2400" b="0"/>
+            </a:lvl1pPr>
+          </a:lstStyle>
+          <a:p>
+            <a:r>
+              <a:rPr lang="ru-RU" smtClean="0"/>
+              <a:t>Образец заголовка</a:t>
+            </a:r>
+            <a:endParaRPr lang="en-US" dirty="0"/>
+          </a:p>
+        </p:txBody>
+      </p:sp>
+      <p:sp>
+        <p:nvSpPr>
+          <p:cNvPr id="3" name="Picture Placeholder 2"/>
+          <p:cNvSpPr>
+            <a:spLocks noGrp="1" noChangeAspect="1"/>
+          </p:cNvSpPr>
+          <p:nvPr>
+            <p:ph type="pic" idx="1"/>
+          </p:nvPr>
+        </p:nvSpPr>
+        <p:spPr>
+          <a:xfrm>
+            <a:off x="1979612" y="932112"/>
+            <a:ext cx="8225944" cy="3164976"/>
+          </a:xfrm>
+          <a:prstGeom prst="roundRect">
+            <a:avLst>
+              <a:gd name="adj" fmla="val 4380"/>
+            </a:avLst>
+          </a:prstGeom>
+          <a:ln w="38100">
+            <a:gradFill flip="none" rotWithShape="1">
+              <a:gsLst>
+                <a:gs pos="0">
+                  <a:schemeClr val="bg2"/>
+                </a:gs>
+                <a:gs pos="100000">
+                  <a:schemeClr val="bg2">
+                    <a:lumMod val="75000"/>
+                  </a:schemeClr>
+                </a:gs>
+              </a:gsLst>
+              <a:lin ang="5400000" scaled="0"/>
+              <a:tileRect/>
+            </a:gradFill>
+          </a:ln>
+          <a:effectLst>
+            <a:innerShdw blurRad="57150" dist="38100" dir="14460000">
+              <a:srgbClr val="000000">
+                <a:alpha val="70000"/>
+              </a:srgbClr>
+            </a:innerShdw>
+          </a:effectLst>
+        </p:spPr>
+        <p:txBody>
+          <a:bodyPr anchor="t">
+            <a:normAutofit/>
+          </a:bodyPr>
+          <a:lstStyle>
+            <a:lvl1pPr marL="0" indent="0" algn="ctr">
+              <a:buNone/>
+              <a:defRPr sz="1600"/>
+            </a:lvl1pPr>
+            <a:lvl2pPr marL="457200" indent="0">
+              <a:buNone/>
+              <a:defRPr sz="1600"/>
+            </a:lvl2pPr>
+            <a:lvl3pPr marL="914400" indent="0">
+              <a:buNone/>
+              <a:defRPr sz="1600"/>
+            </a:lvl3pPr>
+            <a:lvl4pPr marL="1371600" indent="0">
+              <a:buNone/>
+              <a:defRPr sz="1600"/>
+            </a:lvl4pPr>
+            <a:lvl5pPr marL="1828800" indent="0">
+              <a:buNone/>
+              <a:defRPr sz="1600"/>
+            </a:lvl5pPr>
+            <a:lvl6pPr marL="2286000" indent="0">
+              <a:buNone/>
+              <a:defRPr sz="1600"/>
+            </a:lvl6pPr>
+            <a:lvl7pPr marL="2743200" indent="0">
+              <a:buNone/>
+              <a:defRPr sz="1600"/>
+            </a:lvl7pPr>
+            <a:lvl8pPr marL="3200400" indent="0">
+              <a:buNone/>
+              <a:defRPr sz="1600"/>
+            </a:lvl8pPr>
+            <a:lvl9pPr marL="3657600" indent="0">
+              <a:buNone/>
+              <a:defRPr sz="1600"/>
+            </a:lvl9pPr>
+          </a:lstStyle>
+          <a:p>
+            <a:r>
+              <a:rPr lang="ru-RU" smtClean="0"/>
+              <a:t>Вставка рисунка</a:t>
+            </a:r>
+            <a:endParaRPr lang="en-US" dirty="0"/>
+          </a:p>
+        </p:txBody>
+      </p:sp>
+      <p:sp>
+        <p:nvSpPr>
+          <p:cNvPr id="4" name="Text Placeholder 3"/>
+          <p:cNvSpPr>
+            <a:spLocks noGrp="1"/>
+          </p:cNvSpPr>
+          <p:nvPr>
+            <p:ph type="body" sz="half" idx="2"/>
+          </p:nvPr>
+        </p:nvSpPr>
+        <p:spPr>
+          <a:xfrm>
+            <a:off x="1141413" y="5299603"/>
+            <a:ext cx="9906000" cy="493712"/>
+          </a:xfrm>
+        </p:spPr>
+        <p:txBody>
+          <a:bodyPr>
+            <a:normAutofit/>
+          </a:bodyPr>
+          <a:lstStyle>
+            <a:lvl1pPr marL="0" indent="0">
+              <a:buNone/>
+              <a:defRPr sz="1400"/>
+            </a:lvl1pPr>
+            <a:lvl2pPr marL="457200" indent="0">
+              <a:buNone/>
+              <a:defRPr sz="1200"/>
+            </a:lvl2pPr>
+            <a:lvl3pPr marL="914400" indent="0">
+              <a:buNone/>
+              <a:defRPr sz="1000"/>
+            </a:lvl3pPr>
+            <a:lvl4pPr marL="1371600" indent="0">
+              <a:buNone/>
+              <a:defRPr sz="900"/>
+            </a:lvl4pPr>
+            <a:lvl5pPr marL="1828800" indent="0">
+              <a:buNone/>
+              <a:defRPr sz="900"/>
+            </a:lvl5pPr>
+            <a:lvl6pPr marL="2286000" indent="0">
+              <a:buNone/>
+              <a:defRPr sz="900"/>
+            </a:lvl6pPr>
+            <a:lvl7pPr marL="2743200" indent="0">
+              <a:buNone/>
+              <a:defRPr sz="900"/>
+            </a:lvl7pPr>
+            <a:lvl8pPr marL="3200400" indent="0">
+              <a:buNone/>
+              <a:defRPr sz="900"/>
+            </a:lvl8pPr>
+            <a:lvl9pPr marL="3657600" indent="0">
+              <a:buNone/>
+              <a:defRPr sz="900"/>
+            </a:lvl9pPr>
+          </a:lstStyle>
+          <a:p>
+            <a:pPr lvl="0"/>
+            <a:r>
+              <a:rPr lang="ru-RU" smtClean="0"/>
+              <a:t>Образец текста</a:t>
+            </a:r>
+          </a:p>
+        </p:txBody>
+      </p:sp>
+      <p:sp>
+        <p:nvSpPr>
+          <p:cNvPr id="5" name="Date Placeholder 4"/>
+          <p:cNvSpPr>
+            <a:spLocks noGrp="1"/>
+          </p:cNvSpPr>
+          <p:nvPr>
+            <p:ph type="dt" sz="half" idx="10"/>
+          </p:nvPr>
+        </p:nvSpPr>
+        <p:spPr/>
+        <p:txBody>
+          <a:bodyPr/>
+          <a:lstStyle/>
+          <a:p>
+            <a:fld id="{BC34E395-A33C-4CC6-B17C-9EC771FD0342}" type="datetimeFigureOut">
+              <a:rPr lang="uk-UA" smtClean="0"/>
+              <a:t>02.11.2021</a:t>
+            </a:fld>
+            <a:endParaRPr lang="uk-UA"/>
+          </a:p>
+        </p:txBody>
+      </p:sp>
+      <p:sp>
+        <p:nvSpPr>
+          <p:cNvPr id="6" name="Footer Placeholder 5"/>
+          <p:cNvSpPr>
+            <a:spLocks noGrp="1"/>
+          </p:cNvSpPr>
+          <p:nvPr>
+            <p:ph type="ftr" sz="quarter" idx="11"/>
+          </p:nvPr>
+        </p:nvSpPr>
+        <p:spPr/>
+        <p:txBody>
+          <a:bodyPr/>
+          <a:lstStyle/>
+          <a:p>
+            <a:endParaRPr lang="uk-UA"/>
+          </a:p>
+        </p:txBody>
+      </p:sp>
+      <p:sp>
+        <p:nvSpPr>
+          <p:cNvPr id="7" name="Slide Number Placeholder 6"/>
+          <p:cNvSpPr>
+            <a:spLocks noGrp="1"/>
+          </p:cNvSpPr>
+          <p:nvPr>
+            <p:ph type="sldNum" sz="quarter" idx="12"/>
+          </p:nvPr>
+        </p:nvSpPr>
+        <p:spPr/>
+        <p:txBody>
+          <a:bodyPr/>
+          <a:lstStyle/>
+          <a:p>
+            <a:fld id="{6EC32855-EFDB-4CC7-B0F9-A3B9E542C9AE}" type="slidenum">
+              <a:rPr lang="uk-UA" smtClean="0"/>
+              <a:t>‹#›</a:t>
+            </a:fld>
+            <a:endParaRPr lang="uk-UA"/>
+          </a:p>
+        </p:txBody>
+      </p:sp>
+    </p:spTree>
+    <p:extLst>
+      <p:ext uri="{BB962C8B-B14F-4D97-AF65-F5344CB8AC3E}">
+        <p14:creationId xmlns:p14="http://schemas.microsoft.com/office/powerpoint/2010/main" val="757553583"/>
+      </p:ext>
+    </p:extLst>
+  </p:cSld>
+  <p:clrMapOvr>
+    <a:masterClrMapping/>
+  </p:clrMapOvr>
+</p:sldLayout>
+</file>
+
+<file path=ppt/slideLayouts/slideLayout11.xml><?xml version="1.0" encoding="utf-8"?>
+<p:sldLayout xmlns:a="http://schemas.openxmlformats.org/drawingml/2006/main" xmlns:r="http://schemas.openxmlformats.org/officeDocument/2006/relationships" xmlns:p="http://schemas.openxmlformats.org/presentationml/2006/main" preserve="1">
+  <p:cSld name="Заголовок и подпись">
+    <p:spTree>
+      <p:nvGrpSpPr>
+        <p:cNvPr id="1" name=""/>
+        <p:cNvGrpSpPr/>
+        <p:nvPr/>
+      </p:nvGrpSpPr>
+      <p:grpSpPr>
+        <a:xfrm>
+          <a:off x="0" y="0"/>
+          <a:ext cx="0" cy="0"/>
+          <a:chOff x="0" y="0"/>
+          <a:chExt cx="0" cy="0"/>
+        </a:xfrm>
+      </p:grpSpPr>
+      <p:sp>
+        <p:nvSpPr>
+          <p:cNvPr id="2" name="Title 1"/>
+          <p:cNvSpPr>
+            <a:spLocks noGrp="1"/>
+          </p:cNvSpPr>
+          <p:nvPr>
+            <p:ph type="title"/>
+          </p:nvPr>
+        </p:nvSpPr>
+        <p:spPr>
+          <a:xfrm>
+            <a:off x="1141412" y="609601"/>
+            <a:ext cx="9905999" cy="3124199"/>
+          </a:xfrm>
+        </p:spPr>
+        <p:txBody>
+          <a:bodyPr anchor="ctr">
+            <a:normAutofit/>
+          </a:bodyPr>
+          <a:lstStyle>
+            <a:lvl1pPr algn="l">
+              <a:defRPr sz="3200" b="0" cap="all"/>
+            </a:lvl1pPr>
+          </a:lstStyle>
+          <a:p>
+            <a:r>
+              <a:rPr lang="ru-RU" smtClean="0"/>
+              <a:t>Образец заголовка</a:t>
+            </a:r>
+            <a:endParaRPr lang="en-US" dirty="0"/>
+          </a:p>
+        </p:txBody>
+      </p:sp>
+      <p:sp>
+        <p:nvSpPr>
+          <p:cNvPr id="3" name="Text Placeholder 2"/>
+          <p:cNvSpPr>
+            <a:spLocks noGrp="1"/>
+          </p:cNvSpPr>
+          <p:nvPr>
+            <p:ph type="body" idx="1"/>
+          </p:nvPr>
+        </p:nvSpPr>
+        <p:spPr>
+          <a:xfrm>
+            <a:off x="1141411" y="4343400"/>
+            <a:ext cx="9906000" cy="1447800"/>
+          </a:xfrm>
+        </p:spPr>
+        <p:txBody>
+          <a:bodyPr anchor="ctr">
+            <a:normAutofit/>
+          </a:bodyPr>
+          <a:lstStyle>
+            <a:lvl1pPr marL="0" indent="0" algn="l">
+              <a:buNone/>
+              <a:defRPr sz="2000">
+                <a:gradFill flip="none" rotWithShape="1">
+                  <a:gsLst>
+                    <a:gs pos="0">
+                      <a:schemeClr val="tx1"/>
+                    </a:gs>
+                    <a:gs pos="100000">
+                      <a:schemeClr val="tx1">
+                        <a:lumMod val="75000"/>
+                      </a:schemeClr>
+                    </a:gs>
+                  </a:gsLst>
+                  <a:lin ang="5400000" scaled="0"/>
+                  <a:tileRect/>
+                </a:gradFill>
+              </a:defRPr>
+            </a:lvl1pPr>
+            <a:lvl2pPr marL="457200" indent="0">
+              <a:buNone/>
+              <a:defRPr sz="1800">
+                <a:solidFill>
+                  <a:schemeClr val="tx1">
+                    <a:tint val="75000"/>
+                  </a:schemeClr>
+                </a:solidFill>
+              </a:defRPr>
+            </a:lvl2pPr>
+            <a:lvl3pPr marL="914400" indent="0">
+              <a:buNone/>
+              <a:defRPr sz="1600">
+                <a:solidFill>
+                  <a:schemeClr val="tx1">
+                    <a:tint val="75000"/>
+                  </a:schemeClr>
+                </a:solidFill>
+              </a:defRPr>
+            </a:lvl3pPr>
+            <a:lvl4pPr marL="1371600" indent="0">
+              <a:buNone/>
+              <a:defRPr sz="1400">
+                <a:solidFill>
+                  <a:schemeClr val="tx1">
+                    <a:tint val="75000"/>
+                  </a:schemeClr>
+                </a:solidFill>
+              </a:defRPr>
+            </a:lvl4pPr>
+            <a:lvl5pPr marL="1828800" indent="0">
+              <a:buNone/>
+              <a:defRPr sz="1400">
+                <a:solidFill>
+                  <a:schemeClr val="tx1">
+                    <a:tint val="75000"/>
+                  </a:schemeClr>
+                </a:solidFill>
+              </a:defRPr>
+            </a:lvl5pPr>
+            <a:lvl6pPr marL="2286000" indent="0">
+              <a:buNone/>
+              <a:defRPr sz="1400">
+                <a:solidFill>
+                  <a:schemeClr val="tx1">
+                    <a:tint val="75000"/>
+                  </a:schemeClr>
+                </a:solidFill>
+              </a:defRPr>
+            </a:lvl6pPr>
+            <a:lvl7pPr marL="2743200" indent="0">
+              <a:buNone/>
+              <a:defRPr sz="1400">
+                <a:solidFill>
+                  <a:schemeClr val="tx1">
+                    <a:tint val="75000"/>
+                  </a:schemeClr>
+                </a:solidFill>
+              </a:defRPr>
+            </a:lvl7pPr>
+            <a:lvl8pPr marL="3200400" indent="0">
+              <a:buNone/>
+              <a:defRPr sz="1400">
+                <a:solidFill>
+                  <a:schemeClr val="tx1">
+                    <a:tint val="75000"/>
+                  </a:schemeClr>
+                </a:solidFill>
+              </a:defRPr>
+            </a:lvl8pPr>
+            <a:lvl9pPr marL="3657600" indent="0">
+              <a:buNone/>
+              <a:defRPr sz="1400">
+                <a:solidFill>
+                  <a:schemeClr val="tx1">
+                    <a:tint val="75000"/>
+                  </a:schemeClr>
+                </a:solidFill>
+              </a:defRPr>
+            </a:lvl9pPr>
+          </a:lstStyle>
+          <a:p>
+            <a:pPr lvl="0"/>
+            <a:r>
+              <a:rPr lang="ru-RU" smtClean="0"/>
+              <a:t>Образец текста</a:t>
+            </a:r>
+          </a:p>
+        </p:txBody>
+      </p:sp>
+      <p:sp>
+        <p:nvSpPr>
+          <p:cNvPr id="4" name="Date Placeholder 3"/>
+          <p:cNvSpPr>
+            <a:spLocks noGrp="1"/>
+          </p:cNvSpPr>
+          <p:nvPr>
+            <p:ph type="dt" sz="half" idx="10"/>
+          </p:nvPr>
+        </p:nvSpPr>
+        <p:spPr/>
+        <p:txBody>
+          <a:bodyPr/>
+          <a:lstStyle/>
+          <a:p>
+            <a:fld id="{BC34E395-A33C-4CC6-B17C-9EC771FD0342}" type="datetimeFigureOut">
+              <a:rPr lang="uk-UA" smtClean="0"/>
+              <a:t>02.11.2021</a:t>
+            </a:fld>
+            <a:endParaRPr lang="uk-UA"/>
+          </a:p>
+        </p:txBody>
+      </p:sp>
+      <p:sp>
+        <p:nvSpPr>
+          <p:cNvPr id="5" name="Footer Placeholder 4"/>
+          <p:cNvSpPr>
+            <a:spLocks noGrp="1"/>
+          </p:cNvSpPr>
+          <p:nvPr>
+            <p:ph type="ftr" sz="quarter" idx="11"/>
+          </p:nvPr>
+        </p:nvSpPr>
+        <p:spPr/>
+        <p:txBody>
+          <a:bodyPr/>
+          <a:lstStyle/>
+          <a:p>
+            <a:endParaRPr lang="uk-UA"/>
+          </a:p>
+        </p:txBody>
+      </p:sp>
+      <p:sp>
+        <p:nvSpPr>
+          <p:cNvPr id="6" name="Slide Number Placeholder 5"/>
+          <p:cNvSpPr>
+            <a:spLocks noGrp="1"/>
+          </p:cNvSpPr>
+          <p:nvPr>
+            <p:ph type="sldNum" sz="quarter" idx="12"/>
+          </p:nvPr>
+        </p:nvSpPr>
+        <p:spPr/>
+        <p:txBody>
+          <a:bodyPr/>
+          <a:lstStyle/>
+          <a:p>
+            <a:fld id="{6EC32855-EFDB-4CC7-B0F9-A3B9E542C9AE}" type="slidenum">
+              <a:rPr lang="uk-UA" smtClean="0"/>
+              <a:t>‹#›</a:t>
+            </a:fld>
+            <a:endParaRPr lang="uk-UA"/>
+          </a:p>
+        </p:txBody>
+      </p:sp>
+    </p:spTree>
+    <p:extLst>
+      <p:ext uri="{BB962C8B-B14F-4D97-AF65-F5344CB8AC3E}">
+        <p14:creationId xmlns:p14="http://schemas.microsoft.com/office/powerpoint/2010/main" val="2721436612"/>
+      </p:ext>
+    </p:extLst>
+  </p:cSld>
+  <p:clrMapOvr>
+    <a:masterClrMapping/>
+  </p:clrMapOvr>
+</p:sldLayout>
+</file>
+
+<file path=ppt/slideLayouts/slideLayout12.xml><?xml version="1.0" encoding="utf-8"?>
+<p:sldLayout xmlns:a="http://schemas.openxmlformats.org/drawingml/2006/main" xmlns:r="http://schemas.openxmlformats.org/officeDocument/2006/relationships" xmlns:p="http://schemas.openxmlformats.org/presentationml/2006/main" preserve="1">
+  <p:cSld name="Цитата с подписью">
+    <p:spTree>
+      <p:nvGrpSpPr>
+        <p:cNvPr id="1" name=""/>
+        <p:cNvGrpSpPr/>
+        <p:nvPr/>
+      </p:nvGrpSpPr>
+      <p:grpSpPr>
+        <a:xfrm>
+          <a:off x="0" y="0"/>
+          <a:ext cx="0" cy="0"/>
+          <a:chOff x="0" y="0"/>
+          <a:chExt cx="0" cy="0"/>
+        </a:xfrm>
+      </p:grpSpPr>
+      <p:sp>
+        <p:nvSpPr>
+          <p:cNvPr id="14" name="TextBox 13"/>
+          <p:cNvSpPr txBox="1"/>
+          <p:nvPr/>
+        </p:nvSpPr>
+        <p:spPr>
+          <a:xfrm>
+            <a:off x="836612" y="786824"/>
+            <a:ext cx="609600" cy="584776"/>
+          </a:xfrm>
+          <a:prstGeom prst="rect">
+            <a:avLst/>
+          </a:prstGeom>
+        </p:spPr>
+        <p:txBody>
+          <a:bodyPr vert="horz" lIns="91440" tIns="45720" rIns="91440" bIns="45720" rtlCol="0" anchor="ctr">
+            <a:noAutofit/>
+          </a:bodyPr>
+          <a:lstStyle>
+            <a:lvl1pPr>
+              <a:spcBef>
+                <a:spcPct val="0"/>
+              </a:spcBef>
+              <a:buNone/>
+              <a:defRPr sz="3200" b="0" cap="all">
+                <a:ln w="3175" cmpd="sng">
+                  <a:noFill/>
+                </a:ln>
+                <a:effectLst>
+                  <a:glow rad="38100">
+                    <a:schemeClr val="bg1">
+                      <a:lumMod val="65000"/>
+                      <a:lumOff val="35000"/>
+                      <a:alpha val="40000"/>
+                    </a:schemeClr>
+                  </a:glow>
+                  <a:outerShdw blurRad="28575" dist="38100" dir="14040000" algn="tl" rotWithShape="0">
+                    <a:srgbClr val="000000">
+                      <a:alpha val="25000"/>
+                    </a:srgbClr>
+                  </a:outerShdw>
+                </a:effectLst>
+              </a:defRPr>
+            </a:lvl1pPr>
+            <a:lvl2pPr>
+              <a:defRPr>
+                <a:solidFill>
+                  <a:schemeClr val="tx2"/>
+                </a:solidFill>
+              </a:defRPr>
+            </a:lvl2pPr>
+            <a:lvl3pPr>
+              <a:defRPr>
+                <a:solidFill>
+                  <a:schemeClr val="tx2"/>
+                </a:solidFill>
+              </a:defRPr>
+            </a:lvl3pPr>
+            <a:lvl4pPr>
+              <a:defRPr>
+                <a:solidFill>
+                  <a:schemeClr val="tx2"/>
+                </a:solidFill>
+              </a:defRPr>
+            </a:lvl4pPr>
+            <a:lvl5pPr>
+              <a:defRPr>
+                <a:solidFill>
+                  <a:schemeClr val="tx2"/>
+                </a:solidFill>
+              </a:defRPr>
+            </a:lvl5pPr>
+            <a:lvl6pPr>
+              <a:defRPr>
+                <a:solidFill>
+                  <a:schemeClr val="tx2"/>
+                </a:solidFill>
+              </a:defRPr>
+            </a:lvl6pPr>
+            <a:lvl7pPr>
+              <a:defRPr>
+                <a:solidFill>
+                  <a:schemeClr val="tx2"/>
+                </a:solidFill>
+              </a:defRPr>
+            </a:lvl7pPr>
+            <a:lvl8pPr>
+              <a:defRPr>
+                <a:solidFill>
+                  <a:schemeClr val="tx2"/>
+                </a:solidFill>
+              </a:defRPr>
+            </a:lvl8pPr>
+            <a:lvl9pPr>
+              <a:defRPr>
+                <a:solidFill>
+                  <a:schemeClr val="tx2"/>
+                </a:solidFill>
+              </a:defRPr>
+            </a:lvl9pPr>
+          </a:lstStyle>
+          <a:p>
+            <a:pPr lvl="0"/>
+            <a:r>
+              <a:rPr lang="en-US" sz="8000" dirty="0">
+                <a:solidFill>
+                  <a:schemeClr val="accent1"/>
+                </a:solidFill>
+              </a:rPr>
+              <a:t>“</a:t>
+            </a:r>
+          </a:p>
+        </p:txBody>
+      </p:sp>
+      <p:sp>
+        <p:nvSpPr>
+          <p:cNvPr id="15" name="TextBox 14"/>
+          <p:cNvSpPr txBox="1"/>
+          <p:nvPr/>
+        </p:nvSpPr>
+        <p:spPr>
+          <a:xfrm>
+            <a:off x="10437812" y="2743200"/>
+            <a:ext cx="609600" cy="584776"/>
+          </a:xfrm>
+          <a:prstGeom prst="rect">
+            <a:avLst/>
+          </a:prstGeom>
+        </p:spPr>
+        <p:txBody>
+          <a:bodyPr vert="horz" lIns="91440" tIns="45720" rIns="91440" bIns="45720" rtlCol="0" anchor="ctr">
+            <a:noAutofit/>
+          </a:bodyPr>
+          <a:lstStyle>
+            <a:lvl1pPr>
+              <a:spcBef>
+                <a:spcPct val="0"/>
+              </a:spcBef>
+              <a:buNone/>
+              <a:defRPr sz="3200" b="0" cap="all">
+                <a:ln w="3175" cmpd="sng">
+                  <a:noFill/>
+                </a:ln>
+                <a:effectLst>
+                  <a:glow rad="38100">
+                    <a:schemeClr val="bg1">
+                      <a:lumMod val="65000"/>
+                      <a:lumOff val="35000"/>
+                      <a:alpha val="40000"/>
+                    </a:schemeClr>
+                  </a:glow>
+                  <a:outerShdw blurRad="28575" dist="38100" dir="14040000" algn="tl" rotWithShape="0">
+                    <a:srgbClr val="000000">
+                      <a:alpha val="25000"/>
+                    </a:srgbClr>
+                  </a:outerShdw>
+                </a:effectLst>
+              </a:defRPr>
+            </a:lvl1pPr>
+            <a:lvl2pPr>
+              <a:defRPr>
+                <a:solidFill>
+                  <a:schemeClr val="tx2"/>
+                </a:solidFill>
+              </a:defRPr>
+            </a:lvl2pPr>
+            <a:lvl3pPr>
+              <a:defRPr>
+                <a:solidFill>
+                  <a:schemeClr val="tx2"/>
+                </a:solidFill>
+              </a:defRPr>
+            </a:lvl3pPr>
+            <a:lvl4pPr>
+              <a:defRPr>
+                <a:solidFill>
+                  <a:schemeClr val="tx2"/>
+                </a:solidFill>
+              </a:defRPr>
+            </a:lvl4pPr>
+            <a:lvl5pPr>
+              <a:defRPr>
+                <a:solidFill>
+                  <a:schemeClr val="tx2"/>
+                </a:solidFill>
+              </a:defRPr>
+            </a:lvl5pPr>
+            <a:lvl6pPr>
+              <a:defRPr>
+                <a:solidFill>
+                  <a:schemeClr val="tx2"/>
+                </a:solidFill>
+              </a:defRPr>
+            </a:lvl6pPr>
+            <a:lvl7pPr>
+              <a:defRPr>
+                <a:solidFill>
+                  <a:schemeClr val="tx2"/>
+                </a:solidFill>
+              </a:defRPr>
+            </a:lvl7pPr>
+            <a:lvl8pPr>
+              <a:defRPr>
+                <a:solidFill>
+                  <a:schemeClr val="tx2"/>
+                </a:solidFill>
+              </a:defRPr>
+            </a:lvl8pPr>
+            <a:lvl9pPr>
+              <a:defRPr>
+                <a:solidFill>
+                  <a:schemeClr val="tx2"/>
+                </a:solidFill>
+              </a:defRPr>
+            </a:lvl9pPr>
+          </a:lstStyle>
+          <a:p>
+            <a:pPr lvl="0" algn="r"/>
+            <a:r>
+              <a:rPr lang="en-US" sz="8000" dirty="0">
+                <a:solidFill>
+                  <a:schemeClr val="accent1"/>
+                </a:solidFill>
+              </a:rPr>
+              <a:t>”</a:t>
+            </a:r>
+          </a:p>
+        </p:txBody>
+      </p:sp>
+      <p:sp>
+        <p:nvSpPr>
+          <p:cNvPr id="2" name="Title 1"/>
+          <p:cNvSpPr>
+            <a:spLocks noGrp="1"/>
+          </p:cNvSpPr>
+          <p:nvPr>
+            <p:ph type="title"/>
+          </p:nvPr>
+        </p:nvSpPr>
+        <p:spPr>
+          <a:xfrm>
+            <a:off x="1446213" y="609601"/>
+            <a:ext cx="9296398" cy="2743199"/>
+          </a:xfrm>
+        </p:spPr>
+        <p:txBody>
+          <a:bodyPr anchor="ctr">
+            <a:normAutofit/>
+          </a:bodyPr>
+          <a:lstStyle>
+            <a:lvl1pPr algn="l">
+              <a:defRPr sz="3200" b="0" cap="all">
+                <a:solidFill>
+                  <a:schemeClr val="tx1"/>
+                </a:solidFill>
+              </a:defRPr>
+            </a:lvl1pPr>
+          </a:lstStyle>
+          <a:p>
+            <a:r>
+              <a:rPr lang="ru-RU" smtClean="0"/>
+              <a:t>Образец заголовка</a:t>
+            </a:r>
+            <a:endParaRPr lang="en-US" dirty="0"/>
+          </a:p>
+        </p:txBody>
+      </p:sp>
+      <p:sp>
+        <p:nvSpPr>
+          <p:cNvPr id="10" name="Text Placeholder 9"/>
+          <p:cNvSpPr>
+            <a:spLocks noGrp="1"/>
+          </p:cNvSpPr>
+          <p:nvPr>
+            <p:ph type="body" sz="quarter" idx="13"/>
+          </p:nvPr>
+        </p:nvSpPr>
+        <p:spPr>
+          <a:xfrm>
+            <a:off x="1674812" y="3352800"/>
+            <a:ext cx="8839202" cy="381000"/>
+          </a:xfrm>
+        </p:spPr>
+        <p:txBody>
+          <a:bodyPr anchor="ctr"/>
+          <a:lstStyle>
+            <a:lvl1pPr marL="0" indent="0">
+              <a:buFontTx/>
+              <a:buNone/>
+              <a:defRPr/>
+            </a:lvl1pPr>
+            <a:lvl2pPr marL="457200" indent="0">
+              <a:buFontTx/>
+              <a:buNone/>
+              <a:defRPr/>
+            </a:lvl2pPr>
+            <a:lvl3pPr marL="914400" indent="0">
+              <a:buFontTx/>
+              <a:buNone/>
+              <a:defRPr/>
+            </a:lvl3pPr>
+            <a:lvl4pPr marL="1371600" indent="0">
+              <a:buFontTx/>
+              <a:buNone/>
+              <a:defRPr/>
+            </a:lvl4pPr>
+            <a:lvl5pPr marL="1828800" indent="0">
+              <a:buFontTx/>
+              <a:buNone/>
+              <a:defRPr/>
+            </a:lvl5pPr>
+          </a:lstStyle>
+          <a:p>
+            <a:pPr lvl="0"/>
+            <a:r>
+              <a:rPr lang="ru-RU" smtClean="0"/>
+              <a:t>Образец текста</a:t>
+            </a:r>
+          </a:p>
+        </p:txBody>
+      </p:sp>
+      <p:sp>
+        <p:nvSpPr>
+          <p:cNvPr id="3" name="Text Placeholder 2"/>
+          <p:cNvSpPr>
+            <a:spLocks noGrp="1"/>
+          </p:cNvSpPr>
+          <p:nvPr>
+            <p:ph type="body" idx="1"/>
+          </p:nvPr>
+        </p:nvSpPr>
+        <p:spPr>
+          <a:xfrm>
+            <a:off x="1141411" y="4343400"/>
+            <a:ext cx="9906000" cy="1447800"/>
+          </a:xfrm>
+        </p:spPr>
+        <p:txBody>
+          <a:bodyPr vert="horz" lIns="91440" tIns="45720" rIns="91440" bIns="45720" rtlCol="0" anchor="ctr">
+            <a:normAutofit/>
+          </a:bodyPr>
+          <a:lstStyle>
+            <a:lvl1pPr>
+              <a:buNone/>
+              <a:defRPr lang="en-US" sz="2000">
+                <a:gradFill flip="none" rotWithShape="1">
+                  <a:gsLst>
+                    <a:gs pos="0">
+                      <a:schemeClr val="tx1"/>
+                    </a:gs>
+                    <a:gs pos="100000">
+                      <a:schemeClr val="tx1">
+                        <a:lumMod val="75000"/>
+                      </a:schemeClr>
+                    </a:gs>
+                  </a:gsLst>
+                  <a:lin ang="5400000" scaled="0"/>
+                  <a:tileRect/>
+                </a:gradFill>
+              </a:defRPr>
+            </a:lvl1pPr>
+          </a:lstStyle>
+          <a:p>
+            <a:pPr marL="0" lvl="0" indent="0">
+              <a:buNone/>
+            </a:pPr>
+            <a:r>
+              <a:rPr lang="ru-RU" smtClean="0"/>
+              <a:t>Образец текста</a:t>
+            </a:r>
+          </a:p>
+        </p:txBody>
+      </p:sp>
+      <p:sp>
+        <p:nvSpPr>
+          <p:cNvPr id="4" name="Date Placeholder 3"/>
+          <p:cNvSpPr>
+            <a:spLocks noGrp="1"/>
+          </p:cNvSpPr>
+          <p:nvPr>
+            <p:ph type="dt" sz="half" idx="10"/>
+          </p:nvPr>
+        </p:nvSpPr>
+        <p:spPr/>
+        <p:txBody>
+          <a:bodyPr/>
+          <a:lstStyle/>
+          <a:p>
+            <a:fld id="{BC34E395-A33C-4CC6-B17C-9EC771FD0342}" type="datetimeFigureOut">
+              <a:rPr lang="uk-UA" smtClean="0"/>
+              <a:t>02.11.2021</a:t>
+            </a:fld>
+            <a:endParaRPr lang="uk-UA"/>
+          </a:p>
+        </p:txBody>
+      </p:sp>
+      <p:sp>
+        <p:nvSpPr>
+          <p:cNvPr id="5" name="Footer Placeholder 4"/>
+          <p:cNvSpPr>
+            <a:spLocks noGrp="1"/>
+          </p:cNvSpPr>
+          <p:nvPr>
+            <p:ph type="ftr" sz="quarter" idx="11"/>
+          </p:nvPr>
+        </p:nvSpPr>
+        <p:spPr/>
+        <p:txBody>
+          <a:bodyPr/>
+          <a:lstStyle/>
+          <a:p>
+            <a:endParaRPr lang="uk-UA"/>
+          </a:p>
+        </p:txBody>
+      </p:sp>
+      <p:sp>
+        <p:nvSpPr>
+          <p:cNvPr id="6" name="Slide Number Placeholder 5"/>
+          <p:cNvSpPr>
+            <a:spLocks noGrp="1"/>
+          </p:cNvSpPr>
+          <p:nvPr>
+            <p:ph type="sldNum" sz="quarter" idx="12"/>
+          </p:nvPr>
+        </p:nvSpPr>
+        <p:spPr/>
+        <p:txBody>
+          <a:bodyPr/>
+          <a:lstStyle/>
+          <a:p>
+            <a:fld id="{6EC32855-EFDB-4CC7-B0F9-A3B9E542C9AE}" type="slidenum">
+              <a:rPr lang="uk-UA" smtClean="0"/>
+              <a:t>‹#›</a:t>
+            </a:fld>
+            <a:endParaRPr lang="uk-UA"/>
+          </a:p>
+        </p:txBody>
+      </p:sp>
+    </p:spTree>
+    <p:extLst>
+      <p:ext uri="{BB962C8B-B14F-4D97-AF65-F5344CB8AC3E}">
+        <p14:creationId xmlns:p14="http://schemas.microsoft.com/office/powerpoint/2010/main" val="2465407168"/>
+      </p:ext>
+    </p:extLst>
+  </p:cSld>
+  <p:clrMapOvr>
+    <a:masterClrMapping/>
+  </p:clrMapOvr>
+</p:sldLayout>
+</file>
+
+<file path=ppt/slideLayouts/slideLayout13.xml><?xml version="1.0" encoding="utf-8"?>
+<p:sldLayout xmlns:a="http://schemas.openxmlformats.org/drawingml/2006/main" xmlns:r="http://schemas.openxmlformats.org/officeDocument/2006/relationships" xmlns:p="http://schemas.openxmlformats.org/presentationml/2006/main" preserve="1">
+  <p:cSld name="Карточка имени">
+    <p:spTree>
+      <p:nvGrpSpPr>
+        <p:cNvPr id="1" name=""/>
+        <p:cNvGrpSpPr/>
+        <p:nvPr/>
+      </p:nvGrpSpPr>
+      <p:grpSpPr>
+        <a:xfrm>
+          <a:off x="0" y="0"/>
+          <a:ext cx="0" cy="0"/>
+          <a:chOff x="0" y="0"/>
+          <a:chExt cx="0" cy="0"/>
+        </a:xfrm>
+      </p:grpSpPr>
+      <p:sp>
+        <p:nvSpPr>
+          <p:cNvPr id="2" name="Title 1"/>
+          <p:cNvSpPr>
+            <a:spLocks noGrp="1"/>
+          </p:cNvSpPr>
+          <p:nvPr>
+            <p:ph type="title"/>
+          </p:nvPr>
+        </p:nvSpPr>
+        <p:spPr>
+          <a:xfrm>
+            <a:off x="1141412" y="3308581"/>
+            <a:ext cx="9906000" cy="1468800"/>
+          </a:xfrm>
+        </p:spPr>
+        <p:txBody>
+          <a:bodyPr anchor="b">
+            <a:normAutofit/>
+          </a:bodyPr>
+          <a:lstStyle>
+            <a:lvl1pPr algn="l">
+              <a:defRPr sz="3200" b="0" cap="all"/>
+            </a:lvl1pPr>
+          </a:lstStyle>
+          <a:p>
+            <a:r>
+              <a:rPr lang="ru-RU" smtClean="0"/>
+              <a:t>Образец заголовка</a:t>
+            </a:r>
+            <a:endParaRPr lang="en-US" dirty="0"/>
+          </a:p>
+        </p:txBody>
+      </p:sp>
+      <p:sp>
+        <p:nvSpPr>
+          <p:cNvPr id="3" name="Text Placeholder 2"/>
+          <p:cNvSpPr>
+            <a:spLocks noGrp="1"/>
+          </p:cNvSpPr>
+          <p:nvPr>
+            <p:ph type="body" idx="1"/>
+          </p:nvPr>
+        </p:nvSpPr>
+        <p:spPr>
+          <a:xfrm>
+            <a:off x="1141410" y="4777381"/>
+            <a:ext cx="9906001" cy="860400"/>
+          </a:xfrm>
+        </p:spPr>
+        <p:txBody>
+          <a:bodyPr vert="horz" lIns="91440" tIns="45720" rIns="91440" bIns="45720" rtlCol="0" anchor="t">
+            <a:normAutofit/>
+          </a:bodyPr>
+          <a:lstStyle>
+            <a:lvl1pPr>
+              <a:defRPr lang="en-US" sz="2000">
+                <a:gradFill flip="none" rotWithShape="1">
+                  <a:gsLst>
+                    <a:gs pos="0">
+                      <a:schemeClr val="tx1"/>
+                    </a:gs>
+                    <a:gs pos="100000">
+                      <a:schemeClr val="tx1">
+                        <a:lumMod val="75000"/>
+                      </a:schemeClr>
+                    </a:gs>
+                  </a:gsLst>
+                  <a:lin ang="5400000" scaled="0"/>
+                  <a:tileRect/>
+                </a:gradFill>
+              </a:defRPr>
+            </a:lvl1pPr>
+          </a:lstStyle>
+          <a:p>
+            <a:pPr marL="0" lvl="0" indent="0">
+              <a:buNone/>
+            </a:pPr>
+            <a:r>
+              <a:rPr lang="ru-RU" smtClean="0"/>
+              <a:t>Образец текста</a:t>
+            </a:r>
+          </a:p>
+        </p:txBody>
+      </p:sp>
+      <p:sp>
+        <p:nvSpPr>
+          <p:cNvPr id="4" name="Date Placeholder 3"/>
+          <p:cNvSpPr>
+            <a:spLocks noGrp="1"/>
+          </p:cNvSpPr>
+          <p:nvPr>
+            <p:ph type="dt" sz="half" idx="10"/>
+          </p:nvPr>
+        </p:nvSpPr>
+        <p:spPr/>
+        <p:txBody>
+          <a:bodyPr/>
+          <a:lstStyle/>
+          <a:p>
+            <a:fld id="{BC34E395-A33C-4CC6-B17C-9EC771FD0342}" type="datetimeFigureOut">
+              <a:rPr lang="uk-UA" smtClean="0"/>
+              <a:t>02.11.2021</a:t>
+            </a:fld>
+            <a:endParaRPr lang="uk-UA"/>
+          </a:p>
+        </p:txBody>
+      </p:sp>
+      <p:sp>
+        <p:nvSpPr>
+          <p:cNvPr id="5" name="Footer Placeholder 4"/>
+          <p:cNvSpPr>
+            <a:spLocks noGrp="1"/>
+          </p:cNvSpPr>
+          <p:nvPr>
+            <p:ph type="ftr" sz="quarter" idx="11"/>
+          </p:nvPr>
+        </p:nvSpPr>
+        <p:spPr/>
+        <p:txBody>
+          <a:bodyPr/>
+          <a:lstStyle/>
+          <a:p>
+            <a:endParaRPr lang="uk-UA"/>
+          </a:p>
+        </p:txBody>
+      </p:sp>
+      <p:sp>
+        <p:nvSpPr>
+          <p:cNvPr id="6" name="Slide Number Placeholder 5"/>
+          <p:cNvSpPr>
+            <a:spLocks noGrp="1"/>
+          </p:cNvSpPr>
+          <p:nvPr>
+            <p:ph type="sldNum" sz="quarter" idx="12"/>
+          </p:nvPr>
+        </p:nvSpPr>
+        <p:spPr/>
+        <p:txBody>
+          <a:bodyPr/>
+          <a:lstStyle/>
+          <a:p>
+            <a:fld id="{6EC32855-EFDB-4CC7-B0F9-A3B9E542C9AE}" type="slidenum">
+              <a:rPr lang="uk-UA" smtClean="0"/>
+              <a:t>‹#›</a:t>
+            </a:fld>
+            <a:endParaRPr lang="uk-UA"/>
+          </a:p>
+        </p:txBody>
+      </p:sp>
+    </p:spTree>
+    <p:extLst>
+      <p:ext uri="{BB962C8B-B14F-4D97-AF65-F5344CB8AC3E}">
+        <p14:creationId xmlns:p14="http://schemas.microsoft.com/office/powerpoint/2010/main" val="3827478867"/>
+      </p:ext>
+    </p:extLst>
+  </p:cSld>
+  <p:clrMapOvr>
+    <a:masterClrMapping/>
+  </p:clrMapOvr>
+</p:sldLayout>
+</file>
+
+<file path=ppt/slideLayouts/slideLayout14.xml><?xml version="1.0" encoding="utf-8"?>
+<p:sldLayout xmlns:a="http://schemas.openxmlformats.org/drawingml/2006/main" xmlns:r="http://schemas.openxmlformats.org/officeDocument/2006/relationships" xmlns:p="http://schemas.openxmlformats.org/presentationml/2006/main" preserve="1">
+  <p:cSld name="Цитата карточки имени">
+    <p:spTree>
+      <p:nvGrpSpPr>
+        <p:cNvPr id="1" name=""/>
+        <p:cNvGrpSpPr/>
+        <p:nvPr/>
+      </p:nvGrpSpPr>
+      <p:grpSpPr>
+        <a:xfrm>
+          <a:off x="0" y="0"/>
+          <a:ext cx="0" cy="0"/>
+          <a:chOff x="0" y="0"/>
+          <a:chExt cx="0" cy="0"/>
+        </a:xfrm>
+      </p:grpSpPr>
+      <p:sp>
+        <p:nvSpPr>
+          <p:cNvPr id="14" name="TextBox 13"/>
+          <p:cNvSpPr txBox="1"/>
+          <p:nvPr/>
+        </p:nvSpPr>
+        <p:spPr>
+          <a:xfrm>
+            <a:off x="836612" y="786824"/>
+            <a:ext cx="609600" cy="584776"/>
+          </a:xfrm>
+          <a:prstGeom prst="rect">
+            <a:avLst/>
+          </a:prstGeom>
+        </p:spPr>
+        <p:txBody>
+          <a:bodyPr vert="horz" lIns="91440" tIns="45720" rIns="91440" bIns="45720" rtlCol="0" anchor="ctr">
+            <a:noAutofit/>
+          </a:bodyPr>
+          <a:lstStyle>
+            <a:lvl1pPr>
+              <a:spcBef>
+                <a:spcPct val="0"/>
+              </a:spcBef>
+              <a:buNone/>
+              <a:defRPr sz="3200" b="0" cap="all">
+                <a:ln w="3175" cmpd="sng">
+                  <a:noFill/>
+                </a:ln>
+                <a:effectLst>
+                  <a:glow rad="38100">
+                    <a:schemeClr val="bg1">
+                      <a:lumMod val="65000"/>
+                      <a:lumOff val="35000"/>
+                      <a:alpha val="40000"/>
+                    </a:schemeClr>
+                  </a:glow>
+                  <a:outerShdw blurRad="28575" dist="38100" dir="14040000" algn="tl" rotWithShape="0">
+                    <a:srgbClr val="000000">
+                      <a:alpha val="25000"/>
+                    </a:srgbClr>
+                  </a:outerShdw>
+                </a:effectLst>
+              </a:defRPr>
+            </a:lvl1pPr>
+            <a:lvl2pPr>
+              <a:defRPr>
+                <a:solidFill>
+                  <a:schemeClr val="tx2"/>
+                </a:solidFill>
+              </a:defRPr>
+            </a:lvl2pPr>
+            <a:lvl3pPr>
+              <a:defRPr>
+                <a:solidFill>
+                  <a:schemeClr val="tx2"/>
+                </a:solidFill>
+              </a:defRPr>
+            </a:lvl3pPr>
+            <a:lvl4pPr>
+              <a:defRPr>
+                <a:solidFill>
+                  <a:schemeClr val="tx2"/>
+                </a:solidFill>
+              </a:defRPr>
+            </a:lvl4pPr>
+            <a:lvl5pPr>
+              <a:defRPr>
+                <a:solidFill>
+                  <a:schemeClr val="tx2"/>
+                </a:solidFill>
+              </a:defRPr>
+            </a:lvl5pPr>
+            <a:lvl6pPr>
+              <a:defRPr>
+                <a:solidFill>
+                  <a:schemeClr val="tx2"/>
+                </a:solidFill>
+              </a:defRPr>
+            </a:lvl6pPr>
+            <a:lvl7pPr>
+              <a:defRPr>
+                <a:solidFill>
+                  <a:schemeClr val="tx2"/>
+                </a:solidFill>
+              </a:defRPr>
+            </a:lvl7pPr>
+            <a:lvl8pPr>
+              <a:defRPr>
+                <a:solidFill>
+                  <a:schemeClr val="tx2"/>
+                </a:solidFill>
+              </a:defRPr>
+            </a:lvl8pPr>
+            <a:lvl9pPr>
+              <a:defRPr>
+                <a:solidFill>
+                  <a:schemeClr val="tx2"/>
+                </a:solidFill>
+              </a:defRPr>
+            </a:lvl9pPr>
+          </a:lstStyle>
+          <a:p>
+            <a:pPr lvl="0"/>
+            <a:r>
+              <a:rPr lang="en-US" sz="8000" dirty="0">
+                <a:solidFill>
+                  <a:schemeClr val="accent1"/>
+                </a:solidFill>
+              </a:rPr>
+              <a:t>“</a:t>
+            </a:r>
+          </a:p>
+        </p:txBody>
+      </p:sp>
+      <p:sp>
+        <p:nvSpPr>
+          <p:cNvPr id="15" name="TextBox 14"/>
+          <p:cNvSpPr txBox="1"/>
+          <p:nvPr/>
+        </p:nvSpPr>
+        <p:spPr>
+          <a:xfrm>
+            <a:off x="10437812" y="2743200"/>
+            <a:ext cx="609600" cy="584776"/>
+          </a:xfrm>
+          <a:prstGeom prst="rect">
+            <a:avLst/>
+          </a:prstGeom>
+        </p:spPr>
+        <p:txBody>
+          <a:bodyPr vert="horz" lIns="91440" tIns="45720" rIns="91440" bIns="45720" rtlCol="0" anchor="ctr">
+            <a:noAutofit/>
+          </a:bodyPr>
+          <a:lstStyle>
+            <a:lvl1pPr>
+              <a:spcBef>
+                <a:spcPct val="0"/>
+              </a:spcBef>
+              <a:buNone/>
+              <a:defRPr sz="3200" b="0" cap="all">
+                <a:ln w="3175" cmpd="sng">
+                  <a:noFill/>
+                </a:ln>
+                <a:effectLst>
+                  <a:glow rad="38100">
+                    <a:schemeClr val="bg1">
+                      <a:lumMod val="65000"/>
+                      <a:lumOff val="35000"/>
+                      <a:alpha val="40000"/>
+                    </a:schemeClr>
+                  </a:glow>
+                  <a:outerShdw blurRad="28575" dist="38100" dir="14040000" algn="tl" rotWithShape="0">
+                    <a:srgbClr val="000000">
+                      <a:alpha val="25000"/>
+                    </a:srgbClr>
+                  </a:outerShdw>
+                </a:effectLst>
+              </a:defRPr>
+            </a:lvl1pPr>
+            <a:lvl2pPr>
+              <a:defRPr>
+                <a:solidFill>
+                  <a:schemeClr val="tx2"/>
+                </a:solidFill>
+              </a:defRPr>
+            </a:lvl2pPr>
+            <a:lvl3pPr>
+              <a:defRPr>
+                <a:solidFill>
+                  <a:schemeClr val="tx2"/>
+                </a:solidFill>
+              </a:defRPr>
+            </a:lvl3pPr>
+            <a:lvl4pPr>
+              <a:defRPr>
+                <a:solidFill>
+                  <a:schemeClr val="tx2"/>
+                </a:solidFill>
+              </a:defRPr>
+            </a:lvl4pPr>
+            <a:lvl5pPr>
+              <a:defRPr>
+                <a:solidFill>
+                  <a:schemeClr val="tx2"/>
+                </a:solidFill>
+              </a:defRPr>
+            </a:lvl5pPr>
+            <a:lvl6pPr>
+              <a:defRPr>
+                <a:solidFill>
+                  <a:schemeClr val="tx2"/>
+                </a:solidFill>
+              </a:defRPr>
+            </a:lvl6pPr>
+            <a:lvl7pPr>
+              <a:defRPr>
+                <a:solidFill>
+                  <a:schemeClr val="tx2"/>
+                </a:solidFill>
+              </a:defRPr>
+            </a:lvl7pPr>
+            <a:lvl8pPr>
+              <a:defRPr>
+                <a:solidFill>
+                  <a:schemeClr val="tx2"/>
+                </a:solidFill>
+              </a:defRPr>
+            </a:lvl8pPr>
+            <a:lvl9pPr>
+              <a:defRPr>
+                <a:solidFill>
+                  <a:schemeClr val="tx2"/>
+                </a:solidFill>
+              </a:defRPr>
+            </a:lvl9pPr>
+          </a:lstStyle>
+          <a:p>
+            <a:pPr lvl="0" algn="r"/>
+            <a:r>
+              <a:rPr lang="en-US" sz="8000" dirty="0">
+                <a:solidFill>
+                  <a:schemeClr val="accent1"/>
+                </a:solidFill>
+              </a:rPr>
+              <a:t>”</a:t>
+            </a:r>
+          </a:p>
+        </p:txBody>
+      </p:sp>
+      <p:sp>
+        <p:nvSpPr>
+          <p:cNvPr id="2" name="Title 1"/>
+          <p:cNvSpPr>
+            <a:spLocks noGrp="1"/>
+          </p:cNvSpPr>
+          <p:nvPr>
+            <p:ph type="title"/>
+          </p:nvPr>
+        </p:nvSpPr>
+        <p:spPr>
+          <a:xfrm>
+            <a:off x="1446213" y="609601"/>
+            <a:ext cx="9296398" cy="2743199"/>
+          </a:xfrm>
+        </p:spPr>
+        <p:txBody>
+          <a:bodyPr anchor="ctr">
+            <a:normAutofit/>
+          </a:bodyPr>
+          <a:lstStyle>
+            <a:lvl1pPr algn="l">
+              <a:defRPr sz="3200" b="0" cap="all">
+                <a:gradFill flip="none" rotWithShape="1">
+                  <a:gsLst>
+                    <a:gs pos="0">
+                      <a:schemeClr val="tx1"/>
+                    </a:gs>
+                    <a:gs pos="100000">
+                      <a:schemeClr val="tx1">
+                        <a:lumMod val="75000"/>
+                      </a:schemeClr>
+                    </a:gs>
+                  </a:gsLst>
+                  <a:lin ang="5400000" scaled="0"/>
+                  <a:tileRect/>
+                </a:gradFill>
+              </a:defRPr>
+            </a:lvl1pPr>
+          </a:lstStyle>
+          <a:p>
+            <a:r>
+              <a:rPr lang="ru-RU" smtClean="0"/>
+              <a:t>Образец заголовка</a:t>
+            </a:r>
+            <a:endParaRPr lang="en-US" dirty="0"/>
+          </a:p>
+        </p:txBody>
+      </p:sp>
+      <p:sp>
+        <p:nvSpPr>
+          <p:cNvPr id="10" name="Text Placeholder 9"/>
+          <p:cNvSpPr>
+            <a:spLocks noGrp="1"/>
+          </p:cNvSpPr>
+          <p:nvPr>
+            <p:ph type="body" sz="quarter" idx="13"/>
+          </p:nvPr>
+        </p:nvSpPr>
+        <p:spPr>
+          <a:xfrm>
+            <a:off x="1141412" y="3886200"/>
+            <a:ext cx="9906000" cy="889000"/>
+          </a:xfrm>
+        </p:spPr>
+        <p:txBody>
+          <a:bodyPr vert="horz" lIns="91440" tIns="45720" rIns="91440" bIns="45720" rtlCol="0" anchor="b">
+            <a:normAutofit/>
+          </a:bodyPr>
+          <a:lstStyle>
+            <a:lvl1pPr>
+              <a:buNone/>
+              <a:defRPr lang="en-US" sz="2400" b="0" cap="all" dirty="0">
+                <a:ln w="3175" cmpd="sng">
+                  <a:noFill/>
+                </a:ln>
+                <a:gradFill flip="none" rotWithShape="1">
+                  <a:gsLst>
+                    <a:gs pos="0">
+                      <a:schemeClr val="tx1"/>
+                    </a:gs>
+                    <a:gs pos="100000">
+                      <a:schemeClr val="tx1">
+                        <a:lumMod val="75000"/>
+                      </a:schemeClr>
+                    </a:gs>
+                  </a:gsLst>
+                  <a:lin ang="5400000" scaled="0"/>
+                  <a:tileRect/>
+                </a:gradFill>
+                <a:effectLst>
+                  <a:glow rad="38100">
+                    <a:schemeClr val="bg1">
+                      <a:lumMod val="65000"/>
+                      <a:lumOff val="35000"/>
+                      <a:alpha val="40000"/>
+                    </a:schemeClr>
+                  </a:glow>
+                  <a:outerShdw blurRad="28575" dist="38100" dir="14040000" algn="tl" rotWithShape="0">
+                    <a:srgbClr val="000000">
+                      <a:alpha val="25000"/>
+                    </a:srgbClr>
+                  </a:outerShdw>
+                </a:effectLst>
+              </a:defRPr>
+            </a:lvl1pPr>
+          </a:lstStyle>
+          <a:p>
+            <a:pPr marL="0" lvl="0">
+              <a:spcBef>
+                <a:spcPct val="0"/>
+              </a:spcBef>
+              <a:buNone/>
+            </a:pPr>
+            <a:r>
+              <a:rPr lang="ru-RU" smtClean="0"/>
+              <a:t>Образец текста</a:t>
+            </a:r>
+          </a:p>
+        </p:txBody>
+      </p:sp>
+      <p:sp>
+        <p:nvSpPr>
+          <p:cNvPr id="3" name="Text Placeholder 2"/>
+          <p:cNvSpPr>
+            <a:spLocks noGrp="1"/>
+          </p:cNvSpPr>
+          <p:nvPr>
+            <p:ph type="body" idx="1"/>
+          </p:nvPr>
+        </p:nvSpPr>
+        <p:spPr>
+          <a:xfrm>
+            <a:off x="1141411" y="4775200"/>
+            <a:ext cx="9906000" cy="1016000"/>
+          </a:xfrm>
+        </p:spPr>
+        <p:txBody>
+          <a:bodyPr anchor="t">
+            <a:normAutofit/>
+          </a:bodyPr>
+          <a:lstStyle>
+            <a:lvl1pPr marL="0" indent="0" algn="l">
+              <a:buNone/>
+              <a:defRPr sz="1800">
+                <a:gradFill flip="none" rotWithShape="1">
+                  <a:gsLst>
+                    <a:gs pos="0">
+                      <a:schemeClr val="tx1"/>
+                    </a:gs>
+                    <a:gs pos="100000">
+                      <a:schemeClr val="tx1">
+                        <a:lumMod val="75000"/>
+                      </a:schemeClr>
+                    </a:gs>
+                  </a:gsLst>
+                  <a:lin ang="5400000" scaled="0"/>
+                  <a:tileRect/>
+                </a:gradFill>
+              </a:defRPr>
+            </a:lvl1pPr>
+            <a:lvl2pPr marL="457200" indent="0">
+              <a:buNone/>
+              <a:defRPr sz="1800">
+                <a:solidFill>
+                  <a:schemeClr val="tx1">
+                    <a:tint val="75000"/>
+                  </a:schemeClr>
+                </a:solidFill>
+              </a:defRPr>
+            </a:lvl2pPr>
+            <a:lvl3pPr marL="914400" indent="0">
+              <a:buNone/>
+              <a:defRPr sz="1600">
+                <a:solidFill>
+                  <a:schemeClr val="tx1">
+                    <a:tint val="75000"/>
+                  </a:schemeClr>
+                </a:solidFill>
+              </a:defRPr>
+            </a:lvl3pPr>
+            <a:lvl4pPr marL="1371600" indent="0">
+              <a:buNone/>
+              <a:defRPr sz="1400">
+                <a:solidFill>
+                  <a:schemeClr val="tx1">
+                    <a:tint val="75000"/>
+                  </a:schemeClr>
+                </a:solidFill>
+              </a:defRPr>
+            </a:lvl4pPr>
+            <a:lvl5pPr marL="1828800" indent="0">
+              <a:buNone/>
+              <a:defRPr sz="1400">
+                <a:solidFill>
+                  <a:schemeClr val="tx1">
+                    <a:tint val="75000"/>
+                  </a:schemeClr>
+                </a:solidFill>
+              </a:defRPr>
+            </a:lvl5pPr>
+            <a:lvl6pPr marL="2286000" indent="0">
+              <a:buNone/>
+              <a:defRPr sz="1400">
+                <a:solidFill>
+                  <a:schemeClr val="tx1">
+                    <a:tint val="75000"/>
+                  </a:schemeClr>
+                </a:solidFill>
+              </a:defRPr>
+            </a:lvl6pPr>
+            <a:lvl7pPr marL="2743200" indent="0">
+              <a:buNone/>
+              <a:defRPr sz="1400">
+                <a:solidFill>
+                  <a:schemeClr val="tx1">
+                    <a:tint val="75000"/>
+                  </a:schemeClr>
+                </a:solidFill>
+              </a:defRPr>
+            </a:lvl7pPr>
+            <a:lvl8pPr marL="3200400" indent="0">
+              <a:buNone/>
+              <a:defRPr sz="1400">
+                <a:solidFill>
+                  <a:schemeClr val="tx1">
+                    <a:tint val="75000"/>
+                  </a:schemeClr>
+                </a:solidFill>
+              </a:defRPr>
+            </a:lvl8pPr>
+            <a:lvl9pPr marL="3657600" indent="0">
+              <a:buNone/>
+              <a:defRPr sz="1400">
+                <a:solidFill>
+                  <a:schemeClr val="tx1">
+                    <a:tint val="75000"/>
+                  </a:schemeClr>
+                </a:solidFill>
+              </a:defRPr>
+            </a:lvl9pPr>
+          </a:lstStyle>
+          <a:p>
+            <a:pPr lvl="0"/>
+            <a:r>
+              <a:rPr lang="ru-RU" smtClean="0"/>
+              <a:t>Образец текста</a:t>
+            </a:r>
+          </a:p>
+        </p:txBody>
+      </p:sp>
+      <p:sp>
+        <p:nvSpPr>
+          <p:cNvPr id="4" name="Date Placeholder 3"/>
+          <p:cNvSpPr>
+            <a:spLocks noGrp="1"/>
+          </p:cNvSpPr>
+          <p:nvPr>
+            <p:ph type="dt" sz="half" idx="10"/>
+          </p:nvPr>
+        </p:nvSpPr>
+        <p:spPr/>
+        <p:txBody>
+          <a:bodyPr/>
+          <a:lstStyle/>
+          <a:p>
+            <a:fld id="{BC34E395-A33C-4CC6-B17C-9EC771FD0342}" type="datetimeFigureOut">
+              <a:rPr lang="uk-UA" smtClean="0"/>
+              <a:t>02.11.2021</a:t>
+            </a:fld>
+            <a:endParaRPr lang="uk-UA"/>
+          </a:p>
+        </p:txBody>
+      </p:sp>
+      <p:sp>
+        <p:nvSpPr>
+          <p:cNvPr id="5" name="Footer Placeholder 4"/>
+          <p:cNvSpPr>
+            <a:spLocks noGrp="1"/>
+          </p:cNvSpPr>
+          <p:nvPr>
+            <p:ph type="ftr" sz="quarter" idx="11"/>
+          </p:nvPr>
+        </p:nvSpPr>
+        <p:spPr/>
+        <p:txBody>
+          <a:bodyPr/>
+          <a:lstStyle/>
+          <a:p>
+            <a:endParaRPr lang="uk-UA"/>
+          </a:p>
+        </p:txBody>
+      </p:sp>
+      <p:sp>
+        <p:nvSpPr>
+          <p:cNvPr id="6" name="Slide Number Placeholder 5"/>
+          <p:cNvSpPr>
+            <a:spLocks noGrp="1"/>
+          </p:cNvSpPr>
+          <p:nvPr>
+            <p:ph type="sldNum" sz="quarter" idx="12"/>
+          </p:nvPr>
+        </p:nvSpPr>
+        <p:spPr/>
+        <p:txBody>
+          <a:bodyPr/>
+          <a:lstStyle/>
+          <a:p>
+            <a:fld id="{6EC32855-EFDB-4CC7-B0F9-A3B9E542C9AE}" type="slidenum">
+              <a:rPr lang="uk-UA" smtClean="0"/>
+              <a:t>‹#›</a:t>
+            </a:fld>
+            <a:endParaRPr lang="uk-UA"/>
+          </a:p>
+        </p:txBody>
+      </p:sp>
+    </p:spTree>
+    <p:extLst>
+      <p:ext uri="{BB962C8B-B14F-4D97-AF65-F5344CB8AC3E}">
+        <p14:creationId xmlns:p14="http://schemas.microsoft.com/office/powerpoint/2010/main" val="906460194"/>
+      </p:ext>
+    </p:extLst>
+  </p:cSld>
+  <p:clrMapOvr>
+    <a:masterClrMapping/>
+  </p:clrMapOvr>
+</p:sldLayout>
+</file>
+
+<file path=ppt/slideLayouts/slideLayout15.xml><?xml version="1.0" encoding="utf-8"?>
+<p:sldLayout xmlns:a="http://schemas.openxmlformats.org/drawingml/2006/main" xmlns:r="http://schemas.openxmlformats.org/officeDocument/2006/relationships" xmlns:p="http://schemas.openxmlformats.org/presentationml/2006/main" preserve="1">
+  <p:cSld name="Истина или ложь">
+    <p:spTree>
+      <p:nvGrpSpPr>
+        <p:cNvPr id="1" name=""/>
+        <p:cNvGrpSpPr/>
+        <p:nvPr/>
+      </p:nvGrpSpPr>
+      <p:grpSpPr>
+        <a:xfrm>
+          <a:off x="0" y="0"/>
+          <a:ext cx="0" cy="0"/>
+          <a:chOff x="0" y="0"/>
+          <a:chExt cx="0" cy="0"/>
+        </a:xfrm>
+      </p:grpSpPr>
+      <p:sp>
+        <p:nvSpPr>
+          <p:cNvPr id="2" name="Title 1"/>
+          <p:cNvSpPr>
+            <a:spLocks noGrp="1"/>
+          </p:cNvSpPr>
+          <p:nvPr>
+            <p:ph type="title"/>
+          </p:nvPr>
+        </p:nvSpPr>
+        <p:spPr>
+          <a:xfrm>
+            <a:off x="1141412" y="609601"/>
+            <a:ext cx="9905999" cy="2743199"/>
+          </a:xfrm>
+        </p:spPr>
+        <p:txBody>
+          <a:bodyPr vert="horz" lIns="91440" tIns="45720" rIns="91440" bIns="45720" rtlCol="0" anchor="ctr">
+            <a:normAutofit/>
+          </a:bodyPr>
+          <a:lstStyle>
+            <a:lvl1pPr>
+              <a:defRPr lang="en-US" b="0" dirty="0"/>
+            </a:lvl1pPr>
+          </a:lstStyle>
+          <a:p>
+            <a:pPr marL="0" lvl="0"/>
+            <a:r>
+              <a:rPr lang="ru-RU" smtClean="0"/>
+              <a:t>Образец заголовка</a:t>
+            </a:r>
+            <a:endParaRPr lang="en-US" dirty="0"/>
+          </a:p>
+        </p:txBody>
+      </p:sp>
+      <p:sp>
+        <p:nvSpPr>
+          <p:cNvPr id="10" name="Text Placeholder 9"/>
+          <p:cNvSpPr>
+            <a:spLocks noGrp="1"/>
+          </p:cNvSpPr>
+          <p:nvPr>
+            <p:ph type="body" sz="quarter" idx="13"/>
+          </p:nvPr>
+        </p:nvSpPr>
+        <p:spPr>
+          <a:xfrm>
+            <a:off x="1141412" y="3505200"/>
+            <a:ext cx="9906000" cy="838200"/>
+          </a:xfrm>
+        </p:spPr>
+        <p:txBody>
+          <a:bodyPr vert="horz" lIns="91440" tIns="45720" rIns="91440" bIns="45720" rtlCol="0" anchor="b">
+            <a:normAutofit/>
+          </a:bodyPr>
+          <a:lstStyle>
+            <a:lvl1pPr>
+              <a:buNone/>
+              <a:defRPr lang="en-US" sz="2800" b="0" cap="all" dirty="0">
+                <a:ln w="3175" cmpd="sng">
+                  <a:noFill/>
+                </a:ln>
+                <a:gradFill flip="none" rotWithShape="1">
+                  <a:gsLst>
+                    <a:gs pos="0">
+                      <a:schemeClr val="tx1"/>
+                    </a:gs>
+                    <a:gs pos="100000">
+                      <a:schemeClr val="tx1">
+                        <a:lumMod val="75000"/>
+                      </a:schemeClr>
+                    </a:gs>
+                  </a:gsLst>
+                  <a:lin ang="5400000" scaled="0"/>
+                  <a:tileRect/>
+                </a:gradFill>
+                <a:effectLst>
+                  <a:glow rad="38100">
+                    <a:schemeClr val="bg1">
+                      <a:lumMod val="65000"/>
+                      <a:lumOff val="35000"/>
+                      <a:alpha val="40000"/>
+                    </a:schemeClr>
+                  </a:glow>
+                  <a:outerShdw blurRad="28575" dist="38100" dir="14040000" algn="tl" rotWithShape="0">
+                    <a:srgbClr val="000000">
+                      <a:alpha val="25000"/>
+                    </a:srgbClr>
+                  </a:outerShdw>
+                </a:effectLst>
+              </a:defRPr>
+            </a:lvl1pPr>
+          </a:lstStyle>
+          <a:p>
+            <a:pPr marL="0" lvl="0">
+              <a:spcBef>
+                <a:spcPct val="0"/>
+              </a:spcBef>
+              <a:buNone/>
+            </a:pPr>
+            <a:r>
+              <a:rPr lang="ru-RU" smtClean="0"/>
+              <a:t>Образец текста</a:t>
+            </a:r>
+          </a:p>
+        </p:txBody>
+      </p:sp>
+      <p:sp>
+        <p:nvSpPr>
+          <p:cNvPr id="3" name="Text Placeholder 2"/>
+          <p:cNvSpPr>
+            <a:spLocks noGrp="1"/>
+          </p:cNvSpPr>
+          <p:nvPr>
+            <p:ph type="body" idx="1"/>
+          </p:nvPr>
+        </p:nvSpPr>
+        <p:spPr>
+          <a:xfrm>
+            <a:off x="1141411" y="4343400"/>
+            <a:ext cx="9906000" cy="1447800"/>
+          </a:xfrm>
+        </p:spPr>
+        <p:txBody>
+          <a:bodyPr anchor="t">
+            <a:normAutofit/>
+          </a:bodyPr>
+          <a:lstStyle>
+            <a:lvl1pPr marL="0" indent="0" algn="l">
+              <a:buNone/>
+              <a:defRPr sz="1800">
+                <a:gradFill flip="none" rotWithShape="1">
+                  <a:gsLst>
+                    <a:gs pos="0">
+                      <a:schemeClr val="tx1"/>
+                    </a:gs>
+                    <a:gs pos="100000">
+                      <a:schemeClr val="tx1">
+                        <a:lumMod val="75000"/>
+                      </a:schemeClr>
+                    </a:gs>
+                  </a:gsLst>
+                  <a:lin ang="5400000" scaled="0"/>
+                  <a:tileRect/>
+                </a:gradFill>
+              </a:defRPr>
+            </a:lvl1pPr>
+            <a:lvl2pPr marL="457200" indent="0">
+              <a:buNone/>
+              <a:defRPr sz="1800">
+                <a:solidFill>
+                  <a:schemeClr val="tx1">
+                    <a:tint val="75000"/>
+                  </a:schemeClr>
+                </a:solidFill>
+              </a:defRPr>
+            </a:lvl2pPr>
+            <a:lvl3pPr marL="914400" indent="0">
+              <a:buNone/>
+              <a:defRPr sz="1600">
+                <a:solidFill>
+                  <a:schemeClr val="tx1">
+                    <a:tint val="75000"/>
+                  </a:schemeClr>
+                </a:solidFill>
+              </a:defRPr>
+            </a:lvl3pPr>
+            <a:lvl4pPr marL="1371600" indent="0">
+              <a:buNone/>
+              <a:defRPr sz="1400">
+                <a:solidFill>
+                  <a:schemeClr val="tx1">
+                    <a:tint val="75000"/>
+                  </a:schemeClr>
+                </a:solidFill>
+              </a:defRPr>
+            </a:lvl4pPr>
+            <a:lvl5pPr marL="1828800" indent="0">
+              <a:buNone/>
+              <a:defRPr sz="1400">
+                <a:solidFill>
+                  <a:schemeClr val="tx1">
+                    <a:tint val="75000"/>
+                  </a:schemeClr>
+                </a:solidFill>
+              </a:defRPr>
+            </a:lvl5pPr>
+            <a:lvl6pPr marL="2286000" indent="0">
+              <a:buNone/>
+              <a:defRPr sz="1400">
+                <a:solidFill>
+                  <a:schemeClr val="tx1">
+                    <a:tint val="75000"/>
+                  </a:schemeClr>
+                </a:solidFill>
+              </a:defRPr>
+            </a:lvl6pPr>
+            <a:lvl7pPr marL="2743200" indent="0">
+              <a:buNone/>
+              <a:defRPr sz="1400">
+                <a:solidFill>
+                  <a:schemeClr val="tx1">
+                    <a:tint val="75000"/>
+                  </a:schemeClr>
+                </a:solidFill>
+              </a:defRPr>
+            </a:lvl7pPr>
+            <a:lvl8pPr marL="3200400" indent="0">
+              <a:buNone/>
+              <a:defRPr sz="1400">
+                <a:solidFill>
+                  <a:schemeClr val="tx1">
+                    <a:tint val="75000"/>
+                  </a:schemeClr>
+                </a:solidFill>
+              </a:defRPr>
+            </a:lvl8pPr>
+            <a:lvl9pPr marL="3657600" indent="0">
+              <a:buNone/>
+              <a:defRPr sz="1400">
+                <a:solidFill>
+                  <a:schemeClr val="tx1">
+                    <a:tint val="75000"/>
+                  </a:schemeClr>
+                </a:solidFill>
+              </a:defRPr>
+            </a:lvl9pPr>
+          </a:lstStyle>
+          <a:p>
+            <a:pPr lvl="0"/>
+            <a:r>
+              <a:rPr lang="ru-RU" smtClean="0"/>
+              <a:t>Образец текста</a:t>
+            </a:r>
+          </a:p>
+        </p:txBody>
+      </p:sp>
+      <p:sp>
+        <p:nvSpPr>
+          <p:cNvPr id="4" name="Date Placeholder 3"/>
+          <p:cNvSpPr>
+            <a:spLocks noGrp="1"/>
+          </p:cNvSpPr>
+          <p:nvPr>
+            <p:ph type="dt" sz="half" idx="10"/>
+          </p:nvPr>
+        </p:nvSpPr>
+        <p:spPr/>
+        <p:txBody>
+          <a:bodyPr/>
+          <a:lstStyle/>
+          <a:p>
+            <a:fld id="{BC34E395-A33C-4CC6-B17C-9EC771FD0342}" type="datetimeFigureOut">
+              <a:rPr lang="uk-UA" smtClean="0"/>
+              <a:t>02.11.2021</a:t>
+            </a:fld>
+            <a:endParaRPr lang="uk-UA"/>
+          </a:p>
+        </p:txBody>
+      </p:sp>
+      <p:sp>
+        <p:nvSpPr>
+          <p:cNvPr id="5" name="Footer Placeholder 4"/>
+          <p:cNvSpPr>
+            <a:spLocks noGrp="1"/>
+          </p:cNvSpPr>
+          <p:nvPr>
+            <p:ph type="ftr" sz="quarter" idx="11"/>
+          </p:nvPr>
+        </p:nvSpPr>
+        <p:spPr/>
+        <p:txBody>
+          <a:bodyPr/>
+          <a:lstStyle/>
+          <a:p>
+            <a:endParaRPr lang="uk-UA"/>
+          </a:p>
+        </p:txBody>
+      </p:sp>
+      <p:sp>
+        <p:nvSpPr>
+          <p:cNvPr id="6" name="Slide Number Placeholder 5"/>
+          <p:cNvSpPr>
+            <a:spLocks noGrp="1"/>
+          </p:cNvSpPr>
+          <p:nvPr>
+            <p:ph type="sldNum" sz="quarter" idx="12"/>
+          </p:nvPr>
+        </p:nvSpPr>
+        <p:spPr/>
+        <p:txBody>
+          <a:bodyPr/>
+          <a:lstStyle/>
+          <a:p>
+            <a:fld id="{6EC32855-EFDB-4CC7-B0F9-A3B9E542C9AE}" type="slidenum">
+              <a:rPr lang="uk-UA" smtClean="0"/>
+              <a:t>‹#›</a:t>
+            </a:fld>
+            <a:endParaRPr lang="uk-UA"/>
+          </a:p>
+        </p:txBody>
+      </p:sp>
+    </p:spTree>
+    <p:extLst>
+      <p:ext uri="{BB962C8B-B14F-4D97-AF65-F5344CB8AC3E}">
+        <p14:creationId xmlns:p14="http://schemas.microsoft.com/office/powerpoint/2010/main" val="81336834"/>
+      </p:ext>
+    </p:extLst>
+  </p:cSld>
+  <p:clrMapOvr>
+    <a:masterClrMapping/>
+  </p:clrMapOvr>
+</p:sldLayout>
+</file>
+
+<file path=ppt/slideLayouts/slideLayout16.xml><?xml version="1.0" encoding="utf-8"?>
 <p:sldLayout xmlns:a="http://schemas.openxmlformats.org/drawingml/2006/main" xmlns:r="http://schemas.openxmlformats.org/officeDocument/2006/relationships" xmlns:p="http://schemas.openxmlformats.org/presentationml/2006/main" type="vertTx" preserve="1">
   <p:cSld name="Заголовок и вертикальный текст">
     <p:spTree>
@@ -337,7 +2526,7 @@
       </p:grpSpPr>
       <p:sp>
         <p:nvSpPr>
-          <p:cNvPr id="2" name="Заголовок 1"/>
+          <p:cNvPr id="7" name="Title 1"/>
           <p:cNvSpPr>
             <a:spLocks noGrp="1"/>
           </p:cNvSpPr>
@@ -345,7 +2534,12 @@
             <p:ph type="title"/>
           </p:nvPr>
         </p:nvSpPr>
-        <p:spPr/>
+        <p:spPr>
+          <a:xfrm>
+            <a:off x="1141413" y="609600"/>
+            <a:ext cx="9905998" cy="1905000"/>
+          </a:xfrm>
+        </p:spPr>
         <p:txBody>
           <a:bodyPr/>
           <a:lstStyle/>
@@ -354,13 +2548,13 @@
               <a:rPr lang="ru-RU" smtClean="0"/>
               <a:t>Образец заголовка</a:t>
             </a:r>
-            <a:endParaRPr lang="uk-UA"/>
-          </a:p>
-        </p:txBody>
-      </p:sp>
-      <p:sp>
-        <p:nvSpPr>
-          <p:cNvPr id="3" name="Вертикальный текст 2"/>
+            <a:endParaRPr lang="en-US" dirty="0"/>
+          </a:p>
+        </p:txBody>
+      </p:sp>
+      <p:sp>
+        <p:nvSpPr>
+          <p:cNvPr id="3" name="Vertical Text Placeholder 2"/>
           <p:cNvSpPr>
             <a:spLocks noGrp="1"/>
           </p:cNvSpPr>
@@ -370,7 +2564,7 @@
         </p:nvSpPr>
         <p:spPr/>
         <p:txBody>
-          <a:bodyPr vert="eaVert"/>
+          <a:bodyPr vert="eaVert" anchor="t"/>
           <a:lstStyle/>
           <a:p>
             <a:pPr lvl="0"/>
@@ -406,13 +2600,13 @@
               <a:rPr lang="ru-RU" smtClean="0"/>
               <a:t>Пятый уровень</a:t>
             </a:r>
-            <a:endParaRPr lang="uk-UA"/>
-          </a:p>
-        </p:txBody>
-      </p:sp>
-      <p:sp>
-        <p:nvSpPr>
-          <p:cNvPr id="4" name="Дата 3"/>
+            <a:endParaRPr lang="en-US" dirty="0"/>
+          </a:p>
+        </p:txBody>
+      </p:sp>
+      <p:sp>
+        <p:nvSpPr>
+          <p:cNvPr id="4" name="Date Placeholder 3"/>
           <p:cNvSpPr>
             <a:spLocks noGrp="1"/>
           </p:cNvSpPr>
@@ -427,7 +2621,7 @@
           <a:p>
             <a:fld id="{BC34E395-A33C-4CC6-B17C-9EC771FD0342}" type="datetimeFigureOut">
               <a:rPr lang="uk-UA" smtClean="0"/>
-              <a:t>05.10.2021</a:t>
+              <a:t>02.11.2021</a:t>
             </a:fld>
             <a:endParaRPr lang="uk-UA"/>
           </a:p>
@@ -435,7 +2629,7 @@
       </p:sp>
       <p:sp>
         <p:nvSpPr>
-          <p:cNvPr id="5" name="Нижний колонтитул 4"/>
+          <p:cNvPr id="5" name="Footer Placeholder 4"/>
           <p:cNvSpPr>
             <a:spLocks noGrp="1"/>
           </p:cNvSpPr>
@@ -454,7 +2648,7 @@
       </p:sp>
       <p:sp>
         <p:nvSpPr>
-          <p:cNvPr id="6" name="Номер слайда 5"/>
+          <p:cNvPr id="6" name="Slide Number Placeholder 5"/>
           <p:cNvSpPr>
             <a:spLocks noGrp="1"/>
           </p:cNvSpPr>
@@ -478,7 +2672,7 @@
     </p:spTree>
     <p:extLst>
       <p:ext uri="{BB962C8B-B14F-4D97-AF65-F5344CB8AC3E}">
-        <p14:creationId xmlns:p14="http://schemas.microsoft.com/office/powerpoint/2010/main" val="252228722"/>
+        <p14:creationId xmlns:p14="http://schemas.microsoft.com/office/powerpoint/2010/main" val="1170594667"/>
       </p:ext>
     </p:extLst>
   </p:cSld>
@@ -488,7 +2682,7 @@
 </p:sldLayout>
 </file>
 
-<file path=ppt/slideLayouts/slideLayout11.xml><?xml version="1.0" encoding="utf-8"?>
+<file path=ppt/slideLayouts/slideLayout17.xml><?xml version="1.0" encoding="utf-8"?>
 <p:sldLayout xmlns:a="http://schemas.openxmlformats.org/drawingml/2006/main" xmlns:r="http://schemas.openxmlformats.org/officeDocument/2006/relationships" xmlns:p="http://schemas.openxmlformats.org/presentationml/2006/main" type="vertTitleAndTx" preserve="1">
   <p:cSld name="Вертикальный заголовок и текст">
     <p:spTree>
@@ -507,7 +2701,7 @@
       </p:grpSpPr>
       <p:sp>
         <p:nvSpPr>
-          <p:cNvPr id="2" name="Вертикальный заголовок 1"/>
+          <p:cNvPr id="2" name="Vertical Title 1"/>
           <p:cNvSpPr>
             <a:spLocks noGrp="1"/>
           </p:cNvSpPr>
@@ -517,8 +2711,8 @@
         </p:nvSpPr>
         <p:spPr>
           <a:xfrm>
-            <a:off x="8724900" y="365125"/>
-            <a:ext cx="2628900" cy="5811838"/>
+            <a:off x="8836898" y="609599"/>
+            <a:ext cx="2210514" cy="5181601"/>
           </a:xfrm>
         </p:spPr>
         <p:txBody>
@@ -529,13 +2723,13 @@
               <a:rPr lang="ru-RU" smtClean="0"/>
               <a:t>Образец заголовка</a:t>
             </a:r>
-            <a:endParaRPr lang="uk-UA"/>
-          </a:p>
-        </p:txBody>
-      </p:sp>
-      <p:sp>
-        <p:nvSpPr>
-          <p:cNvPr id="3" name="Вертикальный текст 2"/>
+            <a:endParaRPr lang="en-US" dirty="0"/>
+          </a:p>
+        </p:txBody>
+      </p:sp>
+      <p:sp>
+        <p:nvSpPr>
+          <p:cNvPr id="3" name="Vertical Text Placeholder 2"/>
           <p:cNvSpPr>
             <a:spLocks noGrp="1"/>
           </p:cNvSpPr>
@@ -545,12 +2739,12 @@
         </p:nvSpPr>
         <p:spPr>
           <a:xfrm>
-            <a:off x="838200" y="365125"/>
-            <a:ext cx="7734300" cy="5811838"/>
+            <a:off x="1141412" y="609600"/>
+            <a:ext cx="7543800" cy="5181600"/>
           </a:xfrm>
         </p:spPr>
         <p:txBody>
-          <a:bodyPr vert="eaVert"/>
+          <a:bodyPr vert="eaVert" anchor="t"/>
           <a:lstStyle/>
           <a:p>
             <a:pPr lvl="0"/>
@@ -586,13 +2780,13 @@
               <a:rPr lang="ru-RU" smtClean="0"/>
               <a:t>Пятый уровень</a:t>
             </a:r>
-            <a:endParaRPr lang="uk-UA"/>
-          </a:p>
-        </p:txBody>
-      </p:sp>
-      <p:sp>
-        <p:nvSpPr>
-          <p:cNvPr id="4" name="Дата 3"/>
+            <a:endParaRPr lang="en-US" dirty="0"/>
+          </a:p>
+        </p:txBody>
+      </p:sp>
+      <p:sp>
+        <p:nvSpPr>
+          <p:cNvPr id="4" name="Date Placeholder 3"/>
           <p:cNvSpPr>
             <a:spLocks noGrp="1"/>
           </p:cNvSpPr>
@@ -607,7 +2801,7 @@
           <a:p>
             <a:fld id="{BC34E395-A33C-4CC6-B17C-9EC771FD0342}" type="datetimeFigureOut">
               <a:rPr lang="uk-UA" smtClean="0"/>
-              <a:t>05.10.2021</a:t>
+              <a:t>02.11.2021</a:t>
             </a:fld>
             <a:endParaRPr lang="uk-UA"/>
           </a:p>
@@ -615,7 +2809,7 @@
       </p:sp>
       <p:sp>
         <p:nvSpPr>
-          <p:cNvPr id="5" name="Нижний колонтитул 4"/>
+          <p:cNvPr id="5" name="Footer Placeholder 4"/>
           <p:cNvSpPr>
             <a:spLocks noGrp="1"/>
           </p:cNvSpPr>
@@ -634,7 +2828,7 @@
       </p:sp>
       <p:sp>
         <p:nvSpPr>
-          <p:cNvPr id="6" name="Номер слайда 5"/>
+          <p:cNvPr id="6" name="Slide Number Placeholder 5"/>
           <p:cNvSpPr>
             <a:spLocks noGrp="1"/>
           </p:cNvSpPr>
@@ -658,7 +2852,7 @@
     </p:spTree>
     <p:extLst>
       <p:ext uri="{BB962C8B-B14F-4D97-AF65-F5344CB8AC3E}">
-        <p14:creationId xmlns:p14="http://schemas.microsoft.com/office/powerpoint/2010/main" val="518340171"/>
+        <p14:creationId xmlns:p14="http://schemas.microsoft.com/office/powerpoint/2010/main" val="3579683813"/>
       </p:ext>
     </p:extLst>
   </p:cSld>
@@ -687,7 +2881,7 @@
       </p:grpSpPr>
       <p:sp>
         <p:nvSpPr>
-          <p:cNvPr id="2" name="Заголовок 1"/>
+          <p:cNvPr id="2" name="Title 1"/>
           <p:cNvSpPr>
             <a:spLocks noGrp="1"/>
           </p:cNvSpPr>
@@ -704,13 +2898,13 @@
               <a:rPr lang="ru-RU" smtClean="0"/>
               <a:t>Образец заголовка</a:t>
             </a:r>
-            <a:endParaRPr lang="uk-UA"/>
-          </a:p>
-        </p:txBody>
-      </p:sp>
-      <p:sp>
-        <p:nvSpPr>
-          <p:cNvPr id="3" name="Объект 2"/>
+            <a:endParaRPr lang="en-US" dirty="0"/>
+          </a:p>
+        </p:txBody>
+      </p:sp>
+      <p:sp>
+        <p:nvSpPr>
+          <p:cNvPr id="3" name="Content Placeholder 2"/>
           <p:cNvSpPr>
             <a:spLocks noGrp="1"/>
           </p:cNvSpPr>
@@ -720,7 +2914,7 @@
         </p:nvSpPr>
         <p:spPr/>
         <p:txBody>
-          <a:bodyPr/>
+          <a:bodyPr anchor="ctr"/>
           <a:lstStyle/>
           <a:p>
             <a:pPr lvl="0"/>
@@ -756,13 +2950,13 @@
               <a:rPr lang="ru-RU" smtClean="0"/>
               <a:t>Пятый уровень</a:t>
             </a:r>
-            <a:endParaRPr lang="uk-UA"/>
-          </a:p>
-        </p:txBody>
-      </p:sp>
-      <p:sp>
-        <p:nvSpPr>
-          <p:cNvPr id="4" name="Дата 3"/>
+            <a:endParaRPr lang="en-US" dirty="0"/>
+          </a:p>
+        </p:txBody>
+      </p:sp>
+      <p:sp>
+        <p:nvSpPr>
+          <p:cNvPr id="4" name="Date Placeholder 3"/>
           <p:cNvSpPr>
             <a:spLocks noGrp="1"/>
           </p:cNvSpPr>
@@ -777,7 +2971,7 @@
           <a:p>
             <a:fld id="{BC34E395-A33C-4CC6-B17C-9EC771FD0342}" type="datetimeFigureOut">
               <a:rPr lang="uk-UA" smtClean="0"/>
-              <a:t>05.10.2021</a:t>
+              <a:t>02.11.2021</a:t>
             </a:fld>
             <a:endParaRPr lang="uk-UA"/>
           </a:p>
@@ -785,7 +2979,7 @@
       </p:sp>
       <p:sp>
         <p:nvSpPr>
-          <p:cNvPr id="5" name="Нижний колонтитул 4"/>
+          <p:cNvPr id="5" name="Footer Placeholder 4"/>
           <p:cNvSpPr>
             <a:spLocks noGrp="1"/>
           </p:cNvSpPr>
@@ -804,7 +2998,7 @@
       </p:sp>
       <p:sp>
         <p:nvSpPr>
-          <p:cNvPr id="6" name="Номер слайда 5"/>
+          <p:cNvPr id="6" name="Slide Number Placeholder 5"/>
           <p:cNvSpPr>
             <a:spLocks noGrp="1"/>
           </p:cNvSpPr>
@@ -828,7 +3022,7 @@
     </p:spTree>
     <p:extLst>
       <p:ext uri="{BB962C8B-B14F-4D97-AF65-F5344CB8AC3E}">
-        <p14:creationId xmlns:p14="http://schemas.microsoft.com/office/powerpoint/2010/main" val="3021573078"/>
+        <p14:creationId xmlns:p14="http://schemas.microsoft.com/office/powerpoint/2010/main" val="3324678993"/>
       </p:ext>
     </p:extLst>
   </p:cSld>
@@ -857,7 +3051,7 @@
       </p:grpSpPr>
       <p:sp>
         <p:nvSpPr>
-          <p:cNvPr id="2" name="Заголовок 1"/>
+          <p:cNvPr id="2" name="Title 1"/>
           <p:cNvSpPr>
             <a:spLocks noGrp="1"/>
           </p:cNvSpPr>
@@ -867,15 +3061,15 @@
         </p:nvSpPr>
         <p:spPr>
           <a:xfrm>
-            <a:off x="831850" y="1709738"/>
-            <a:ext cx="10515600" cy="2852737"/>
+            <a:off x="1751013" y="3308581"/>
+            <a:ext cx="8686800" cy="1468800"/>
           </a:xfrm>
         </p:spPr>
         <p:txBody>
           <a:bodyPr anchor="b"/>
           <a:lstStyle>
-            <a:lvl1pPr>
-              <a:defRPr sz="6000"/>
+            <a:lvl1pPr algn="r">
+              <a:defRPr sz="4000" b="0" cap="all"/>
             </a:lvl1pPr>
           </a:lstStyle>
           <a:p>
@@ -883,13 +3077,13 @@
               <a:rPr lang="ru-RU" smtClean="0"/>
               <a:t>Образец заголовка</a:t>
             </a:r>
-            <a:endParaRPr lang="uk-UA"/>
-          </a:p>
-        </p:txBody>
-      </p:sp>
-      <p:sp>
-        <p:nvSpPr>
-          <p:cNvPr id="3" name="Текст 2"/>
+            <a:endParaRPr lang="en-US" dirty="0"/>
+          </a:p>
+        </p:txBody>
+      </p:sp>
+      <p:sp>
+        <p:nvSpPr>
+          <p:cNvPr id="3" name="Text Placeholder 2"/>
           <p:cNvSpPr>
             <a:spLocks noGrp="1"/>
           </p:cNvSpPr>
@@ -899,34 +3093,35 @@
         </p:nvSpPr>
         <p:spPr>
           <a:xfrm>
-            <a:off x="831850" y="4589463"/>
-            <a:ext cx="10515600" cy="1500187"/>
+            <a:off x="1751011" y="4777381"/>
+            <a:ext cx="8686801" cy="860400"/>
           </a:xfrm>
         </p:spPr>
         <p:txBody>
-          <a:bodyPr/>
+          <a:bodyPr anchor="t">
+            <a:normAutofit/>
+          </a:bodyPr>
           <a:lstStyle>
-            <a:lvl1pPr marL="0" indent="0">
-              <a:buNone/>
-              <a:defRPr sz="2400">
-                <a:solidFill>
-                  <a:schemeClr val="tx1">
-                    <a:tint val="75000"/>
-                  </a:schemeClr>
-                </a:solidFill>
+            <a:lvl1pPr marL="0" indent="0" algn="r">
+              <a:buNone/>
+              <a:defRPr sz="2000">
+                <a:gradFill flip="none" rotWithShape="1">
+                  <a:gsLst>
+                    <a:gs pos="0">
+                      <a:schemeClr val="tx1"/>
+                    </a:gs>
+                    <a:gs pos="100000">
+                      <a:schemeClr val="tx1">
+                        <a:lumMod val="75000"/>
+                      </a:schemeClr>
+                    </a:gs>
+                  </a:gsLst>
+                  <a:lin ang="5400000" scaled="0"/>
+                  <a:tileRect/>
+                </a:gradFill>
               </a:defRPr>
             </a:lvl1pPr>
             <a:lvl2pPr marL="457200" indent="0">
-              <a:buNone/>
-              <a:defRPr sz="2000">
-                <a:solidFill>
-                  <a:schemeClr val="tx1">
-                    <a:tint val="75000"/>
-                  </a:schemeClr>
-                </a:solidFill>
-              </a:defRPr>
-            </a:lvl2pPr>
-            <a:lvl3pPr marL="914400" indent="0">
               <a:buNone/>
               <a:defRPr sz="1800">
                 <a:solidFill>
@@ -935,8 +3130,8 @@
                   </a:schemeClr>
                 </a:solidFill>
               </a:defRPr>
-            </a:lvl3pPr>
-            <a:lvl4pPr marL="1371600" indent="0">
+            </a:lvl2pPr>
+            <a:lvl3pPr marL="914400" indent="0">
               <a:buNone/>
               <a:defRPr sz="1600">
                 <a:solidFill>
@@ -945,56 +3140,66 @@
                   </a:schemeClr>
                 </a:solidFill>
               </a:defRPr>
-            </a:lvl4pPr>
-            <a:lvl5pPr marL="1828800" indent="0">
-              <a:buNone/>
-              <a:defRPr sz="1600">
+            </a:lvl3pPr>
+            <a:lvl4pPr marL="1371600" indent="0">
+              <a:buNone/>
+              <a:defRPr sz="1400">
                 <a:solidFill>
                   <a:schemeClr val="tx1">
                     <a:tint val="75000"/>
                   </a:schemeClr>
                 </a:solidFill>
               </a:defRPr>
-            </a:lvl5pPr>
-            <a:lvl6pPr marL="2286000" indent="0">
-              <a:buNone/>
-              <a:defRPr sz="1600">
+            </a:lvl4pPr>
+            <a:lvl5pPr marL="1828800" indent="0">
+              <a:buNone/>
+              <a:defRPr sz="1400">
                 <a:solidFill>
                   <a:schemeClr val="tx1">
                     <a:tint val="75000"/>
                   </a:schemeClr>
                 </a:solidFill>
               </a:defRPr>
-            </a:lvl6pPr>
-            <a:lvl7pPr marL="2743200" indent="0">
-              <a:buNone/>
-              <a:defRPr sz="1600">
+            </a:lvl5pPr>
+            <a:lvl6pPr marL="2286000" indent="0">
+              <a:buNone/>
+              <a:defRPr sz="1400">
                 <a:solidFill>
                   <a:schemeClr val="tx1">
                     <a:tint val="75000"/>
                   </a:schemeClr>
                 </a:solidFill>
               </a:defRPr>
-            </a:lvl7pPr>
-            <a:lvl8pPr marL="3200400" indent="0">
-              <a:buNone/>
-              <a:defRPr sz="1600">
+            </a:lvl6pPr>
+            <a:lvl7pPr marL="2743200" indent="0">
+              <a:buNone/>
+              <a:defRPr sz="1400">
                 <a:solidFill>
                   <a:schemeClr val="tx1">
                     <a:tint val="75000"/>
                   </a:schemeClr>
                 </a:solidFill>
               </a:defRPr>
-            </a:lvl8pPr>
-            <a:lvl9pPr marL="3657600" indent="0">
-              <a:buNone/>
-              <a:defRPr sz="1600">
+            </a:lvl7pPr>
+            <a:lvl8pPr marL="3200400" indent="0">
+              <a:buNone/>
+              <a:defRPr sz="1400">
                 <a:solidFill>
                   <a:schemeClr val="tx1">
                     <a:tint val="75000"/>
                   </a:schemeClr>
                 </a:solidFill>
               </a:defRPr>
+            </a:lvl8pPr>
+            <a:lvl9pPr marL="3657600" indent="0">
+              <a:buNone/>
+              <a:defRPr sz="1400">
+                <a:solidFill>
+                  <a:schemeClr val="tx1">
+                    <a:tint val="75000"/>
+                  </a:schemeClr>
+                </a:solidFill>
+              </a:defRPr>
             </a:lvl9pPr>
           </a:lstStyle>
           <a:p>
@@ -1008,7 +3213,7 @@
       </p:sp>
       <p:sp>
         <p:nvSpPr>
-          <p:cNvPr id="4" name="Дата 3"/>
+          <p:cNvPr id="4" name="Date Placeholder 3"/>
           <p:cNvSpPr>
             <a:spLocks noGrp="1"/>
           </p:cNvSpPr>
@@ -1023,7 +3228,7 @@
           <a:p>
             <a:fld id="{BC34E395-A33C-4CC6-B17C-9EC771FD0342}" type="datetimeFigureOut">
               <a:rPr lang="uk-UA" smtClean="0"/>
-              <a:t>05.10.2021</a:t>
+              <a:t>02.11.2021</a:t>
             </a:fld>
             <a:endParaRPr lang="uk-UA"/>
           </a:p>
@@ -1031,7 +3236,7 @@
       </p:sp>
       <p:sp>
         <p:nvSpPr>
-          <p:cNvPr id="5" name="Нижний колонтитул 4"/>
+          <p:cNvPr id="5" name="Footer Placeholder 4"/>
           <p:cNvSpPr>
             <a:spLocks noGrp="1"/>
           </p:cNvSpPr>
@@ -1050,7 +3255,7 @@
       </p:sp>
       <p:sp>
         <p:nvSpPr>
-          <p:cNvPr id="6" name="Номер слайда 5"/>
+          <p:cNvPr id="6" name="Slide Number Placeholder 5"/>
           <p:cNvSpPr>
             <a:spLocks noGrp="1"/>
           </p:cNvSpPr>
@@ -1074,7 +3279,7 @@
     </p:spTree>
     <p:extLst>
       <p:ext uri="{BB962C8B-B14F-4D97-AF65-F5344CB8AC3E}">
-        <p14:creationId xmlns:p14="http://schemas.microsoft.com/office/powerpoint/2010/main" val="1865892713"/>
+        <p14:creationId xmlns:p14="http://schemas.microsoft.com/office/powerpoint/2010/main" val="332252175"/>
       </p:ext>
     </p:extLst>
   </p:cSld>
@@ -1103,7 +3308,7 @@
       </p:grpSpPr>
       <p:sp>
         <p:nvSpPr>
-          <p:cNvPr id="2" name="Заголовок 1"/>
+          <p:cNvPr id="2" name="Title 1"/>
           <p:cNvSpPr>
             <a:spLocks noGrp="1"/>
           </p:cNvSpPr>
@@ -1120,13 +3325,13 @@
               <a:rPr lang="ru-RU" smtClean="0"/>
               <a:t>Образец заголовка</a:t>
             </a:r>
-            <a:endParaRPr lang="uk-UA"/>
-          </a:p>
-        </p:txBody>
-      </p:sp>
-      <p:sp>
-        <p:nvSpPr>
-          <p:cNvPr id="3" name="Объект 2"/>
+            <a:endParaRPr lang="en-US" dirty="0"/>
+          </a:p>
+        </p:txBody>
+      </p:sp>
+      <p:sp>
+        <p:nvSpPr>
+          <p:cNvPr id="3" name="Content Placeholder 2"/>
           <p:cNvSpPr>
             <a:spLocks noGrp="1"/>
           </p:cNvSpPr>
@@ -1136,13 +3341,43 @@
         </p:nvSpPr>
         <p:spPr>
           <a:xfrm>
-            <a:off x="838200" y="1825625"/>
-            <a:ext cx="5181600" cy="4351338"/>
+            <a:off x="1141412" y="2666999"/>
+            <a:ext cx="4876800" cy="3124201"/>
           </a:xfrm>
         </p:spPr>
         <p:txBody>
-          <a:bodyPr/>
-          <a:lstStyle/>
+          <a:bodyPr>
+            <a:normAutofit/>
+          </a:bodyPr>
+          <a:lstStyle>
+            <a:lvl1pPr>
+              <a:defRPr sz="1800"/>
+            </a:lvl1pPr>
+            <a:lvl2pPr>
+              <a:defRPr sz="1600"/>
+            </a:lvl2pPr>
+            <a:lvl3pPr>
+              <a:defRPr sz="1400"/>
+            </a:lvl3pPr>
+            <a:lvl4pPr>
+              <a:defRPr sz="1200"/>
+            </a:lvl4pPr>
+            <a:lvl5pPr>
+              <a:defRPr sz="1200"/>
+            </a:lvl5pPr>
+            <a:lvl6pPr>
+              <a:defRPr sz="1200"/>
+            </a:lvl6pPr>
+            <a:lvl7pPr>
+              <a:defRPr sz="1200"/>
+            </a:lvl7pPr>
+            <a:lvl8pPr>
+              <a:defRPr sz="1200"/>
+            </a:lvl8pPr>
+            <a:lvl9pPr>
+              <a:defRPr sz="1200"/>
+            </a:lvl9pPr>
+          </a:lstStyle>
           <a:p>
             <a:pPr lvl="0"/>
             <a:r>
@@ -1177,13 +3412,13 @@
               <a:rPr lang="ru-RU" smtClean="0"/>
               <a:t>Пятый уровень</a:t>
             </a:r>
-            <a:endParaRPr lang="uk-UA"/>
-          </a:p>
-        </p:txBody>
-      </p:sp>
-      <p:sp>
-        <p:nvSpPr>
-          <p:cNvPr id="4" name="Объект 3"/>
+            <a:endParaRPr lang="en-US" dirty="0"/>
+          </a:p>
+        </p:txBody>
+      </p:sp>
+      <p:sp>
+        <p:nvSpPr>
+          <p:cNvPr id="4" name="Content Placeholder 3"/>
           <p:cNvSpPr>
             <a:spLocks noGrp="1"/>
           </p:cNvSpPr>
@@ -1193,13 +3428,43 @@
         </p:nvSpPr>
         <p:spPr>
           <a:xfrm>
-            <a:off x="6172200" y="1825625"/>
-            <a:ext cx="5181600" cy="4351338"/>
+            <a:off x="6170612" y="2667000"/>
+            <a:ext cx="4876800" cy="3124200"/>
           </a:xfrm>
         </p:spPr>
         <p:txBody>
-          <a:bodyPr/>
-          <a:lstStyle/>
+          <a:bodyPr>
+            <a:normAutofit/>
+          </a:bodyPr>
+          <a:lstStyle>
+            <a:lvl1pPr>
+              <a:defRPr sz="1800"/>
+            </a:lvl1pPr>
+            <a:lvl2pPr>
+              <a:defRPr sz="1600"/>
+            </a:lvl2pPr>
+            <a:lvl3pPr>
+              <a:defRPr sz="1400"/>
+            </a:lvl3pPr>
+            <a:lvl4pPr>
+              <a:defRPr sz="1200"/>
+            </a:lvl4pPr>
+            <a:lvl5pPr>
+              <a:defRPr sz="1200"/>
+            </a:lvl5pPr>
+            <a:lvl6pPr>
+              <a:defRPr sz="1200"/>
+            </a:lvl6pPr>
+            <a:lvl7pPr>
+              <a:defRPr sz="1200"/>
+            </a:lvl7pPr>
+            <a:lvl8pPr>
+              <a:defRPr sz="1200"/>
+            </a:lvl8pPr>
+            <a:lvl9pPr>
+              <a:defRPr sz="1200"/>
+            </a:lvl9pPr>
+          </a:lstStyle>
           <a:p>
             <a:pPr lvl="0"/>
             <a:r>
@@ -1234,13 +3499,13 @@
               <a:rPr lang="ru-RU" smtClean="0"/>
               <a:t>Пятый уровень</a:t>
             </a:r>
-            <a:endParaRPr lang="uk-UA"/>
-          </a:p>
-        </p:txBody>
-      </p:sp>
-      <p:sp>
-        <p:nvSpPr>
-          <p:cNvPr id="5" name="Дата 4"/>
+            <a:endParaRPr lang="en-US" dirty="0"/>
+          </a:p>
+        </p:txBody>
+      </p:sp>
+      <p:sp>
+        <p:nvSpPr>
+          <p:cNvPr id="5" name="Date Placeholder 4"/>
           <p:cNvSpPr>
             <a:spLocks noGrp="1"/>
           </p:cNvSpPr>
@@ -1255,7 +3520,7 @@
           <a:p>
             <a:fld id="{BC34E395-A33C-4CC6-B17C-9EC771FD0342}" type="datetimeFigureOut">
               <a:rPr lang="uk-UA" smtClean="0"/>
-              <a:t>05.10.2021</a:t>
+              <a:t>02.11.2021</a:t>
             </a:fld>
             <a:endParaRPr lang="uk-UA"/>
           </a:p>
@@ -1263,7 +3528,7 @@
       </p:sp>
       <p:sp>
         <p:nvSpPr>
-          <p:cNvPr id="6" name="Нижний колонтитул 5"/>
+          <p:cNvPr id="6" name="Footer Placeholder 5"/>
           <p:cNvSpPr>
             <a:spLocks noGrp="1"/>
           </p:cNvSpPr>
@@ -1282,7 +3547,7 @@
       </p:sp>
       <p:sp>
         <p:nvSpPr>
-          <p:cNvPr id="7" name="Номер слайда 6"/>
+          <p:cNvPr id="7" name="Slide Number Placeholder 6"/>
           <p:cNvSpPr>
             <a:spLocks noGrp="1"/>
           </p:cNvSpPr>
@@ -1306,7 +3571,7 @@
     </p:spTree>
     <p:extLst>
       <p:ext uri="{BB962C8B-B14F-4D97-AF65-F5344CB8AC3E}">
-        <p14:creationId xmlns:p14="http://schemas.microsoft.com/office/powerpoint/2010/main" val="926982011"/>
+        <p14:creationId xmlns:p14="http://schemas.microsoft.com/office/powerpoint/2010/main" val="2491140112"/>
       </p:ext>
     </p:extLst>
   </p:cSld>
@@ -1335,54 +3600,55 @@
       </p:grpSpPr>
       <p:sp>
         <p:nvSpPr>
-          <p:cNvPr id="2" name="Заголовок 1"/>
+          <p:cNvPr id="2" name="Title 1"/>
           <p:cNvSpPr>
             <a:spLocks noGrp="1"/>
           </p:cNvSpPr>
           <p:nvPr>
             <p:ph type="title"/>
+          </p:nvPr>
+        </p:nvSpPr>
+        <p:spPr/>
+        <p:txBody>
+          <a:bodyPr/>
+          <a:lstStyle>
+            <a:lvl1pPr>
+              <a:defRPr/>
+            </a:lvl1pPr>
+          </a:lstStyle>
+          <a:p>
+            <a:r>
+              <a:rPr lang="ru-RU" smtClean="0"/>
+              <a:t>Образец заголовка</a:t>
+            </a:r>
+            <a:endParaRPr lang="en-US" dirty="0"/>
+          </a:p>
+        </p:txBody>
+      </p:sp>
+      <p:sp>
+        <p:nvSpPr>
+          <p:cNvPr id="3" name="Text Placeholder 2"/>
+          <p:cNvSpPr>
+            <a:spLocks noGrp="1"/>
+          </p:cNvSpPr>
+          <p:nvPr>
+            <p:ph type="body" idx="1"/>
           </p:nvPr>
         </p:nvSpPr>
         <p:spPr>
           <a:xfrm>
-            <a:off x="839788" y="365125"/>
-            <a:ext cx="10515600" cy="1325563"/>
+            <a:off x="1429280" y="2658533"/>
+            <a:ext cx="4588931" cy="576262"/>
           </a:xfrm>
         </p:spPr>
         <p:txBody>
-          <a:bodyPr/>
-          <a:lstStyle/>
-          <a:p>
-            <a:r>
-              <a:rPr lang="ru-RU" smtClean="0"/>
-              <a:t>Образец заголовка</a:t>
-            </a:r>
-            <a:endParaRPr lang="uk-UA"/>
-          </a:p>
-        </p:txBody>
-      </p:sp>
-      <p:sp>
-        <p:nvSpPr>
-          <p:cNvPr id="3" name="Текст 2"/>
-          <p:cNvSpPr>
-            <a:spLocks noGrp="1"/>
-          </p:cNvSpPr>
-          <p:nvPr>
-            <p:ph type="body" idx="1"/>
-          </p:nvPr>
-        </p:nvSpPr>
-        <p:spPr>
-          <a:xfrm>
-            <a:off x="839788" y="1681163"/>
-            <a:ext cx="5157787" cy="823912"/>
-          </a:xfrm>
-        </p:spPr>
-        <p:txBody>
-          <a:bodyPr anchor="b"/>
+          <a:bodyPr anchor="b">
+            <a:noAutofit/>
+          </a:bodyPr>
           <a:lstStyle>
             <a:lvl1pPr marL="0" indent="0">
               <a:buNone/>
-              <a:defRPr sz="2400" b="1"/>
+              <a:defRPr sz="2800" b="0"/>
             </a:lvl1pPr>
             <a:lvl2pPr marL="457200" indent="0">
               <a:buNone/>
@@ -1428,7 +3694,7 @@
       </p:sp>
       <p:sp>
         <p:nvSpPr>
-          <p:cNvPr id="4" name="Объект 3"/>
+          <p:cNvPr id="4" name="Content Placeholder 3"/>
           <p:cNvSpPr>
             <a:spLocks noGrp="1"/>
           </p:cNvSpPr>
@@ -1438,13 +3704,43 @@
         </p:nvSpPr>
         <p:spPr>
           <a:xfrm>
-            <a:off x="839788" y="2505075"/>
-            <a:ext cx="5157787" cy="3684588"/>
+            <a:off x="1141412" y="3243262"/>
+            <a:ext cx="4876800" cy="2547937"/>
           </a:xfrm>
         </p:spPr>
         <p:txBody>
-          <a:bodyPr/>
-          <a:lstStyle/>
+          <a:bodyPr anchor="t">
+            <a:normAutofit/>
+          </a:bodyPr>
+          <a:lstStyle>
+            <a:lvl1pPr>
+              <a:defRPr sz="1800"/>
+            </a:lvl1pPr>
+            <a:lvl2pPr>
+              <a:defRPr sz="1600"/>
+            </a:lvl2pPr>
+            <a:lvl3pPr>
+              <a:defRPr sz="1400"/>
+            </a:lvl3pPr>
+            <a:lvl4pPr>
+              <a:defRPr sz="1200"/>
+            </a:lvl4pPr>
+            <a:lvl5pPr>
+              <a:defRPr sz="1200"/>
+            </a:lvl5pPr>
+            <a:lvl6pPr>
+              <a:defRPr sz="1200"/>
+            </a:lvl6pPr>
+            <a:lvl7pPr>
+              <a:defRPr sz="1200"/>
+            </a:lvl7pPr>
+            <a:lvl8pPr>
+              <a:defRPr sz="1200"/>
+            </a:lvl8pPr>
+            <a:lvl9pPr>
+              <a:defRPr sz="1200"/>
+            </a:lvl9pPr>
+          </a:lstStyle>
           <a:p>
             <a:pPr lvl="0"/>
             <a:r>
@@ -1479,13 +3775,13 @@
               <a:rPr lang="ru-RU" smtClean="0"/>
               <a:t>Пятый уровень</a:t>
             </a:r>
-            <a:endParaRPr lang="uk-UA"/>
-          </a:p>
-        </p:txBody>
-      </p:sp>
-      <p:sp>
-        <p:nvSpPr>
-          <p:cNvPr id="5" name="Текст 4"/>
+            <a:endParaRPr lang="en-US" dirty="0"/>
+          </a:p>
+        </p:txBody>
+      </p:sp>
+      <p:sp>
+        <p:nvSpPr>
+          <p:cNvPr id="5" name="Text Placeholder 4"/>
           <p:cNvSpPr>
             <a:spLocks noGrp="1"/>
           </p:cNvSpPr>
@@ -1495,16 +3791,18 @@
         </p:nvSpPr>
         <p:spPr>
           <a:xfrm>
-            <a:off x="6172200" y="1681163"/>
-            <a:ext cx="5183188" cy="823912"/>
+            <a:off x="6443133" y="2667000"/>
+            <a:ext cx="4604280" cy="576262"/>
           </a:xfrm>
         </p:spPr>
         <p:txBody>
-          <a:bodyPr anchor="b"/>
+          <a:bodyPr anchor="b">
+            <a:noAutofit/>
+          </a:bodyPr>
           <a:lstStyle>
             <a:lvl1pPr marL="0" indent="0">
               <a:buNone/>
-              <a:defRPr sz="2400" b="1"/>
+              <a:defRPr sz="2800" b="0"/>
             </a:lvl1pPr>
             <a:lvl2pPr marL="457200" indent="0">
               <a:buNone/>
@@ -1550,7 +3848,7 @@
       </p:sp>
       <p:sp>
         <p:nvSpPr>
-          <p:cNvPr id="6" name="Объект 5"/>
+          <p:cNvPr id="6" name="Content Placeholder 5"/>
           <p:cNvSpPr>
             <a:spLocks noGrp="1"/>
           </p:cNvSpPr>
@@ -1560,13 +3858,43 @@
         </p:nvSpPr>
         <p:spPr>
           <a:xfrm>
-            <a:off x="6172200" y="2505075"/>
-            <a:ext cx="5183188" cy="3684588"/>
+            <a:off x="6170612" y="3243262"/>
+            <a:ext cx="4876801" cy="2547937"/>
           </a:xfrm>
         </p:spPr>
         <p:txBody>
-          <a:bodyPr/>
-          <a:lstStyle/>
+          <a:bodyPr anchor="t">
+            <a:normAutofit/>
+          </a:bodyPr>
+          <a:lstStyle>
+            <a:lvl1pPr>
+              <a:defRPr sz="1800"/>
+            </a:lvl1pPr>
+            <a:lvl2pPr>
+              <a:defRPr sz="1600"/>
+            </a:lvl2pPr>
+            <a:lvl3pPr>
+              <a:defRPr sz="1400"/>
+            </a:lvl3pPr>
+            <a:lvl4pPr>
+              <a:defRPr sz="1200"/>
+            </a:lvl4pPr>
+            <a:lvl5pPr>
+              <a:defRPr sz="1200"/>
+            </a:lvl5pPr>
+            <a:lvl6pPr>
+              <a:defRPr sz="1200"/>
+            </a:lvl6pPr>
+            <a:lvl7pPr>
+              <a:defRPr sz="1200"/>
+            </a:lvl7pPr>
+            <a:lvl8pPr>
+              <a:defRPr sz="1200"/>
+            </a:lvl8pPr>
+            <a:lvl9pPr>
+              <a:defRPr sz="1200"/>
+            </a:lvl9pPr>
+          </a:lstStyle>
           <a:p>
             <a:pPr lvl="0"/>
             <a:r>
@@ -1601,13 +3929,13 @@
               <a:rPr lang="ru-RU" smtClean="0"/>
               <a:t>Пятый уровень</a:t>
             </a:r>
-            <a:endParaRPr lang="uk-UA"/>
-          </a:p>
-        </p:txBody>
-      </p:sp>
-      <p:sp>
-        <p:nvSpPr>
-          <p:cNvPr id="7" name="Дата 6"/>
+            <a:endParaRPr lang="en-US" dirty="0"/>
+          </a:p>
+        </p:txBody>
+      </p:sp>
+      <p:sp>
+        <p:nvSpPr>
+          <p:cNvPr id="7" name="Date Placeholder 6"/>
           <p:cNvSpPr>
             <a:spLocks noGrp="1"/>
           </p:cNvSpPr>
@@ -1622,7 +3950,7 @@
           <a:p>
             <a:fld id="{BC34E395-A33C-4CC6-B17C-9EC771FD0342}" type="datetimeFigureOut">
               <a:rPr lang="uk-UA" smtClean="0"/>
-              <a:t>05.10.2021</a:t>
+              <a:t>02.11.2021</a:t>
             </a:fld>
             <a:endParaRPr lang="uk-UA"/>
           </a:p>
@@ -1630,7 +3958,7 @@
       </p:sp>
       <p:sp>
         <p:nvSpPr>
-          <p:cNvPr id="8" name="Нижний колонтитул 7"/>
+          <p:cNvPr id="8" name="Footer Placeholder 7"/>
           <p:cNvSpPr>
             <a:spLocks noGrp="1"/>
           </p:cNvSpPr>
@@ -1649,7 +3977,7 @@
       </p:sp>
       <p:sp>
         <p:nvSpPr>
-          <p:cNvPr id="9" name="Номер слайда 8"/>
+          <p:cNvPr id="9" name="Slide Number Placeholder 8"/>
           <p:cNvSpPr>
             <a:spLocks noGrp="1"/>
           </p:cNvSpPr>
@@ -1673,7 +4001,7 @@
     </p:spTree>
     <p:extLst>
       <p:ext uri="{BB962C8B-B14F-4D97-AF65-F5344CB8AC3E}">
-        <p14:creationId xmlns:p14="http://schemas.microsoft.com/office/powerpoint/2010/main" val="226417618"/>
+        <p14:creationId xmlns:p14="http://schemas.microsoft.com/office/powerpoint/2010/main" val="4229305239"/>
       </p:ext>
     </p:extLst>
   </p:cSld>
@@ -1702,7 +4030,7 @@
       </p:grpSpPr>
       <p:sp>
         <p:nvSpPr>
-          <p:cNvPr id="2" name="Заголовок 1"/>
+          <p:cNvPr id="2" name="Title 1"/>
           <p:cNvSpPr>
             <a:spLocks noGrp="1"/>
           </p:cNvSpPr>
@@ -1719,13 +4047,13 @@
               <a:rPr lang="ru-RU" smtClean="0"/>
               <a:t>Образец заголовка</a:t>
             </a:r>
-            <a:endParaRPr lang="uk-UA"/>
-          </a:p>
-        </p:txBody>
-      </p:sp>
-      <p:sp>
-        <p:nvSpPr>
-          <p:cNvPr id="3" name="Дата 2"/>
+            <a:endParaRPr lang="en-US" dirty="0"/>
+          </a:p>
+        </p:txBody>
+      </p:sp>
+      <p:sp>
+        <p:nvSpPr>
+          <p:cNvPr id="3" name="Date Placeholder 2"/>
           <p:cNvSpPr>
             <a:spLocks noGrp="1"/>
           </p:cNvSpPr>
@@ -1740,7 +4068,7 @@
           <a:p>
             <a:fld id="{BC34E395-A33C-4CC6-B17C-9EC771FD0342}" type="datetimeFigureOut">
               <a:rPr lang="uk-UA" smtClean="0"/>
-              <a:t>05.10.2021</a:t>
+              <a:t>02.11.2021</a:t>
             </a:fld>
             <a:endParaRPr lang="uk-UA"/>
           </a:p>
@@ -1748,7 +4076,7 @@
       </p:sp>
       <p:sp>
         <p:nvSpPr>
-          <p:cNvPr id="4" name="Нижний колонтитул 3"/>
+          <p:cNvPr id="4" name="Footer Placeholder 3"/>
           <p:cNvSpPr>
             <a:spLocks noGrp="1"/>
           </p:cNvSpPr>
@@ -1767,7 +4095,7 @@
       </p:sp>
       <p:sp>
         <p:nvSpPr>
-          <p:cNvPr id="5" name="Номер слайда 4"/>
+          <p:cNvPr id="5" name="Slide Number Placeholder 4"/>
           <p:cNvSpPr>
             <a:spLocks noGrp="1"/>
           </p:cNvSpPr>
@@ -1791,7 +4119,7 @@
     </p:spTree>
     <p:extLst>
       <p:ext uri="{BB962C8B-B14F-4D97-AF65-F5344CB8AC3E}">
-        <p14:creationId xmlns:p14="http://schemas.microsoft.com/office/powerpoint/2010/main" val="275312663"/>
+        <p14:creationId xmlns:p14="http://schemas.microsoft.com/office/powerpoint/2010/main" val="655517309"/>
       </p:ext>
     </p:extLst>
   </p:cSld>
@@ -1820,7 +4148,7 @@
       </p:grpSpPr>
       <p:sp>
         <p:nvSpPr>
-          <p:cNvPr id="2" name="Дата 1"/>
+          <p:cNvPr id="2" name="Date Placeholder 1"/>
           <p:cNvSpPr>
             <a:spLocks noGrp="1"/>
           </p:cNvSpPr>
@@ -1835,7 +4163,7 @@
           <a:p>
             <a:fld id="{BC34E395-A33C-4CC6-B17C-9EC771FD0342}" type="datetimeFigureOut">
               <a:rPr lang="uk-UA" smtClean="0"/>
-              <a:t>05.10.2021</a:t>
+              <a:t>02.11.2021</a:t>
             </a:fld>
             <a:endParaRPr lang="uk-UA"/>
           </a:p>
@@ -1843,7 +4171,7 @@
       </p:sp>
       <p:sp>
         <p:nvSpPr>
-          <p:cNvPr id="3" name="Нижний колонтитул 2"/>
+          <p:cNvPr id="3" name="Footer Placeholder 2"/>
           <p:cNvSpPr>
             <a:spLocks noGrp="1"/>
           </p:cNvSpPr>
@@ -1862,7 +4190,7 @@
       </p:sp>
       <p:sp>
         <p:nvSpPr>
-          <p:cNvPr id="4" name="Номер слайда 3"/>
+          <p:cNvPr id="4" name="Slide Number Placeholder 3"/>
           <p:cNvSpPr>
             <a:spLocks noGrp="1"/>
           </p:cNvSpPr>
@@ -1886,7 +4214,7 @@
     </p:spTree>
     <p:extLst>
       <p:ext uri="{BB962C8B-B14F-4D97-AF65-F5344CB8AC3E}">
-        <p14:creationId xmlns:p14="http://schemas.microsoft.com/office/powerpoint/2010/main" val="249514556"/>
+        <p14:creationId xmlns:p14="http://schemas.microsoft.com/office/powerpoint/2010/main" val="90369247"/>
       </p:ext>
     </p:extLst>
   </p:cSld>
@@ -1915,7 +4243,7 @@
       </p:grpSpPr>
       <p:sp>
         <p:nvSpPr>
-          <p:cNvPr id="2" name="Заголовок 1"/>
+          <p:cNvPr id="2" name="Title 1"/>
           <p:cNvSpPr>
             <a:spLocks noGrp="1"/>
           </p:cNvSpPr>
@@ -1925,129 +4253,135 @@
         </p:nvSpPr>
         <p:spPr>
           <a:xfrm>
-            <a:off x="839788" y="457200"/>
-            <a:ext cx="3932237" cy="1600200"/>
+            <a:off x="1141411" y="1600200"/>
+            <a:ext cx="3549121" cy="1371600"/>
           </a:xfrm>
         </p:spPr>
         <p:txBody>
-          <a:bodyPr anchor="b"/>
+          <a:bodyPr anchor="b">
+            <a:normAutofit/>
+          </a:bodyPr>
+          <a:lstStyle>
+            <a:lvl1pPr algn="l">
+              <a:defRPr sz="2400" b="0"/>
+            </a:lvl1pPr>
+          </a:lstStyle>
+          <a:p>
+            <a:r>
+              <a:rPr lang="ru-RU" smtClean="0"/>
+              <a:t>Образец заголовка</a:t>
+            </a:r>
+            <a:endParaRPr lang="en-US" dirty="0"/>
+          </a:p>
+        </p:txBody>
+      </p:sp>
+      <p:sp>
+        <p:nvSpPr>
+          <p:cNvPr id="3" name="Content Placeholder 2"/>
+          <p:cNvSpPr>
+            <a:spLocks noGrp="1"/>
+          </p:cNvSpPr>
+          <p:nvPr>
+            <p:ph idx="1"/>
+          </p:nvPr>
+        </p:nvSpPr>
+        <p:spPr>
+          <a:xfrm>
+            <a:off x="5103812" y="609601"/>
+            <a:ext cx="5943601" cy="5181600"/>
+          </a:xfrm>
+        </p:spPr>
+        <p:txBody>
+          <a:bodyPr anchor="ctr">
+            <a:normAutofit/>
+          </a:bodyPr>
           <a:lstStyle>
             <a:lvl1pPr>
-              <a:defRPr sz="3200"/>
+              <a:defRPr sz="2000"/>
             </a:lvl1pPr>
+            <a:lvl2pPr>
+              <a:defRPr sz="1800"/>
+            </a:lvl2pPr>
+            <a:lvl3pPr>
+              <a:defRPr sz="1600"/>
+            </a:lvl3pPr>
+            <a:lvl4pPr>
+              <a:defRPr sz="1400"/>
+            </a:lvl4pPr>
+            <a:lvl5pPr>
+              <a:defRPr sz="1400"/>
+            </a:lvl5pPr>
+            <a:lvl6pPr>
+              <a:defRPr sz="1400"/>
+            </a:lvl6pPr>
+            <a:lvl7pPr>
+              <a:defRPr sz="1400"/>
+            </a:lvl7pPr>
+            <a:lvl8pPr>
+              <a:defRPr sz="1400"/>
+            </a:lvl8pPr>
+            <a:lvl9pPr>
+              <a:defRPr sz="1400"/>
+            </a:lvl9pPr>
           </a:lstStyle>
           <a:p>
+            <a:pPr lvl="0"/>
             <a:r>
               <a:rPr lang="ru-RU" smtClean="0"/>
-              <a:t>Образец заголовка</a:t>
-            </a:r>
-            <a:endParaRPr lang="uk-UA"/>
-          </a:p>
-        </p:txBody>
-      </p:sp>
-      <p:sp>
-        <p:nvSpPr>
-          <p:cNvPr id="3" name="Объект 2"/>
-          <p:cNvSpPr>
-            <a:spLocks noGrp="1"/>
-          </p:cNvSpPr>
-          <p:nvPr>
-            <p:ph idx="1"/>
+              <a:t>Образец текста</a:t>
+            </a:r>
+          </a:p>
+          <a:p>
+            <a:pPr lvl="1"/>
+            <a:r>
+              <a:rPr lang="ru-RU" smtClean="0"/>
+              <a:t>Второй уровень</a:t>
+            </a:r>
+          </a:p>
+          <a:p>
+            <a:pPr lvl="2"/>
+            <a:r>
+              <a:rPr lang="ru-RU" smtClean="0"/>
+              <a:t>Третий уровень</a:t>
+            </a:r>
+          </a:p>
+          <a:p>
+            <a:pPr lvl="3"/>
+            <a:r>
+              <a:rPr lang="ru-RU" smtClean="0"/>
+              <a:t>Четвертый уровень</a:t>
+            </a:r>
+          </a:p>
+          <a:p>
+            <a:pPr lvl="4"/>
+            <a:r>
+              <a:rPr lang="ru-RU" smtClean="0"/>
+              <a:t>Пятый уровень</a:t>
+            </a:r>
+            <a:endParaRPr lang="en-US" dirty="0"/>
+          </a:p>
+        </p:txBody>
+      </p:sp>
+      <p:sp>
+        <p:nvSpPr>
+          <p:cNvPr id="4" name="Text Placeholder 3"/>
+          <p:cNvSpPr>
+            <a:spLocks noGrp="1"/>
+          </p:cNvSpPr>
+          <p:nvPr>
+            <p:ph type="body" sz="half" idx="2"/>
           </p:nvPr>
         </p:nvSpPr>
         <p:spPr>
           <a:xfrm>
-            <a:off x="5183188" y="987425"/>
-            <a:ext cx="6172200" cy="4873625"/>
+            <a:off x="1141411" y="2971800"/>
+            <a:ext cx="3549121" cy="1828800"/>
           </a:xfrm>
         </p:spPr>
         <p:txBody>
-          <a:bodyPr/>
-          <a:lstStyle>
-            <a:lvl1pPr>
-              <a:defRPr sz="3200"/>
-            </a:lvl1pPr>
-            <a:lvl2pPr>
-              <a:defRPr sz="2800"/>
-            </a:lvl2pPr>
-            <a:lvl3pPr>
-              <a:defRPr sz="2400"/>
-            </a:lvl3pPr>
-            <a:lvl4pPr>
-              <a:defRPr sz="2000"/>
-            </a:lvl4pPr>
-            <a:lvl5pPr>
-              <a:defRPr sz="2000"/>
-            </a:lvl5pPr>
-            <a:lvl6pPr>
-              <a:defRPr sz="2000"/>
-            </a:lvl6pPr>
-            <a:lvl7pPr>
-              <a:defRPr sz="2000"/>
-            </a:lvl7pPr>
-            <a:lvl8pPr>
-              <a:defRPr sz="2000"/>
-            </a:lvl8pPr>
-            <a:lvl9pPr>
-              <a:defRPr sz="2000"/>
-            </a:lvl9pPr>
-          </a:lstStyle>
-          <a:p>
-            <a:pPr lvl="0"/>
-            <a:r>
-              <a:rPr lang="ru-RU" smtClean="0"/>
-              <a:t>Образец текста</a:t>
-            </a:r>
-          </a:p>
-          <a:p>
-            <a:pPr lvl="1"/>
-            <a:r>
-              <a:rPr lang="ru-RU" smtClean="0"/>
-              <a:t>Второй уровень</a:t>
-            </a:r>
-          </a:p>
-          <a:p>
-            <a:pPr lvl="2"/>
-            <a:r>
-              <a:rPr lang="ru-RU" smtClean="0"/>
-              <a:t>Третий уровень</a:t>
-            </a:r>
-          </a:p>
-          <a:p>
-            <a:pPr lvl="3"/>
-            <a:r>
-              <a:rPr lang="ru-RU" smtClean="0"/>
-              <a:t>Четвертый уровень</a:t>
-            </a:r>
-          </a:p>
-          <a:p>
-            <a:pPr lvl="4"/>
-            <a:r>
-              <a:rPr lang="ru-RU" smtClean="0"/>
-              <a:t>Пятый уровень</a:t>
-            </a:r>
-            <a:endParaRPr lang="uk-UA"/>
-          </a:p>
-        </p:txBody>
-      </p:sp>
-      <p:sp>
-        <p:nvSpPr>
-          <p:cNvPr id="4" name="Текст 3"/>
-          <p:cNvSpPr>
-            <a:spLocks noGrp="1"/>
-          </p:cNvSpPr>
-          <p:nvPr>
-            <p:ph type="body" sz="half" idx="2"/>
-          </p:nvPr>
-        </p:nvSpPr>
-        <p:spPr>
-          <a:xfrm>
-            <a:off x="839788" y="2057400"/>
-            <a:ext cx="3932237" cy="3811588"/>
-          </a:xfrm>
-        </p:spPr>
-        <p:txBody>
-          <a:bodyPr/>
+          <a:bodyPr>
+            <a:normAutofit/>
+          </a:bodyPr>
           <a:lstStyle>
             <a:lvl1pPr marL="0" indent="0">
               <a:buNone/>
@@ -2055,35 +4389,35 @@
             </a:lvl1pPr>
             <a:lvl2pPr marL="457200" indent="0">
               <a:buNone/>
-              <a:defRPr sz="1400"/>
+              <a:defRPr sz="1200"/>
             </a:lvl2pPr>
             <a:lvl3pPr marL="914400" indent="0">
               <a:buNone/>
-              <a:defRPr sz="1200"/>
+              <a:defRPr sz="1000"/>
             </a:lvl3pPr>
             <a:lvl4pPr marL="1371600" indent="0">
               <a:buNone/>
-              <a:defRPr sz="1000"/>
+              <a:defRPr sz="900"/>
             </a:lvl4pPr>
             <a:lvl5pPr marL="1828800" indent="0">
               <a:buNone/>
-              <a:defRPr sz="1000"/>
+              <a:defRPr sz="900"/>
             </a:lvl5pPr>
             <a:lvl6pPr marL="2286000" indent="0">
               <a:buNone/>
-              <a:defRPr sz="1000"/>
+              <a:defRPr sz="900"/>
             </a:lvl6pPr>
             <a:lvl7pPr marL="2743200" indent="0">
               <a:buNone/>
-              <a:defRPr sz="1000"/>
+              <a:defRPr sz="900"/>
             </a:lvl7pPr>
             <a:lvl8pPr marL="3200400" indent="0">
               <a:buNone/>
-              <a:defRPr sz="1000"/>
+              <a:defRPr sz="900"/>
             </a:lvl8pPr>
             <a:lvl9pPr marL="3657600" indent="0">
               <a:buNone/>
-              <a:defRPr sz="1000"/>
+              <a:defRPr sz="900"/>
             </a:lvl9pPr>
           </a:lstStyle>
           <a:p>
@@ -2097,7 +4431,7 @@
       </p:sp>
       <p:sp>
         <p:nvSpPr>
-          <p:cNvPr id="5" name="Дата 4"/>
+          <p:cNvPr id="5" name="Date Placeholder 4"/>
           <p:cNvSpPr>
             <a:spLocks noGrp="1"/>
           </p:cNvSpPr>
@@ -2112,7 +4446,7 @@
           <a:p>
             <a:fld id="{BC34E395-A33C-4CC6-B17C-9EC771FD0342}" type="datetimeFigureOut">
               <a:rPr lang="uk-UA" smtClean="0"/>
-              <a:t>05.10.2021</a:t>
+              <a:t>02.11.2021</a:t>
             </a:fld>
             <a:endParaRPr lang="uk-UA"/>
           </a:p>
@@ -2120,7 +4454,7 @@
       </p:sp>
       <p:sp>
         <p:nvSpPr>
-          <p:cNvPr id="6" name="Нижний колонтитул 5"/>
+          <p:cNvPr id="6" name="Footer Placeholder 5"/>
           <p:cNvSpPr>
             <a:spLocks noGrp="1"/>
           </p:cNvSpPr>
@@ -2139,7 +4473,7 @@
       </p:sp>
       <p:sp>
         <p:nvSpPr>
-          <p:cNvPr id="7" name="Номер слайда 6"/>
+          <p:cNvPr id="7" name="Slide Number Placeholder 6"/>
           <p:cNvSpPr>
             <a:spLocks noGrp="1"/>
           </p:cNvSpPr>
@@ -2163,7 +4497,7 @@
     </p:spTree>
     <p:extLst>
       <p:ext uri="{BB962C8B-B14F-4D97-AF65-F5344CB8AC3E}">
-        <p14:creationId xmlns:p14="http://schemas.microsoft.com/office/powerpoint/2010/main" val="1199772324"/>
+        <p14:creationId xmlns:p14="http://schemas.microsoft.com/office/powerpoint/2010/main" val="499723643"/>
       </p:ext>
     </p:extLst>
   </p:cSld>
@@ -2192,7 +4526,7 @@
       </p:grpSpPr>
       <p:sp>
         <p:nvSpPr>
-          <p:cNvPr id="2" name="Заголовок 1"/>
+          <p:cNvPr id="2" name="Title 1"/>
           <p:cNvSpPr>
             <a:spLocks noGrp="1"/>
           </p:cNvSpPr>
@@ -2202,15 +4536,17 @@
         </p:nvSpPr>
         <p:spPr>
           <a:xfrm>
-            <a:off x="839788" y="457200"/>
-            <a:ext cx="3932237" cy="1600200"/>
+            <a:off x="1141411" y="1600200"/>
+            <a:ext cx="5334001" cy="1371600"/>
           </a:xfrm>
         </p:spPr>
         <p:txBody>
-          <a:bodyPr anchor="b"/>
+          <a:bodyPr anchor="b">
+            <a:normAutofit/>
+          </a:bodyPr>
           <a:lstStyle>
-            <a:lvl1pPr>
-              <a:defRPr sz="3200"/>
+            <a:lvl1pPr algn="l">
+              <a:defRPr sz="2800" b="0"/>
             </a:lvl1pPr>
           </a:lstStyle>
           <a:p>
@@ -2218,15 +4554,15 @@
               <a:rPr lang="ru-RU" smtClean="0"/>
               <a:t>Образец заголовка</a:t>
             </a:r>
-            <a:endParaRPr lang="uk-UA"/>
-          </a:p>
-        </p:txBody>
-      </p:sp>
-      <p:sp>
-        <p:nvSpPr>
-          <p:cNvPr id="3" name="Рисунок 2"/>
-          <p:cNvSpPr>
-            <a:spLocks noGrp="1"/>
+            <a:endParaRPr lang="en-US" dirty="0"/>
+          </a:p>
+        </p:txBody>
+      </p:sp>
+      <p:sp>
+        <p:nvSpPr>
+          <p:cNvPr id="14" name="Picture Placeholder 2"/>
+          <p:cNvSpPr>
+            <a:spLocks noGrp="1" noChangeAspect="1"/>
           </p:cNvSpPr>
           <p:nvPr>
             <p:ph type="pic" idx="1"/>
@@ -2234,112 +4570,143 @@
         </p:nvSpPr>
         <p:spPr>
           <a:xfrm>
-            <a:off x="5183188" y="987425"/>
-            <a:ext cx="6172200" cy="4873625"/>
+            <a:off x="7433733" y="-18288"/>
+            <a:ext cx="3276599" cy="6903720"/>
           </a:xfrm>
+          <a:ln w="38100">
+            <a:gradFill flip="none" rotWithShape="1">
+              <a:gsLst>
+                <a:gs pos="0">
+                  <a:schemeClr val="bg2"/>
+                </a:gs>
+                <a:gs pos="100000">
+                  <a:schemeClr val="bg2">
+                    <a:lumMod val="75000"/>
+                  </a:schemeClr>
+                </a:gs>
+              </a:gsLst>
+              <a:lin ang="5400000" scaled="0"/>
+              <a:tileRect/>
+            </a:gradFill>
+          </a:ln>
+          <a:effectLst>
+            <a:innerShdw blurRad="57150" dist="38100" dir="10800000">
+              <a:srgbClr val="000000">
+                <a:alpha val="70000"/>
+              </a:srgbClr>
+            </a:innerShdw>
+          </a:effectLst>
         </p:spPr>
         <p:txBody>
-          <a:bodyPr/>
+          <a:bodyPr anchor="t">
+            <a:normAutofit/>
+          </a:bodyPr>
           <a:lstStyle>
-            <a:lvl1pPr marL="0" indent="0">
-              <a:buNone/>
-              <a:defRPr sz="3200"/>
-            </a:lvl1pPr>
-            <a:lvl2pPr marL="457200" indent="0">
-              <a:buNone/>
-              <a:defRPr sz="2800"/>
-            </a:lvl2pPr>
-            <a:lvl3pPr marL="914400" indent="0">
-              <a:buNone/>
-              <a:defRPr sz="2400"/>
-            </a:lvl3pPr>
-            <a:lvl4pPr marL="1371600" indent="0">
-              <a:buNone/>
-              <a:defRPr sz="2000"/>
-            </a:lvl4pPr>
-            <a:lvl5pPr marL="1828800" indent="0">
-              <a:buNone/>
-              <a:defRPr sz="2000"/>
-            </a:lvl5pPr>
-            <a:lvl6pPr marL="2286000" indent="0">
-              <a:buNone/>
-              <a:defRPr sz="2000"/>
-            </a:lvl6pPr>
-            <a:lvl7pPr marL="2743200" indent="0">
-              <a:buNone/>
-              <a:defRPr sz="2000"/>
-            </a:lvl7pPr>
-            <a:lvl8pPr marL="3200400" indent="0">
-              <a:buNone/>
-              <a:defRPr sz="2000"/>
-            </a:lvl8pPr>
-            <a:lvl9pPr marL="3657600" indent="0">
-              <a:buNone/>
-              <a:defRPr sz="2000"/>
-            </a:lvl9pPr>
-          </a:lstStyle>
-          <a:p>
-            <a:endParaRPr lang="uk-UA"/>
-          </a:p>
-        </p:txBody>
-      </p:sp>
-      <p:sp>
-        <p:nvSpPr>
-          <p:cNvPr id="4" name="Текст 3"/>
-          <p:cNvSpPr>
-            <a:spLocks noGrp="1"/>
-          </p:cNvSpPr>
-          <p:nvPr>
-            <p:ph type="body" sz="half" idx="2"/>
-          </p:nvPr>
-        </p:nvSpPr>
-        <p:spPr>
-          <a:xfrm>
-            <a:off x="839788" y="2057400"/>
-            <a:ext cx="3932237" cy="3811588"/>
-          </a:xfrm>
-        </p:spPr>
-        <p:txBody>
-          <a:bodyPr/>
-          <a:lstStyle>
-            <a:lvl1pPr marL="0" indent="0">
+            <a:lvl1pPr marL="0" indent="0" algn="ctr">
               <a:buNone/>
               <a:defRPr sz="1600"/>
             </a:lvl1pPr>
             <a:lvl2pPr marL="457200" indent="0">
               <a:buNone/>
-              <a:defRPr sz="1400"/>
+              <a:defRPr sz="1600"/>
             </a:lvl2pPr>
             <a:lvl3pPr marL="914400" indent="0">
               <a:buNone/>
-              <a:defRPr sz="1200"/>
+              <a:defRPr sz="1600"/>
             </a:lvl3pPr>
             <a:lvl4pPr marL="1371600" indent="0">
               <a:buNone/>
-              <a:defRPr sz="1000"/>
+              <a:defRPr sz="1600"/>
             </a:lvl4pPr>
             <a:lvl5pPr marL="1828800" indent="0">
               <a:buNone/>
-              <a:defRPr sz="1000"/>
+              <a:defRPr sz="1600"/>
             </a:lvl5pPr>
             <a:lvl6pPr marL="2286000" indent="0">
               <a:buNone/>
-              <a:defRPr sz="1000"/>
+              <a:defRPr sz="1600"/>
             </a:lvl6pPr>
             <a:lvl7pPr marL="2743200" indent="0">
               <a:buNone/>
-              <a:defRPr sz="1000"/>
+              <a:defRPr sz="1600"/>
             </a:lvl7pPr>
             <a:lvl8pPr marL="3200400" indent="0">
               <a:buNone/>
-              <a:defRPr sz="1000"/>
+              <a:defRPr sz="1600"/>
             </a:lvl8pPr>
             <a:lvl9pPr marL="3657600" indent="0">
               <a:buNone/>
-              <a:defRPr sz="1000"/>
+              <a:defRPr sz="1600"/>
             </a:lvl9pPr>
           </a:lstStyle>
           <a:p>
+            <a:r>
+              <a:rPr lang="ru-RU" smtClean="0"/>
+              <a:t>Вставка рисунка</a:t>
+            </a:r>
+            <a:endParaRPr lang="en-US" dirty="0"/>
+          </a:p>
+        </p:txBody>
+      </p:sp>
+      <p:sp>
+        <p:nvSpPr>
+          <p:cNvPr id="4" name="Text Placeholder 3"/>
+          <p:cNvSpPr>
+            <a:spLocks noGrp="1"/>
+          </p:cNvSpPr>
+          <p:nvPr>
+            <p:ph type="body" sz="half" idx="2"/>
+          </p:nvPr>
+        </p:nvSpPr>
+        <p:spPr>
+          <a:xfrm>
+            <a:off x="1141411" y="2971800"/>
+            <a:ext cx="5334001" cy="1828800"/>
+          </a:xfrm>
+        </p:spPr>
+        <p:txBody>
+          <a:bodyPr>
+            <a:normAutofit/>
+          </a:bodyPr>
+          <a:lstStyle>
+            <a:lvl1pPr marL="0" indent="0">
+              <a:buNone/>
+              <a:defRPr sz="1800"/>
+            </a:lvl1pPr>
+            <a:lvl2pPr marL="457200" indent="0">
+              <a:buNone/>
+              <a:defRPr sz="1200"/>
+            </a:lvl2pPr>
+            <a:lvl3pPr marL="914400" indent="0">
+              <a:buNone/>
+              <a:defRPr sz="1000"/>
+            </a:lvl3pPr>
+            <a:lvl4pPr marL="1371600" indent="0">
+              <a:buNone/>
+              <a:defRPr sz="900"/>
+            </a:lvl4pPr>
+            <a:lvl5pPr marL="1828800" indent="0">
+              <a:buNone/>
+              <a:defRPr sz="900"/>
+            </a:lvl5pPr>
+            <a:lvl6pPr marL="2286000" indent="0">
+              <a:buNone/>
+              <a:defRPr sz="900"/>
+            </a:lvl6pPr>
+            <a:lvl7pPr marL="2743200" indent="0">
+              <a:buNone/>
+              <a:defRPr sz="900"/>
+            </a:lvl7pPr>
+            <a:lvl8pPr marL="3200400" indent="0">
+              <a:buNone/>
+              <a:defRPr sz="900"/>
+            </a:lvl8pPr>
+            <a:lvl9pPr marL="3657600" indent="0">
+              <a:buNone/>
+              <a:defRPr sz="900"/>
+            </a:lvl9pPr>
+          </a:lstStyle>
+          <a:p>
             <a:pPr lvl="0"/>
             <a:r>
               <a:rPr lang="ru-RU" smtClean="0"/>
@@ -2350,7 +4717,7 @@
       </p:sp>
       <p:sp>
         <p:nvSpPr>
-          <p:cNvPr id="5" name="Дата 4"/>
+          <p:cNvPr id="5" name="Date Placeholder 4"/>
           <p:cNvSpPr>
             <a:spLocks noGrp="1"/>
           </p:cNvSpPr>
@@ -2358,14 +4725,19 @@
             <p:ph type="dt" sz="half" idx="10"/>
           </p:nvPr>
         </p:nvSpPr>
-        <p:spPr/>
+        <p:spPr>
+          <a:xfrm>
+            <a:off x="6399212" y="5883275"/>
+            <a:ext cx="914400" cy="365125"/>
+          </a:xfrm>
+        </p:spPr>
         <p:txBody>
           <a:bodyPr/>
           <a:lstStyle/>
           <a:p>
             <a:fld id="{BC34E395-A33C-4CC6-B17C-9EC771FD0342}" type="datetimeFigureOut">
               <a:rPr lang="uk-UA" smtClean="0"/>
-              <a:t>05.10.2021</a:t>
+              <a:t>02.11.2021</a:t>
             </a:fld>
             <a:endParaRPr lang="uk-UA"/>
           </a:p>
@@ -2373,7 +4745,7 @@
       </p:sp>
       <p:sp>
         <p:nvSpPr>
-          <p:cNvPr id="6" name="Нижний колонтитул 5"/>
+          <p:cNvPr id="6" name="Footer Placeholder 5"/>
           <p:cNvSpPr>
             <a:spLocks noGrp="1"/>
           </p:cNvSpPr>
@@ -2381,7 +4753,12 @@
             <p:ph type="ftr" sz="quarter" idx="11"/>
           </p:nvPr>
         </p:nvSpPr>
-        <p:spPr/>
+        <p:spPr>
+          <a:xfrm>
+            <a:off x="1141412" y="5883275"/>
+            <a:ext cx="5105400" cy="365125"/>
+          </a:xfrm>
+        </p:spPr>
         <p:txBody>
           <a:bodyPr/>
           <a:lstStyle/>
@@ -2392,7 +4769,7 @@
       </p:sp>
       <p:sp>
         <p:nvSpPr>
-          <p:cNvPr id="7" name="Номер слайда 6"/>
+          <p:cNvPr id="7" name="Slide Number Placeholder 6"/>
           <p:cNvSpPr>
             <a:spLocks noGrp="1"/>
           </p:cNvSpPr>
@@ -2400,7 +4777,12 @@
             <p:ph type="sldNum" sz="quarter" idx="12"/>
           </p:nvPr>
         </p:nvSpPr>
-        <p:spPr/>
+        <p:spPr>
+          <a:xfrm>
+            <a:off x="10742612" y="5883275"/>
+            <a:ext cx="322567" cy="365125"/>
+          </a:xfrm>
+        </p:spPr>
         <p:txBody>
           <a:bodyPr/>
           <a:lstStyle/>
@@ -2416,7 +4798,7 @@
     </p:spTree>
     <p:extLst>
       <p:ext uri="{BB962C8B-B14F-4D97-AF65-F5344CB8AC3E}">
-        <p14:creationId xmlns:p14="http://schemas.microsoft.com/office/powerpoint/2010/main" val="1002349059"/>
+        <p14:creationId xmlns:p14="http://schemas.microsoft.com/office/powerpoint/2010/main" val="1300941999"/>
       </p:ext>
     </p:extLst>
   </p:cSld>
@@ -2430,8 +4812,8 @@
 <p:sldMaster xmlns:a="http://schemas.openxmlformats.org/drawingml/2006/main" xmlns:r="http://schemas.openxmlformats.org/officeDocument/2006/relationships" xmlns:p="http://schemas.openxmlformats.org/presentationml/2006/main">
   <p:cSld>
     <p:bg>
-      <p:bgRef idx="1001">
-        <a:schemeClr val="bg1"/>
+      <p:bgRef idx="1003">
+        <a:schemeClr val="bg2"/>
       </p:bgRef>
     </p:bg>
     <p:spTree>
@@ -2450,7 +4832,7 @@
       </p:grpSpPr>
       <p:sp>
         <p:nvSpPr>
-          <p:cNvPr id="2" name="Заголовок 1"/>
+          <p:cNvPr id="2" name="Title Placeholder 1"/>
           <p:cNvSpPr>
             <a:spLocks noGrp="1"/>
           </p:cNvSpPr>
@@ -2460,8 +4842,8 @@
         </p:nvSpPr>
         <p:spPr>
           <a:xfrm>
-            <a:off x="838200" y="365125"/>
-            <a:ext cx="10515600" cy="1325563"/>
+            <a:off x="1141413" y="609600"/>
+            <a:ext cx="9905998" cy="1905000"/>
           </a:xfrm>
           <a:prstGeom prst="rect">
             <a:avLst/>
@@ -2477,13 +4859,13 @@
               <a:rPr lang="ru-RU" smtClean="0"/>
               <a:t>Образец заголовка</a:t>
             </a:r>
-            <a:endParaRPr lang="uk-UA"/>
-          </a:p>
-        </p:txBody>
-      </p:sp>
-      <p:sp>
-        <p:nvSpPr>
-          <p:cNvPr id="3" name="Текст 2"/>
+            <a:endParaRPr lang="en-US" dirty="0"/>
+          </a:p>
+        </p:txBody>
+      </p:sp>
+      <p:sp>
+        <p:nvSpPr>
+          <p:cNvPr id="3" name="Text Placeholder 2"/>
           <p:cNvSpPr>
             <a:spLocks noGrp="1"/>
           </p:cNvSpPr>
@@ -2493,15 +4875,15 @@
         </p:nvSpPr>
         <p:spPr>
           <a:xfrm>
-            <a:off x="838200" y="1825625"/>
-            <a:ext cx="10515600" cy="4351338"/>
+            <a:off x="1141413" y="2666999"/>
+            <a:ext cx="9905998" cy="3124201"/>
           </a:xfrm>
           <a:prstGeom prst="rect">
             <a:avLst/>
           </a:prstGeom>
         </p:spPr>
         <p:txBody>
-          <a:bodyPr vert="horz" lIns="91440" tIns="45720" rIns="91440" bIns="45720" rtlCol="0">
+          <a:bodyPr vert="horz" lIns="91440" tIns="45720" rIns="91440" bIns="45720" rtlCol="0" anchor="ctr">
             <a:normAutofit/>
           </a:bodyPr>
           <a:lstStyle/>
@@ -2539,13 +4921,13 @@
               <a:rPr lang="ru-RU" smtClean="0"/>
               <a:t>Пятый уровень</a:t>
             </a:r>
-            <a:endParaRPr lang="uk-UA"/>
-          </a:p>
-        </p:txBody>
-      </p:sp>
-      <p:sp>
-        <p:nvSpPr>
-          <p:cNvPr id="4" name="Дата 3"/>
+            <a:endParaRPr lang="en-US" dirty="0"/>
+          </a:p>
+        </p:txBody>
+      </p:sp>
+      <p:sp>
+        <p:nvSpPr>
+          <p:cNvPr id="4" name="Date Placeholder 3"/>
           <p:cNvSpPr>
             <a:spLocks noGrp="1"/>
           </p:cNvSpPr>
@@ -2555,8 +4937,8 @@
         </p:nvSpPr>
         <p:spPr>
           <a:xfrm>
-            <a:off x="838200" y="6356350"/>
-            <a:ext cx="2743200" cy="365125"/>
+            <a:off x="8837612" y="5883275"/>
+            <a:ext cx="1600200" cy="365125"/>
           </a:xfrm>
           <a:prstGeom prst="rect">
             <a:avLst/>
@@ -2565,20 +4947,28 @@
         <p:txBody>
           <a:bodyPr vert="horz" lIns="91440" tIns="45720" rIns="91440" bIns="45720" rtlCol="0" anchor="ctr"/>
           <a:lstStyle>
-            <a:lvl1pPr algn="l">
-              <a:defRPr sz="1200">
+            <a:lvl1pPr algn="r">
+              <a:defRPr sz="900" b="1" i="0">
                 <a:solidFill>
                   <a:schemeClr val="tx1">
-                    <a:tint val="75000"/>
+                    <a:lumMod val="75000"/>
                   </a:schemeClr>
                 </a:solidFill>
+                <a:effectLst>
+                  <a:outerShdw blurRad="50800" dist="38100" dir="2700000" algn="tl" rotWithShape="0">
+                    <a:srgbClr val="000000">
+                      <a:alpha val="43000"/>
+                    </a:srgbClr>
+                  </a:outerShdw>
+                </a:effectLst>
+                <a:latin typeface="+mn-lt"/>
               </a:defRPr>
             </a:lvl1pPr>
           </a:lstStyle>
           <a:p>
             <a:fld id="{BC34E395-A33C-4CC6-B17C-9EC771FD0342}" type="datetimeFigureOut">
               <a:rPr lang="uk-UA" smtClean="0"/>
-              <a:t>05.10.2021</a:t>
+              <a:t>02.11.2021</a:t>
             </a:fld>
             <a:endParaRPr lang="uk-UA"/>
           </a:p>
@@ -2586,7 +4976,7 @@
       </p:sp>
       <p:sp>
         <p:nvSpPr>
-          <p:cNvPr id="5" name="Нижний колонтитул 4"/>
+          <p:cNvPr id="5" name="Footer Placeholder 4"/>
           <p:cNvSpPr>
             <a:spLocks noGrp="1"/>
           </p:cNvSpPr>
@@ -2596,8 +4986,8 @@
         </p:nvSpPr>
         <p:spPr>
           <a:xfrm>
-            <a:off x="4038600" y="6356350"/>
-            <a:ext cx="4114800" cy="365125"/>
+            <a:off x="1141412" y="5883275"/>
+            <a:ext cx="7543800" cy="365125"/>
           </a:xfrm>
           <a:prstGeom prst="rect">
             <a:avLst/>
@@ -2606,13 +4996,21 @@
         <p:txBody>
           <a:bodyPr vert="horz" lIns="91440" tIns="45720" rIns="91440" bIns="45720" rtlCol="0" anchor="ctr"/>
           <a:lstStyle>
-            <a:lvl1pPr algn="ctr">
-              <a:defRPr sz="1200">
+            <a:lvl1pPr algn="l">
+              <a:defRPr sz="900" b="1" i="0">
                 <a:solidFill>
                   <a:schemeClr val="tx1">
-                    <a:tint val="75000"/>
+                    <a:lumMod val="75000"/>
                   </a:schemeClr>
                 </a:solidFill>
+                <a:effectLst>
+                  <a:outerShdw blurRad="50800" dist="38100" dir="2700000" algn="tl" rotWithShape="0">
+                    <a:srgbClr val="000000">
+                      <a:alpha val="43000"/>
+                    </a:srgbClr>
+                  </a:outerShdw>
+                </a:effectLst>
+                <a:latin typeface="+mn-lt"/>
               </a:defRPr>
             </a:lvl1pPr>
           </a:lstStyle>
@@ -2623,7 +5021,7 @@
       </p:sp>
       <p:sp>
         <p:nvSpPr>
-          <p:cNvPr id="6" name="Номер слайда 5"/>
+          <p:cNvPr id="6" name="Slide Number Placeholder 5"/>
           <p:cNvSpPr>
             <a:spLocks noGrp="1"/>
           </p:cNvSpPr>
@@ -2633,8 +5031,8 @@
         </p:nvSpPr>
         <p:spPr>
           <a:xfrm>
-            <a:off x="8610600" y="6356350"/>
-            <a:ext cx="2743200" cy="365125"/>
+            <a:off x="10514012" y="5883275"/>
+            <a:ext cx="551167" cy="365125"/>
           </a:xfrm>
           <a:prstGeom prst="rect">
             <a:avLst/>
@@ -2644,12 +5042,20 @@
           <a:bodyPr vert="horz" lIns="91440" tIns="45720" rIns="91440" bIns="45720" rtlCol="0" anchor="ctr"/>
           <a:lstStyle>
             <a:lvl1pPr algn="r">
-              <a:defRPr sz="1200">
+              <a:defRPr sz="900" b="1" i="0">
                 <a:solidFill>
                   <a:schemeClr val="tx1">
-                    <a:tint val="75000"/>
+                    <a:lumMod val="75000"/>
                   </a:schemeClr>
                 </a:solidFill>
+                <a:effectLst>
+                  <a:outerShdw blurRad="50800" dist="38100" dir="2700000" algn="tl" rotWithShape="0">
+                    <a:srgbClr val="000000">
+                      <a:alpha val="43000"/>
+                    </a:srgbClr>
+                  </a:outerShdw>
+                </a:effectLst>
+                <a:latin typeface="+mn-lt"/>
               </a:defRPr>
             </a:lvl1pPr>
           </a:lstStyle>
@@ -2665,55 +5071,562 @@
     </p:spTree>
     <p:extLst>
       <p:ext uri="{BB962C8B-B14F-4D97-AF65-F5344CB8AC3E}">
-        <p14:creationId xmlns:p14="http://schemas.microsoft.com/office/powerpoint/2010/main" val="2702089920"/>
+        <p14:creationId xmlns:p14="http://schemas.microsoft.com/office/powerpoint/2010/main" val="2157876161"/>
       </p:ext>
     </p:extLst>
   </p:cSld>
-  <p:clrMap bg1="lt1" tx1="dk1" bg2="lt2" tx2="dk2" accent1="accent1" accent2="accent2" accent3="accent3" accent4="accent4" accent5="accent5" accent6="accent6" hlink="hlink" folHlink="folHlink"/>
+  <p:clrMap bg1="dk1" tx1="lt1" bg2="dk2" tx2="lt2" accent1="accent1" accent2="accent2" accent3="accent3" accent4="accent4" accent5="accent5" accent6="accent6" hlink="hlink" folHlink="folHlink"/>
   <p:sldLayoutIdLst>
-    <p:sldLayoutId id="2147483649" r:id="rId1"/>
-    <p:sldLayoutId id="2147483650" r:id="rId2"/>
-    <p:sldLayoutId id="2147483651" r:id="rId3"/>
-    <p:sldLayoutId id="2147483652" r:id="rId4"/>
-    <p:sldLayoutId id="2147483653" r:id="rId5"/>
-    <p:sldLayoutId id="2147483654" r:id="rId6"/>
-    <p:sldLayoutId id="2147483655" r:id="rId7"/>
-    <p:sldLayoutId id="2147483656" r:id="rId8"/>
-    <p:sldLayoutId id="2147483657" r:id="rId9"/>
-    <p:sldLayoutId id="2147483658" r:id="rId10"/>
-    <p:sldLayoutId id="2147483659" r:id="rId11"/>
+    <p:sldLayoutId id="2147483661" r:id="rId1"/>
+    <p:sldLayoutId id="2147483662" r:id="rId2"/>
+    <p:sldLayoutId id="2147483663" r:id="rId3"/>
+    <p:sldLayoutId id="2147483664" r:id="rId4"/>
+    <p:sldLayoutId id="2147483665" r:id="rId5"/>
+    <p:sldLayoutId id="2147483666" r:id="rId6"/>
+    <p:sldLayoutId id="2147483667" r:id="rId7"/>
+    <p:sldLayoutId id="2147483668" r:id="rId8"/>
+    <p:sldLayoutId id="2147483669" r:id="rId9"/>
+    <p:sldLayoutId id="2147483670" r:id="rId10"/>
+    <p:sldLayoutId id="2147483671" r:id="rId11"/>
+    <p:sldLayoutId id="2147483672" r:id="rId12"/>
+    <p:sldLayoutId id="2147483673" r:id="rId13"/>
+    <p:sldLayoutId id="2147483674" r:id="rId14"/>
+    <p:sldLayoutId id="2147483675" r:id="rId15"/>
+    <p:sldLayoutId id="2147483676" r:id="rId16"/>
+    <p:sldLayoutId id="2147483677" r:id="rId17"/>
   </p:sldLayoutIdLst>
   <p:txStyles>
     <p:titleStyle>
-      <a:lvl1pPr algn="l" defTabSz="914400" rtl="0" eaLnBrk="1" latinLnBrk="0" hangingPunct="1">
-        <a:lnSpc>
-          <a:spcPct val="90000"/>
-        </a:lnSpc>
+      <a:lvl1pPr algn="l" defTabSz="457200" rtl="0" eaLnBrk="1" latinLnBrk="0" hangingPunct="1">
         <a:spcBef>
           <a:spcPct val="0"/>
         </a:spcBef>
         <a:buNone/>
-        <a:defRPr sz="4400" kern="1200">
-          <a:solidFill>
-            <a:schemeClr val="tx1"/>
-          </a:solidFill>
+        <a:defRPr sz="3200" kern="1200" cap="all">
+          <a:ln w="3175" cmpd="sng">
+            <a:noFill/>
+          </a:ln>
+          <a:gradFill flip="none" rotWithShape="1">
+            <a:gsLst>
+              <a:gs pos="0">
+                <a:schemeClr val="tx1"/>
+              </a:gs>
+              <a:gs pos="100000">
+                <a:schemeClr val="tx1">
+                  <a:lumMod val="65000"/>
+                </a:schemeClr>
+              </a:gs>
+            </a:gsLst>
+            <a:lin ang="5580000" scaled="0"/>
+            <a:tileRect/>
+          </a:gradFill>
+          <a:effectLst>
+            <a:glow rad="38100">
+              <a:schemeClr val="bg1">
+                <a:lumMod val="65000"/>
+                <a:lumOff val="35000"/>
+                <a:alpha val="40000"/>
+              </a:schemeClr>
+            </a:glow>
+            <a:outerShdw blurRad="28575" dist="38100" dir="14040000" algn="tl" rotWithShape="0">
+              <a:srgbClr val="000000">
+                <a:alpha val="25000"/>
+              </a:srgbClr>
+            </a:outerShdw>
+          </a:effectLst>
           <a:latin typeface="+mj-lt"/>
           <a:ea typeface="+mj-ea"/>
           <a:cs typeface="+mj-cs"/>
         </a:defRPr>
       </a:lvl1pPr>
+      <a:lvl2pPr eaLnBrk="1" hangingPunct="1">
+        <a:defRPr>
+          <a:solidFill>
+            <a:schemeClr val="tx2"/>
+          </a:solidFill>
+        </a:defRPr>
+      </a:lvl2pPr>
+      <a:lvl3pPr eaLnBrk="1" hangingPunct="1">
+        <a:defRPr>
+          <a:solidFill>
+            <a:schemeClr val="tx2"/>
+          </a:solidFill>
+        </a:defRPr>
+      </a:lvl3pPr>
+      <a:lvl4pPr eaLnBrk="1" hangingPunct="1">
+        <a:defRPr>
+          <a:solidFill>
+            <a:schemeClr val="tx2"/>
+          </a:solidFill>
+        </a:defRPr>
+      </a:lvl4pPr>
+      <a:lvl5pPr eaLnBrk="1" hangingPunct="1">
+        <a:defRPr>
+          <a:solidFill>
+            <a:schemeClr val="tx2"/>
+          </a:solidFill>
+        </a:defRPr>
+      </a:lvl5pPr>
+      <a:lvl6pPr eaLnBrk="1" hangingPunct="1">
+        <a:defRPr>
+          <a:solidFill>
+            <a:schemeClr val="tx2"/>
+          </a:solidFill>
+        </a:defRPr>
+      </a:lvl6pPr>
+      <a:lvl7pPr eaLnBrk="1" hangingPunct="1">
+        <a:defRPr>
+          <a:solidFill>
+            <a:schemeClr val="tx2"/>
+          </a:solidFill>
+        </a:defRPr>
+      </a:lvl7pPr>
+      <a:lvl8pPr eaLnBrk="1" hangingPunct="1">
+        <a:defRPr>
+          <a:solidFill>
+            <a:schemeClr val="tx2"/>
+          </a:solidFill>
+        </a:defRPr>
+      </a:lvl8pPr>
+      <a:lvl9pPr eaLnBrk="1" hangingPunct="1">
+        <a:defRPr>
+          <a:solidFill>
+            <a:schemeClr val="tx2"/>
+          </a:solidFill>
+        </a:defRPr>
+      </a:lvl9pPr>
     </p:titleStyle>
     <p:bodyStyle>
-      <a:lvl1pPr marL="228600" indent="-228600" algn="l" defTabSz="914400" rtl="0" eaLnBrk="1" latinLnBrk="0" hangingPunct="1">
-        <a:lnSpc>
-          <a:spcPct val="90000"/>
-        </a:lnSpc>
+      <a:lvl1pPr marL="285750" indent="-285750" algn="l" defTabSz="457200" rtl="0" eaLnBrk="1" latinLnBrk="0" hangingPunct="1">
         <a:spcBef>
-          <a:spcPts val="1000"/>
+          <a:spcPct val="20000"/>
         </a:spcBef>
-        <a:buFont typeface="Arial" panose="020B0604020202020204" pitchFamily="34" charset="0"/>
+        <a:spcAft>
+          <a:spcPts val="600"/>
+        </a:spcAft>
+        <a:buClr>
+          <a:schemeClr val="tx1"/>
+        </a:buClr>
+        <a:buSzPct val="100000"/>
+        <a:buFont typeface="Arial"/>
         <a:buChar char="•"/>
-        <a:defRPr sz="2800" kern="1200">
+        <a:defRPr sz="2000" kern="1200" cap="small">
+          <a:gradFill flip="none" rotWithShape="1">
+            <a:gsLst>
+              <a:gs pos="0">
+                <a:schemeClr val="tx1"/>
+              </a:gs>
+              <a:gs pos="100000">
+                <a:schemeClr val="tx1">
+                  <a:lumMod val="75000"/>
+                </a:schemeClr>
+              </a:gs>
+            </a:gsLst>
+            <a:lin ang="5580000" scaled="0"/>
+            <a:tileRect/>
+          </a:gradFill>
+          <a:effectLst>
+            <a:glow rad="38100">
+              <a:schemeClr val="bg1">
+                <a:lumMod val="50000"/>
+                <a:lumOff val="50000"/>
+                <a:alpha val="20000"/>
+              </a:schemeClr>
+            </a:glow>
+            <a:outerShdw blurRad="44450" dist="12700" dir="13860000" algn="tl" rotWithShape="0">
+              <a:srgbClr val="000000">
+                <a:alpha val="20000"/>
+              </a:srgbClr>
+            </a:outerShdw>
+          </a:effectLst>
+          <a:latin typeface="+mn-lt"/>
+          <a:ea typeface="+mn-ea"/>
+          <a:cs typeface="+mn-cs"/>
+        </a:defRPr>
+      </a:lvl1pPr>
+      <a:lvl2pPr marL="742950" indent="-285750" algn="l" defTabSz="457200" rtl="0" eaLnBrk="1" latinLnBrk="0" hangingPunct="1">
+        <a:spcBef>
+          <a:spcPct val="20000"/>
+        </a:spcBef>
+        <a:spcAft>
+          <a:spcPts val="600"/>
+        </a:spcAft>
+        <a:buClr>
+          <a:schemeClr val="tx1"/>
+        </a:buClr>
+        <a:buSzPct val="100000"/>
+        <a:buFont typeface="Arial"/>
+        <a:buChar char="•"/>
+        <a:defRPr sz="1800" kern="1200" cap="small">
+          <a:gradFill flip="none" rotWithShape="1">
+            <a:gsLst>
+              <a:gs pos="0">
+                <a:schemeClr val="tx1"/>
+              </a:gs>
+              <a:gs pos="100000">
+                <a:schemeClr val="tx1">
+                  <a:lumMod val="75000"/>
+                </a:schemeClr>
+              </a:gs>
+            </a:gsLst>
+            <a:lin ang="5580000" scaled="0"/>
+            <a:tileRect/>
+          </a:gradFill>
+          <a:effectLst>
+            <a:glow rad="38100">
+              <a:schemeClr val="bg1">
+                <a:lumMod val="50000"/>
+                <a:lumOff val="50000"/>
+                <a:alpha val="20000"/>
+              </a:schemeClr>
+            </a:glow>
+            <a:outerShdw blurRad="44450" dist="12700" dir="13860000" algn="tl" rotWithShape="0">
+              <a:srgbClr val="000000">
+                <a:alpha val="20000"/>
+              </a:srgbClr>
+            </a:outerShdw>
+          </a:effectLst>
+          <a:latin typeface="+mn-lt"/>
+          <a:ea typeface="+mn-ea"/>
+          <a:cs typeface="+mn-cs"/>
+        </a:defRPr>
+      </a:lvl2pPr>
+      <a:lvl3pPr marL="1200150" indent="-285750" algn="l" defTabSz="457200" rtl="0" eaLnBrk="1" latinLnBrk="0" hangingPunct="1">
+        <a:spcBef>
+          <a:spcPct val="20000"/>
+        </a:spcBef>
+        <a:spcAft>
+          <a:spcPts val="600"/>
+        </a:spcAft>
+        <a:buClr>
+          <a:schemeClr val="tx1"/>
+        </a:buClr>
+        <a:buSzPct val="100000"/>
+        <a:buFont typeface="Arial"/>
+        <a:buChar char="•"/>
+        <a:defRPr sz="1600" kern="1200" cap="small">
+          <a:gradFill flip="none" rotWithShape="1">
+            <a:gsLst>
+              <a:gs pos="0">
+                <a:schemeClr val="tx1"/>
+              </a:gs>
+              <a:gs pos="100000">
+                <a:schemeClr val="tx1">
+                  <a:lumMod val="75000"/>
+                </a:schemeClr>
+              </a:gs>
+            </a:gsLst>
+            <a:lin ang="5580000" scaled="0"/>
+            <a:tileRect/>
+          </a:gradFill>
+          <a:effectLst>
+            <a:glow rad="38100">
+              <a:schemeClr val="bg1">
+                <a:lumMod val="50000"/>
+                <a:lumOff val="50000"/>
+                <a:alpha val="20000"/>
+              </a:schemeClr>
+            </a:glow>
+            <a:outerShdw blurRad="44450" dist="12700" dir="13860000" algn="tl" rotWithShape="0">
+              <a:srgbClr val="000000">
+                <a:alpha val="20000"/>
+              </a:srgbClr>
+            </a:outerShdw>
+          </a:effectLst>
+          <a:latin typeface="+mn-lt"/>
+          <a:ea typeface="+mn-ea"/>
+          <a:cs typeface="+mn-cs"/>
+        </a:defRPr>
+      </a:lvl3pPr>
+      <a:lvl4pPr marL="1543050" indent="-171450" algn="l" defTabSz="457200" rtl="0" eaLnBrk="1" latinLnBrk="0" hangingPunct="1">
+        <a:spcBef>
+          <a:spcPct val="20000"/>
+        </a:spcBef>
+        <a:spcAft>
+          <a:spcPts val="600"/>
+        </a:spcAft>
+        <a:buClr>
+          <a:schemeClr val="tx1"/>
+        </a:buClr>
+        <a:buSzPct val="100000"/>
+        <a:buFont typeface="Arial"/>
+        <a:buChar char="•"/>
+        <a:defRPr sz="1400" kern="1200" cap="small">
+          <a:gradFill flip="none" rotWithShape="1">
+            <a:gsLst>
+              <a:gs pos="0">
+                <a:schemeClr val="tx1"/>
+              </a:gs>
+              <a:gs pos="100000">
+                <a:schemeClr val="tx1">
+                  <a:lumMod val="75000"/>
+                </a:schemeClr>
+              </a:gs>
+            </a:gsLst>
+            <a:lin ang="5580000" scaled="0"/>
+            <a:tileRect/>
+          </a:gradFill>
+          <a:effectLst>
+            <a:glow rad="38100">
+              <a:schemeClr val="bg1">
+                <a:lumMod val="50000"/>
+                <a:lumOff val="50000"/>
+                <a:alpha val="20000"/>
+              </a:schemeClr>
+            </a:glow>
+            <a:outerShdw blurRad="44450" dist="12700" dir="13860000" algn="tl" rotWithShape="0">
+              <a:srgbClr val="000000">
+                <a:alpha val="20000"/>
+              </a:srgbClr>
+            </a:outerShdw>
+          </a:effectLst>
+          <a:latin typeface="+mn-lt"/>
+          <a:ea typeface="+mn-ea"/>
+          <a:cs typeface="+mn-cs"/>
+        </a:defRPr>
+      </a:lvl4pPr>
+      <a:lvl5pPr marL="2000250" indent="-171450" algn="l" defTabSz="457200" rtl="0" eaLnBrk="1" latinLnBrk="0" hangingPunct="1">
+        <a:spcBef>
+          <a:spcPct val="20000"/>
+        </a:spcBef>
+        <a:spcAft>
+          <a:spcPts val="600"/>
+        </a:spcAft>
+        <a:buClr>
+          <a:schemeClr val="tx1"/>
+        </a:buClr>
+        <a:buSzPct val="100000"/>
+        <a:buFont typeface="Arial"/>
+        <a:buChar char="•"/>
+        <a:defRPr sz="1400" kern="1200" cap="small">
+          <a:gradFill flip="none" rotWithShape="1">
+            <a:gsLst>
+              <a:gs pos="0">
+                <a:schemeClr val="tx1"/>
+              </a:gs>
+              <a:gs pos="100000">
+                <a:schemeClr val="tx1">
+                  <a:lumMod val="75000"/>
+                </a:schemeClr>
+              </a:gs>
+            </a:gsLst>
+            <a:lin ang="5580000" scaled="0"/>
+            <a:tileRect/>
+          </a:gradFill>
+          <a:effectLst>
+            <a:glow rad="38100">
+              <a:schemeClr val="bg1">
+                <a:lumMod val="50000"/>
+                <a:lumOff val="50000"/>
+                <a:alpha val="20000"/>
+              </a:schemeClr>
+            </a:glow>
+            <a:outerShdw blurRad="44450" dist="12700" dir="13860000" algn="tl" rotWithShape="0">
+              <a:srgbClr val="000000">
+                <a:alpha val="20000"/>
+              </a:srgbClr>
+            </a:outerShdw>
+          </a:effectLst>
+          <a:latin typeface="+mn-lt"/>
+          <a:ea typeface="+mn-ea"/>
+          <a:cs typeface="+mn-cs"/>
+        </a:defRPr>
+      </a:lvl5pPr>
+      <a:lvl6pPr marL="2514600" indent="-228600" algn="l" defTabSz="457200" rtl="0" eaLnBrk="1" latinLnBrk="0" hangingPunct="1">
+        <a:spcBef>
+          <a:spcPct val="20000"/>
+        </a:spcBef>
+        <a:spcAft>
+          <a:spcPts val="600"/>
+        </a:spcAft>
+        <a:buClr>
+          <a:schemeClr val="tx1"/>
+        </a:buClr>
+        <a:buSzPct val="100000"/>
+        <a:buFont typeface="Arial"/>
+        <a:buChar char="•"/>
+        <a:defRPr sz="1200" kern="1200" cap="small">
+          <a:gradFill flip="none" rotWithShape="1">
+            <a:gsLst>
+              <a:gs pos="0">
+                <a:schemeClr val="tx1"/>
+              </a:gs>
+              <a:gs pos="100000">
+                <a:schemeClr val="tx1">
+                  <a:lumMod val="75000"/>
+                </a:schemeClr>
+              </a:gs>
+            </a:gsLst>
+            <a:lin ang="5580000" scaled="0"/>
+            <a:tileRect/>
+          </a:gradFill>
+          <a:effectLst>
+            <a:glow rad="38100">
+              <a:schemeClr val="bg1">
+                <a:lumMod val="50000"/>
+                <a:lumOff val="50000"/>
+                <a:alpha val="20000"/>
+              </a:schemeClr>
+            </a:glow>
+            <a:outerShdw blurRad="44450" dist="12700" dir="13860000" algn="tl" rotWithShape="0">
+              <a:srgbClr val="000000">
+                <a:alpha val="20000"/>
+              </a:srgbClr>
+            </a:outerShdw>
+          </a:effectLst>
+          <a:latin typeface="+mn-lt"/>
+          <a:ea typeface="+mn-ea"/>
+          <a:cs typeface="+mn-cs"/>
+        </a:defRPr>
+      </a:lvl6pPr>
+      <a:lvl7pPr marL="2971800" indent="-228600" algn="l" defTabSz="457200" rtl="0" eaLnBrk="1" latinLnBrk="0" hangingPunct="1">
+        <a:spcBef>
+          <a:spcPct val="20000"/>
+        </a:spcBef>
+        <a:spcAft>
+          <a:spcPts val="600"/>
+        </a:spcAft>
+        <a:buClr>
+          <a:schemeClr val="tx1"/>
+        </a:buClr>
+        <a:buSzPct val="100000"/>
+        <a:buFont typeface="Arial"/>
+        <a:buChar char="•"/>
+        <a:defRPr sz="1200" kern="1200" cap="small">
+          <a:gradFill flip="none" rotWithShape="1">
+            <a:gsLst>
+              <a:gs pos="0">
+                <a:schemeClr val="tx1"/>
+              </a:gs>
+              <a:gs pos="100000">
+                <a:schemeClr val="tx1">
+                  <a:lumMod val="75000"/>
+                </a:schemeClr>
+              </a:gs>
+            </a:gsLst>
+            <a:lin ang="5580000" scaled="0"/>
+            <a:tileRect/>
+          </a:gradFill>
+          <a:effectLst>
+            <a:glow rad="38100">
+              <a:schemeClr val="bg1">
+                <a:lumMod val="50000"/>
+                <a:lumOff val="50000"/>
+                <a:alpha val="20000"/>
+              </a:schemeClr>
+            </a:glow>
+            <a:outerShdw blurRad="44450" dist="12700" dir="13860000" algn="tl" rotWithShape="0">
+              <a:srgbClr val="000000">
+                <a:alpha val="20000"/>
+              </a:srgbClr>
+            </a:outerShdw>
+          </a:effectLst>
+          <a:latin typeface="+mn-lt"/>
+          <a:ea typeface="+mn-ea"/>
+          <a:cs typeface="+mn-cs"/>
+        </a:defRPr>
+      </a:lvl7pPr>
+      <a:lvl8pPr marL="3429000" indent="-228600" algn="l" defTabSz="457200" rtl="0" eaLnBrk="1" latinLnBrk="0" hangingPunct="1">
+        <a:spcBef>
+          <a:spcPct val="20000"/>
+        </a:spcBef>
+        <a:spcAft>
+          <a:spcPts val="600"/>
+        </a:spcAft>
+        <a:buClr>
+          <a:schemeClr val="tx1"/>
+        </a:buClr>
+        <a:buSzPct val="100000"/>
+        <a:buFont typeface="Arial"/>
+        <a:buChar char="•"/>
+        <a:defRPr sz="1200" kern="1200" cap="small">
+          <a:gradFill flip="none" rotWithShape="1">
+            <a:gsLst>
+              <a:gs pos="0">
+                <a:schemeClr val="tx1"/>
+              </a:gs>
+              <a:gs pos="100000">
+                <a:schemeClr val="tx1">
+                  <a:lumMod val="75000"/>
+                </a:schemeClr>
+              </a:gs>
+            </a:gsLst>
+            <a:lin ang="5580000" scaled="0"/>
+            <a:tileRect/>
+          </a:gradFill>
+          <a:effectLst>
+            <a:glow rad="38100">
+              <a:schemeClr val="bg1">
+                <a:lumMod val="50000"/>
+                <a:lumOff val="50000"/>
+                <a:alpha val="20000"/>
+              </a:schemeClr>
+            </a:glow>
+            <a:outerShdw blurRad="44450" dist="12700" dir="13860000" algn="tl" rotWithShape="0">
+              <a:srgbClr val="000000">
+                <a:alpha val="20000"/>
+              </a:srgbClr>
+            </a:outerShdw>
+          </a:effectLst>
+          <a:latin typeface="+mn-lt"/>
+          <a:ea typeface="+mn-ea"/>
+          <a:cs typeface="+mn-cs"/>
+        </a:defRPr>
+      </a:lvl8pPr>
+      <a:lvl9pPr marL="3886200" indent="-228600" algn="l" defTabSz="457200" rtl="0" eaLnBrk="1" latinLnBrk="0" hangingPunct="1">
+        <a:spcBef>
+          <a:spcPct val="20000"/>
+        </a:spcBef>
+        <a:spcAft>
+          <a:spcPts val="600"/>
+        </a:spcAft>
+        <a:buClr>
+          <a:schemeClr val="tx1"/>
+        </a:buClr>
+        <a:buSzPct val="100000"/>
+        <a:buFont typeface="Arial"/>
+        <a:buChar char="•"/>
+        <a:defRPr sz="1200" kern="1200" cap="small">
+          <a:gradFill flip="none" rotWithShape="1">
+            <a:gsLst>
+              <a:gs pos="0">
+                <a:schemeClr val="tx1"/>
+              </a:gs>
+              <a:gs pos="100000">
+                <a:schemeClr val="tx1">
+                  <a:lumMod val="75000"/>
+                </a:schemeClr>
+              </a:gs>
+            </a:gsLst>
+            <a:lin ang="5580000" scaled="0"/>
+            <a:tileRect/>
+          </a:gradFill>
+          <a:effectLst>
+            <a:glow rad="38100">
+              <a:schemeClr val="bg1">
+                <a:lumMod val="50000"/>
+                <a:lumOff val="50000"/>
+                <a:alpha val="20000"/>
+              </a:schemeClr>
+            </a:glow>
+            <a:outerShdw blurRad="44450" dist="12700" dir="13860000" algn="tl" rotWithShape="0">
+              <a:srgbClr val="000000">
+                <a:alpha val="20000"/>
+              </a:srgbClr>
+            </a:outerShdw>
+          </a:effectLst>
+          <a:latin typeface="+mn-lt"/>
+          <a:ea typeface="+mn-ea"/>
+          <a:cs typeface="+mn-cs"/>
+        </a:defRPr>
+      </a:lvl9pPr>
+    </p:bodyStyle>
+    <p:otherStyle>
+      <a:defPPr>
+        <a:defRPr lang="en-US"/>
+      </a:defPPr>
+      <a:lvl1pPr marL="0" algn="l" defTabSz="457200" rtl="0" eaLnBrk="1" latinLnBrk="0" hangingPunct="1">
+        <a:defRPr sz="1800" kern="1200">
           <a:solidFill>
             <a:schemeClr val="tx1"/>
           </a:solidFill>
@@ -2722,16 +5635,8 @@
           <a:cs typeface="+mn-cs"/>
         </a:defRPr>
       </a:lvl1pPr>
-      <a:lvl2pPr marL="685800" indent="-228600" algn="l" defTabSz="914400" rtl="0" eaLnBrk="1" latinLnBrk="0" hangingPunct="1">
-        <a:lnSpc>
-          <a:spcPct val="90000"/>
-        </a:lnSpc>
-        <a:spcBef>
-          <a:spcPts val="500"/>
-        </a:spcBef>
-        <a:buFont typeface="Arial" panose="020B0604020202020204" pitchFamily="34" charset="0"/>
-        <a:buChar char="•"/>
-        <a:defRPr sz="2400" kern="1200">
+      <a:lvl2pPr marL="457200" algn="l" defTabSz="457200" rtl="0" eaLnBrk="1" latinLnBrk="0" hangingPunct="1">
+        <a:defRPr sz="1800" kern="1200">
           <a:solidFill>
             <a:schemeClr val="tx1"/>
           </a:solidFill>
@@ -2740,16 +5645,8 @@
           <a:cs typeface="+mn-cs"/>
         </a:defRPr>
       </a:lvl2pPr>
-      <a:lvl3pPr marL="1143000" indent="-228600" algn="l" defTabSz="914400" rtl="0" eaLnBrk="1" latinLnBrk="0" hangingPunct="1">
-        <a:lnSpc>
-          <a:spcPct val="90000"/>
-        </a:lnSpc>
-        <a:spcBef>
-          <a:spcPts val="500"/>
-        </a:spcBef>
-        <a:buFont typeface="Arial" panose="020B0604020202020204" pitchFamily="34" charset="0"/>
-        <a:buChar char="•"/>
-        <a:defRPr sz="2000" kern="1200">
+      <a:lvl3pPr marL="914400" algn="l" defTabSz="457200" rtl="0" eaLnBrk="1" latinLnBrk="0" hangingPunct="1">
+        <a:defRPr sz="1800" kern="1200">
           <a:solidFill>
             <a:schemeClr val="tx1"/>
           </a:solidFill>
@@ -2758,15 +5655,7 @@
           <a:cs typeface="+mn-cs"/>
         </a:defRPr>
       </a:lvl3pPr>
-      <a:lvl4pPr marL="1600200" indent="-228600" algn="l" defTabSz="914400" rtl="0" eaLnBrk="1" latinLnBrk="0" hangingPunct="1">
-        <a:lnSpc>
-          <a:spcPct val="90000"/>
-        </a:lnSpc>
-        <a:spcBef>
-          <a:spcPts val="500"/>
-        </a:spcBef>
-        <a:buFont typeface="Arial" panose="020B0604020202020204" pitchFamily="34" charset="0"/>
-        <a:buChar char="•"/>
+      <a:lvl4pPr marL="1371600" algn="l" defTabSz="457200" rtl="0" eaLnBrk="1" latinLnBrk="0" hangingPunct="1">
         <a:defRPr sz="1800" kern="1200">
           <a:solidFill>
             <a:schemeClr val="tx1"/>
@@ -2776,15 +5665,7 @@
           <a:cs typeface="+mn-cs"/>
         </a:defRPr>
       </a:lvl4pPr>
-      <a:lvl5pPr marL="2057400" indent="-228600" algn="l" defTabSz="914400" rtl="0" eaLnBrk="1" latinLnBrk="0" hangingPunct="1">
-        <a:lnSpc>
-          <a:spcPct val="90000"/>
-        </a:lnSpc>
-        <a:spcBef>
-          <a:spcPts val="500"/>
-        </a:spcBef>
-        <a:buFont typeface="Arial" panose="020B0604020202020204" pitchFamily="34" charset="0"/>
-        <a:buChar char="•"/>
+      <a:lvl5pPr marL="1828800" algn="l" defTabSz="457200" rtl="0" eaLnBrk="1" latinLnBrk="0" hangingPunct="1">
         <a:defRPr sz="1800" kern="1200">
           <a:solidFill>
             <a:schemeClr val="tx1"/>
@@ -2794,15 +5675,7 @@
           <a:cs typeface="+mn-cs"/>
         </a:defRPr>
       </a:lvl5pPr>
-      <a:lvl6pPr marL="2514600" indent="-228600" algn="l" defTabSz="914400" rtl="0" eaLnBrk="1" latinLnBrk="0" hangingPunct="1">
-        <a:lnSpc>
-          <a:spcPct val="90000"/>
-        </a:lnSpc>
-        <a:spcBef>
-          <a:spcPts val="500"/>
-        </a:spcBef>
-        <a:buFont typeface="Arial" panose="020B0604020202020204" pitchFamily="34" charset="0"/>
-        <a:buChar char="•"/>
+      <a:lvl6pPr marL="2286000" algn="l" defTabSz="457200" rtl="0" eaLnBrk="1" latinLnBrk="0" hangingPunct="1">
         <a:defRPr sz="1800" kern="1200">
           <a:solidFill>
             <a:schemeClr val="tx1"/>
@@ -2812,15 +5685,7 @@
           <a:cs typeface="+mn-cs"/>
         </a:defRPr>
       </a:lvl6pPr>
-      <a:lvl7pPr marL="2971800" indent="-228600" algn="l" defTabSz="914400" rtl="0" eaLnBrk="1" latinLnBrk="0" hangingPunct="1">
-        <a:lnSpc>
-          <a:spcPct val="90000"/>
-        </a:lnSpc>
-        <a:spcBef>
-          <a:spcPts val="500"/>
-        </a:spcBef>
-        <a:buFont typeface="Arial" panose="020B0604020202020204" pitchFamily="34" charset="0"/>
-        <a:buChar char="•"/>
+      <a:lvl7pPr marL="2743200" algn="l" defTabSz="457200" rtl="0" eaLnBrk="1" latinLnBrk="0" hangingPunct="1">
         <a:defRPr sz="1800" kern="1200">
           <a:solidFill>
             <a:schemeClr val="tx1"/>
@@ -2830,15 +5695,7 @@
           <a:cs typeface="+mn-cs"/>
         </a:defRPr>
       </a:lvl7pPr>
-      <a:lvl8pPr marL="3429000" indent="-228600" algn="l" defTabSz="914400" rtl="0" eaLnBrk="1" latinLnBrk="0" hangingPunct="1">
-        <a:lnSpc>
-          <a:spcPct val="90000"/>
-        </a:lnSpc>
-        <a:spcBef>
-          <a:spcPts val="500"/>
-        </a:spcBef>
-        <a:buFont typeface="Arial" panose="020B0604020202020204" pitchFamily="34" charset="0"/>
-        <a:buChar char="•"/>
+      <a:lvl8pPr marL="3200400" algn="l" defTabSz="457200" rtl="0" eaLnBrk="1" latinLnBrk="0" hangingPunct="1">
         <a:defRPr sz="1800" kern="1200">
           <a:solidFill>
             <a:schemeClr val="tx1"/>
@@ -2848,110 +5705,7 @@
           <a:cs typeface="+mn-cs"/>
         </a:defRPr>
       </a:lvl8pPr>
-      <a:lvl9pPr marL="3886200" indent="-228600" algn="l" defTabSz="914400" rtl="0" eaLnBrk="1" latinLnBrk="0" hangingPunct="1">
-        <a:lnSpc>
-          <a:spcPct val="90000"/>
-        </a:lnSpc>
-        <a:spcBef>
-          <a:spcPts val="500"/>
-        </a:spcBef>
-        <a:buFont typeface="Arial" panose="020B0604020202020204" pitchFamily="34" charset="0"/>
-        <a:buChar char="•"/>
-        <a:defRPr sz="1800" kern="1200">
-          <a:solidFill>
-            <a:schemeClr val="tx1"/>
-          </a:solidFill>
-          <a:latin typeface="+mn-lt"/>
-          <a:ea typeface="+mn-ea"/>
-          <a:cs typeface="+mn-cs"/>
-        </a:defRPr>
-      </a:lvl9pPr>
-    </p:bodyStyle>
-    <p:otherStyle>
-      <a:defPPr>
-        <a:defRPr lang="uk-UA"/>
-      </a:defPPr>
-      <a:lvl1pPr marL="0" algn="l" defTabSz="914400" rtl="0" eaLnBrk="1" latinLnBrk="0" hangingPunct="1">
-        <a:defRPr sz="1800" kern="1200">
-          <a:solidFill>
-            <a:schemeClr val="tx1"/>
-          </a:solidFill>
-          <a:latin typeface="+mn-lt"/>
-          <a:ea typeface="+mn-ea"/>
-          <a:cs typeface="+mn-cs"/>
-        </a:defRPr>
-      </a:lvl1pPr>
-      <a:lvl2pPr marL="457200" algn="l" defTabSz="914400" rtl="0" eaLnBrk="1" latinLnBrk="0" hangingPunct="1">
-        <a:defRPr sz="1800" kern="1200">
-          <a:solidFill>
-            <a:schemeClr val="tx1"/>
-          </a:solidFill>
-          <a:latin typeface="+mn-lt"/>
-          <a:ea typeface="+mn-ea"/>
-          <a:cs typeface="+mn-cs"/>
-        </a:defRPr>
-      </a:lvl2pPr>
-      <a:lvl3pPr marL="914400" algn="l" defTabSz="914400" rtl="0" eaLnBrk="1" latinLnBrk="0" hangingPunct="1">
-        <a:defRPr sz="1800" kern="1200">
-          <a:solidFill>
-            <a:schemeClr val="tx1"/>
-          </a:solidFill>
-          <a:latin typeface="+mn-lt"/>
-          <a:ea typeface="+mn-ea"/>
-          <a:cs typeface="+mn-cs"/>
-        </a:defRPr>
-      </a:lvl3pPr>
-      <a:lvl4pPr marL="1371600" algn="l" defTabSz="914400" rtl="0" eaLnBrk="1" latinLnBrk="0" hangingPunct="1">
-        <a:defRPr sz="1800" kern="1200">
-          <a:solidFill>
-            <a:schemeClr val="tx1"/>
-          </a:solidFill>
-          <a:latin typeface="+mn-lt"/>
-          <a:ea typeface="+mn-ea"/>
-          <a:cs typeface="+mn-cs"/>
-        </a:defRPr>
-      </a:lvl4pPr>
-      <a:lvl5pPr marL="1828800" algn="l" defTabSz="914400" rtl="0" eaLnBrk="1" latinLnBrk="0" hangingPunct="1">
-        <a:defRPr sz="1800" kern="1200">
-          <a:solidFill>
-            <a:schemeClr val="tx1"/>
-          </a:solidFill>
-          <a:latin typeface="+mn-lt"/>
-          <a:ea typeface="+mn-ea"/>
-          <a:cs typeface="+mn-cs"/>
-        </a:defRPr>
-      </a:lvl5pPr>
-      <a:lvl6pPr marL="2286000" algn="l" defTabSz="914400" rtl="0" eaLnBrk="1" latinLnBrk="0" hangingPunct="1">
-        <a:defRPr sz="1800" kern="1200">
-          <a:solidFill>
-            <a:schemeClr val="tx1"/>
-          </a:solidFill>
-          <a:latin typeface="+mn-lt"/>
-          <a:ea typeface="+mn-ea"/>
-          <a:cs typeface="+mn-cs"/>
-        </a:defRPr>
-      </a:lvl6pPr>
-      <a:lvl7pPr marL="2743200" algn="l" defTabSz="914400" rtl="0" eaLnBrk="1" latinLnBrk="0" hangingPunct="1">
-        <a:defRPr sz="1800" kern="1200">
-          <a:solidFill>
-            <a:schemeClr val="tx1"/>
-          </a:solidFill>
-          <a:latin typeface="+mn-lt"/>
-          <a:ea typeface="+mn-ea"/>
-          <a:cs typeface="+mn-cs"/>
-        </a:defRPr>
-      </a:lvl7pPr>
-      <a:lvl8pPr marL="3200400" algn="l" defTabSz="914400" rtl="0" eaLnBrk="1" latinLnBrk="0" hangingPunct="1">
-        <a:defRPr sz="1800" kern="1200">
-          <a:solidFill>
-            <a:schemeClr val="tx1"/>
-          </a:solidFill>
-          <a:latin typeface="+mn-lt"/>
-          <a:ea typeface="+mn-ea"/>
-          <a:cs typeface="+mn-cs"/>
-        </a:defRPr>
-      </a:lvl8pPr>
-      <a:lvl9pPr marL="3657600" algn="l" defTabSz="914400" rtl="0" eaLnBrk="1" latinLnBrk="0" hangingPunct="1">
+      <a:lvl9pPr marL="3657600" algn="l" defTabSz="457200" rtl="0" eaLnBrk="1" latinLnBrk="0" hangingPunct="1">
         <a:defRPr sz="1800" kern="1200">
           <a:solidFill>
             <a:schemeClr val="tx1"/>
@@ -3001,7 +5755,7 @@
         </p:spPr>
         <p:txBody>
           <a:bodyPr>
-            <a:normAutofit/>
+            <a:normAutofit fontScale="90000"/>
           </a:bodyPr>
           <a:lstStyle/>
           <a:p>
@@ -3205,6 +5959,13 @@
   <p:clrMapOvr>
     <a:masterClrMapping/>
   </p:clrMapOvr>
+  <p:timing>
+    <p:tnLst>
+      <p:par>
+        <p:cTn id="1" dur="indefinite" restart="never" nodeType="tmRoot"/>
+      </p:par>
+    </p:tnLst>
+  </p:timing>
 </p:sld>
 </file>
 
@@ -3291,6 +6052,13 @@
   <p:clrMapOvr>
     <a:masterClrMapping/>
   </p:clrMapOvr>
+  <p:timing>
+    <p:tnLst>
+      <p:par>
+        <p:cTn id="1" dur="indefinite" restart="never" nodeType="tmRoot"/>
+      </p:par>
+    </p:tnLst>
+  </p:timing>
 </p:sld>
 </file>
 
@@ -3381,6 +6149,13 @@
   <p:clrMapOvr>
     <a:masterClrMapping/>
   </p:clrMapOvr>
+  <p:timing>
+    <p:tnLst>
+      <p:par>
+        <p:cTn id="1" dur="indefinite" restart="never" nodeType="tmRoot"/>
+      </p:par>
+    </p:tnLst>
+  </p:timing>
 </p:sld>
 </file>
 
@@ -3462,6 +6237,13 @@
   <p:clrMapOvr>
     <a:masterClrMapping/>
   </p:clrMapOvr>
+  <p:timing>
+    <p:tnLst>
+      <p:par>
+        <p:cTn id="1" dur="indefinite" restart="never" nodeType="tmRoot"/>
+      </p:par>
+    </p:tnLst>
+  </p:timing>
 </p:sld>
 </file>
 
@@ -3559,6 +6341,13 @@
   <p:clrMapOvr>
     <a:masterClrMapping/>
   </p:clrMapOvr>
+  <p:timing>
+    <p:tnLst>
+      <p:par>
+        <p:cTn id="1" dur="indefinite" restart="never" nodeType="tmRoot"/>
+      </p:par>
+    </p:tnLst>
+  </p:timing>
 </p:sld>
 </file>
 
@@ -3648,13 +6437,7 @@
               <a:rPr lang="ru-RU" dirty="0" smtClean="0">
                 <a:hlinkClick r:id="rId3"/>
               </a:rPr>
-              <a:t>МОЖЛИВОСТІ ТА ПЕРСПЕКТИВИ ВИКОРИСТАННЯ ШТУЧНОГО ІНТЕЛЕКТУ В АУДИТІ (nayka.com.ua</a:t>
-            </a:r>
-            <a:r>
-              <a:rPr lang="ru-RU" dirty="0" smtClean="0">
-                <a:hlinkClick r:id="rId3"/>
-              </a:rPr>
-              <a:t>)</a:t>
+              <a:t>МОЖЛИВОСТІ ТА ПЕРСПЕКТИВИ ВИКОРИСТАННЯ ШТУЧНОГО ІНТЕЛЕКТУ В АУДИТІ (nayka.com.ua)</a:t>
             </a:r>
             <a:endParaRPr lang="ru-RU" dirty="0" smtClean="0"/>
           </a:p>
@@ -3784,6 +6567,13 @@
   <p:clrMapOvr>
     <a:masterClrMapping/>
   </p:clrMapOvr>
+  <p:timing>
+    <p:tnLst>
+      <p:par>
+        <p:cTn id="1" dur="indefinite" restart="never" nodeType="tmRoot"/>
+      </p:par>
+    </p:tnLst>
+  </p:timing>
 </p:sld>
 </file>
 
@@ -4567,6 +7357,13 @@
   <p:clrMapOvr>
     <a:masterClrMapping/>
   </p:clrMapOvr>
+  <p:timing>
+    <p:tnLst>
+      <p:par>
+        <p:cTn id="1" dur="indefinite" restart="never" nodeType="tmRoot"/>
+      </p:par>
+    </p:tnLst>
+  </p:timing>
 </p:sld>
 </file>
 
@@ -4632,15 +7429,7 @@
             </a:pPr>
             <a:r>
               <a:rPr lang="uk-UA" dirty="0" smtClean="0"/>
-              <a:t>	У створенні штучного інтелекту </a:t>
-            </a:r>
-            <a:r>
-              <a:rPr lang="uk-UA" dirty="0" smtClean="0"/>
-              <a:t>спостерігається </a:t>
-            </a:r>
-            <a:r>
-              <a:rPr lang="uk-UA" dirty="0" smtClean="0"/>
-              <a:t>інтенсивний перелом усіх предметних областей, які мають хоч якесь відношення до ШІ в базі знань. Практично всі підходи були випробувані, але до появи повноцінного штучного розуму жодна дослідницька група так і не дійшла.</a:t>
+              <a:t>	У створенні штучного інтелекту спостерігається інтенсивний перелом усіх предметних областей, які мають хоч якесь відношення до ШІ в базі знань. Практично всі підходи були випробувані, але до появи повноцінного штучного розуму жодна дослідницька група так і не дійшла.</a:t>
             </a:r>
           </a:p>
           <a:p>
@@ -4697,6 +7486,13 @@
   <p:clrMapOvr>
     <a:masterClrMapping/>
   </p:clrMapOvr>
+  <p:timing>
+    <p:tnLst>
+      <p:par>
+        <p:cTn id="1" dur="indefinite" restart="never" nodeType="tmRoot"/>
+      </p:par>
+    </p:tnLst>
+  </p:timing>
 </p:sld>
 </file>
 
@@ -4767,6 +7563,13 @@
   <p:clrMapOvr>
     <a:masterClrMapping/>
   </p:clrMapOvr>
+  <p:timing>
+    <p:tnLst>
+      <p:par>
+        <p:cTn id="1" dur="indefinite" restart="never" nodeType="tmRoot"/>
+      </p:par>
+    </p:tnLst>
+  </p:timing>
 </p:sld>
 </file>
 
@@ -4989,6 +7792,13 @@
   <p:clrMapOvr>
     <a:masterClrMapping/>
   </p:clrMapOvr>
+  <p:timing>
+    <p:tnLst>
+      <p:par>
+        <p:cTn id="1" dur="indefinite" restart="never" nodeType="tmRoot"/>
+      </p:par>
+    </p:tnLst>
+  </p:timing>
 </p:sld>
 </file>
 
@@ -5167,13 +7977,20 @@
   <p:clrMapOvr>
     <a:masterClrMapping/>
   </p:clrMapOvr>
+  <p:timing>
+    <p:tnLst>
+      <p:par>
+        <p:cTn id="1" dur="indefinite" restart="never" nodeType="tmRoot"/>
+      </p:par>
+    </p:tnLst>
+  </p:timing>
 </p:sld>
 </file>
 
 <file path=ppt/theme/theme1.xml><?xml version="1.0" encoding="utf-8"?>
-<a:theme xmlns:a="http://schemas.openxmlformats.org/drawingml/2006/main" name="Тема Office">
+<a:theme xmlns:a="http://schemas.openxmlformats.org/drawingml/2006/main" name="Сетка">
   <a:themeElements>
-    <a:clrScheme name="Стандартная">
+    <a:clrScheme name="Сетка">
       <a:dk1>
         <a:sysClr val="windowText" lastClr="000000"/>
       </a:dk1>
@@ -5181,83 +7998,48 @@
         <a:sysClr val="window" lastClr="FFFFFF"/>
       </a:lt1>
       <a:dk2>
-        <a:srgbClr val="44546A"/>
+        <a:srgbClr val="363D46"/>
       </a:dk2>
       <a:lt2>
-        <a:srgbClr val="E7E6E6"/>
+        <a:srgbClr val="EBEBEB"/>
       </a:lt2>
       <a:accent1>
-        <a:srgbClr val="5B9BD5"/>
+        <a:srgbClr val="6F6F6F"/>
       </a:accent1>
       <a:accent2>
-        <a:srgbClr val="ED7D31"/>
+        <a:srgbClr val="BFBFA5"/>
       </a:accent2>
       <a:accent3>
-        <a:srgbClr val="A5A5A5"/>
+        <a:srgbClr val="DCD084"/>
       </a:accent3>
       <a:accent4>
-        <a:srgbClr val="FFC000"/>
+        <a:srgbClr val="E7BF5F"/>
       </a:accent4>
       <a:accent5>
-        <a:srgbClr val="4472C4"/>
+        <a:srgbClr val="E9A039"/>
       </a:accent5>
       <a:accent6>
-        <a:srgbClr val="70AD47"/>
+        <a:srgbClr val="CF7133"/>
       </a:accent6>
       <a:hlink>
-        <a:srgbClr val="0563C1"/>
+        <a:srgbClr val="F28943"/>
       </a:hlink>
       <a:folHlink>
-        <a:srgbClr val="954F72"/>
+        <a:srgbClr val="F1B76C"/>
       </a:folHlink>
     </a:clrScheme>
-    <a:fontScheme name="Стандартная">
+    <a:fontScheme name="Сетка">
       <a:majorFont>
-        <a:latin typeface="Calibri Light" panose="020F0302020204030204"/>
+        <a:latin typeface="Century Gothic" panose="020B0502020202020204"/>
         <a:ea typeface=""/>
         <a:cs typeface=""/>
-        <a:font script="Jpan" typeface="游ゴシック Light"/>
+        <a:font script="Jpan" typeface="ＭＳ ゴシック"/>
         <a:font script="Hang" typeface="맑은 고딕"/>
-        <a:font script="Hans" typeface="等线 Light"/>
+        <a:font script="Hans" typeface="宋体"/>
         <a:font script="Hant" typeface="新細明體"/>
-        <a:font script="Arab" typeface="Times New Roman"/>
-        <a:font script="Hebr" typeface="Times New Roman"/>
-        <a:font script="Thai" typeface="Angsana New"/>
-        <a:font script="Ethi" typeface="Nyala"/>
-        <a:font script="Beng" typeface="Vrinda"/>
-        <a:font script="Gujr" typeface="Shruti"/>
-        <a:font script="Khmr" typeface="MoolBoran"/>
-        <a:font script="Knda" typeface="Tunga"/>
-        <a:font script="Guru" typeface="Raavi"/>
-        <a:font script="Cans" typeface="Euphemia"/>
-        <a:font script="Cher" typeface="Plantagenet Cherokee"/>
-        <a:font script="Yiii" typeface="Microsoft Yi Baiti"/>
-        <a:font script="Tibt" typeface="Microsoft Himalaya"/>
-        <a:font script="Thaa" typeface="MV Boli"/>
-        <a:font script="Deva" typeface="Mangal"/>
-        <a:font script="Telu" typeface="Gautami"/>
-        <a:font script="Taml" typeface="Latha"/>
-        <a:font script="Syrc" typeface="Estrangelo Edessa"/>
-        <a:font script="Orya" typeface="Kalinga"/>
-        <a:font script="Mlym" typeface="Kartika"/>
-        <a:font script="Laoo" typeface="DokChampa"/>
-        <a:font script="Sinh" typeface="Iskoola Pota"/>
-        <a:font script="Mong" typeface="Mongolian Baiti"/>
-        <a:font script="Viet" typeface="Times New Roman"/>
-        <a:font script="Uigh" typeface="Microsoft Uighur"/>
-        <a:font script="Geor" typeface="Sylfaen"/>
-      </a:majorFont>
-      <a:minorFont>
-        <a:latin typeface="Calibri" panose="020F0502020204030204"/>
-        <a:ea typeface=""/>
-        <a:cs typeface=""/>
-        <a:font script="Jpan" typeface="游ゴシック"/>
-        <a:font script="Hang" typeface="맑은 고딕"/>
-        <a:font script="Hans" typeface="等线"/>
-        <a:font script="Hant" typeface="新細明體"/>
-        <a:font script="Arab" typeface="Arial"/>
-        <a:font script="Hebr" typeface="Arial"/>
-        <a:font script="Thai" typeface="Cordia New"/>
+        <a:font script="Arab" typeface="Tahoma"/>
+        <a:font script="Hebr" typeface="Gisha"/>
+        <a:font script="Thai" typeface="DilleniaUPC"/>
         <a:font script="Ethi" typeface="Nyala"/>
         <a:font script="Beng" typeface="Vrinda"/>
         <a:font script="Gujr" typeface="Shruti"/>
@@ -5278,12 +8060,47 @@
         <a:font script="Laoo" typeface="DokChampa"/>
         <a:font script="Sinh" typeface="Iskoola Pota"/>
         <a:font script="Mong" typeface="Mongolian Baiti"/>
-        <a:font script="Viet" typeface="Arial"/>
+        <a:font script="Viet" typeface="Tahoma"/>
+        <a:font script="Uigh" typeface="Microsoft Uighur"/>
+        <a:font script="Geor" typeface="Sylfaen"/>
+      </a:majorFont>
+      <a:minorFont>
+        <a:latin typeface="Century Gothic" panose="020B0502020202020204"/>
+        <a:ea typeface=""/>
+        <a:cs typeface=""/>
+        <a:font script="Jpan" typeface="ＭＳ ゴシック"/>
+        <a:font script="Hang" typeface="맑은 고딕"/>
+        <a:font script="Hans" typeface="宋体"/>
+        <a:font script="Hant" typeface="新細明體"/>
+        <a:font script="Arab" typeface="Tahoma"/>
+        <a:font script="Hebr" typeface="Gisha"/>
+        <a:font script="Thai" typeface="DilleniaUPC"/>
+        <a:font script="Ethi" typeface="Nyala"/>
+        <a:font script="Beng" typeface="Vrinda"/>
+        <a:font script="Gujr" typeface="Shruti"/>
+        <a:font script="Khmr" typeface="DaunPenh"/>
+        <a:font script="Knda" typeface="Tunga"/>
+        <a:font script="Guru" typeface="Raavi"/>
+        <a:font script="Cans" typeface="Euphemia"/>
+        <a:font script="Cher" typeface="Plantagenet Cherokee"/>
+        <a:font script="Yiii" typeface="Microsoft Yi Baiti"/>
+        <a:font script="Tibt" typeface="Microsoft Himalaya"/>
+        <a:font script="Thaa" typeface="MV Boli"/>
+        <a:font script="Deva" typeface="Mangal"/>
+        <a:font script="Telu" typeface="Gautami"/>
+        <a:font script="Taml" typeface="Latha"/>
+        <a:font script="Syrc" typeface="Estrangelo Edessa"/>
+        <a:font script="Orya" typeface="Kalinga"/>
+        <a:font script="Mlym" typeface="Kartika"/>
+        <a:font script="Laoo" typeface="DokChampa"/>
+        <a:font script="Sinh" typeface="Iskoola Pota"/>
+        <a:font script="Mong" typeface="Mongolian Baiti"/>
+        <a:font script="Viet" typeface="Verdana"/>
         <a:font script="Uigh" typeface="Microsoft Uighur"/>
         <a:font script="Geor" typeface="Sylfaen"/>
       </a:minorFont>
     </a:fontScheme>
-    <a:fmtScheme name="Стандартная">
+    <a:fmtScheme name="Сетка">
       <a:fillStyleLst>
         <a:solidFill>
           <a:schemeClr val="phClr"/>
@@ -5292,23 +8109,13 @@
           <a:gsLst>
             <a:gs pos="0">
               <a:schemeClr val="phClr">
+                <a:tint val="60000"/>
                 <a:lumMod val="110000"/>
-                <a:satMod val="105000"/>
-                <a:tint val="67000"/>
-              </a:schemeClr>
-            </a:gs>
-            <a:gs pos="50000">
-              <a:schemeClr val="phClr">
-                <a:lumMod val="105000"/>
-                <a:satMod val="103000"/>
-                <a:tint val="73000"/>
               </a:schemeClr>
             </a:gs>
             <a:gs pos="100000">
               <a:schemeClr val="phClr">
-                <a:lumMod val="105000"/>
-                <a:satMod val="109000"/>
-                <a:tint val="81000"/>
+                <a:tint val="82000"/>
               </a:schemeClr>
             </a:gs>
           </a:gsLst>
@@ -5318,23 +8125,14 @@
           <a:gsLst>
             <a:gs pos="0">
               <a:schemeClr val="phClr">
-                <a:satMod val="103000"/>
-                <a:lumMod val="102000"/>
-                <a:tint val="94000"/>
-              </a:schemeClr>
-            </a:gs>
-            <a:gs pos="50000">
-              <a:schemeClr val="phClr">
-                <a:satMod val="110000"/>
-                <a:lumMod val="100000"/>
-                <a:shade val="100000"/>
+                <a:tint val="96000"/>
+                <a:lumMod val="104000"/>
               </a:schemeClr>
             </a:gs>
             <a:gs pos="100000">
               <a:schemeClr val="phClr">
-                <a:lumMod val="99000"/>
-                <a:satMod val="120000"/>
-                <a:shade val="78000"/>
+                <a:shade val="84000"/>
+                <a:lumMod val="84000"/>
               </a:schemeClr>
             </a:gs>
           </a:gsLst>
@@ -5342,26 +8140,23 @@
         </a:gradFill>
       </a:fillStyleLst>
       <a:lnStyleLst>
-        <a:ln w="6350" cap="flat" cmpd="sng" algn="ctr">
+        <a:ln w="9525" cap="rnd" cmpd="sng" algn="ctr">
           <a:solidFill>
             <a:schemeClr val="phClr"/>
           </a:solidFill>
           <a:prstDash val="solid"/>
-          <a:miter lim="800000"/>
         </a:ln>
-        <a:ln w="12700" cap="flat" cmpd="sng" algn="ctr">
+        <a:ln w="19050" cap="rnd" cmpd="sng" algn="ctr">
           <a:solidFill>
             <a:schemeClr val="phClr"/>
           </a:solidFill>
           <a:prstDash val="solid"/>
-          <a:miter lim="800000"/>
         </a:ln>
-        <a:ln w="19050" cap="flat" cmpd="sng" algn="ctr">
+        <a:ln w="25400" cap="rnd" cmpd="sng" algn="ctr">
           <a:solidFill>
             <a:schemeClr val="phClr"/>
           </a:solidFill>
           <a:prstDash val="solid"/>
-          <a:miter lim="800000"/>
         </a:ln>
       </a:lnStyleLst>
       <a:effectStyleLst>
@@ -5369,55 +8164,72 @@
           <a:effectLst/>
         </a:effectStyle>
         <a:effectStyle>
-          <a:effectLst/>
+          <a:effectLst>
+            <a:innerShdw blurRad="50800" dist="25400" dir="13500000">
+              <a:srgbClr val="000000">
+                <a:alpha val="55000"/>
+              </a:srgbClr>
+            </a:innerShdw>
+          </a:effectLst>
         </a:effectStyle>
         <a:effectStyle>
           <a:effectLst>
-            <a:outerShdw blurRad="57150" dist="19050" dir="5400000" algn="ctr" rotWithShape="0">
+            <a:outerShdw blurRad="50800" dist="38100" dir="5400000" rotWithShape="0">
               <a:srgbClr val="000000">
-                <a:alpha val="63000"/>
+                <a:alpha val="60000"/>
               </a:srgbClr>
             </a:outerShdw>
           </a:effectLst>
+          <a:scene3d>
+            <a:camera prst="orthographicFront">
+              <a:rot lat="0" lon="0" rev="0"/>
+            </a:camera>
+            <a:lightRig rig="threePt" dir="tl"/>
+          </a:scene3d>
+          <a:sp3d>
+            <a:bevelT w="25400" h="25400" prst="slope"/>
+          </a:sp3d>
         </a:effectStyle>
       </a:effectStyleLst>
       <a:bgFillStyleLst>
         <a:solidFill>
           <a:schemeClr val="phClr"/>
         </a:solidFill>
-        <a:solidFill>
-          <a:schemeClr val="phClr">
-            <a:tint val="95000"/>
-            <a:satMod val="170000"/>
-          </a:schemeClr>
-        </a:solidFill>
         <a:gradFill rotWithShape="1">
           <a:gsLst>
             <a:gs pos="0">
               <a:schemeClr val="phClr">
-                <a:tint val="93000"/>
-                <a:satMod val="150000"/>
-                <a:shade val="98000"/>
-                <a:lumMod val="102000"/>
-              </a:schemeClr>
-            </a:gs>
-            <a:gs pos="50000">
-              <a:schemeClr val="phClr">
-                <a:tint val="98000"/>
-                <a:satMod val="130000"/>
-                <a:shade val="90000"/>
-                <a:lumMod val="103000"/>
+                <a:tint val="90000"/>
+                <a:lumMod val="110000"/>
               </a:schemeClr>
             </a:gs>
             <a:gs pos="100000">
               <a:schemeClr val="phClr">
-                <a:shade val="63000"/>
-                <a:satMod val="120000"/>
+                <a:shade val="64000"/>
+                <a:lumMod val="98000"/>
               </a:schemeClr>
             </a:gs>
           </a:gsLst>
           <a:lin ang="5400000" scaled="0"/>
         </a:gradFill>
+        <a:blipFill rotWithShape="1">
+          <a:blip xmlns:r="http://schemas.openxmlformats.org/officeDocument/2006/relationships" r:embed="rId1">
+            <a:duotone>
+              <a:schemeClr val="phClr">
+                <a:shade val="28000"/>
+                <a:satMod val="94000"/>
+                <a:lumMod val="20000"/>
+              </a:schemeClr>
+              <a:schemeClr val="phClr">
+                <a:tint val="94000"/>
+                <a:shade val="84000"/>
+                <a:satMod val="148000"/>
+                <a:lumMod val="114000"/>
+              </a:schemeClr>
+            </a:duotone>
+          </a:blip>
+          <a:stretch/>
+        </a:blipFill>
       </a:bgFillStyleLst>
     </a:fmtScheme>
   </a:themeElements>
@@ -5425,7 +8237,7 @@
   <a:extraClrSchemeLst/>
   <a:extLst>
     <a:ext uri="{05A4C25C-085E-4340-85A3-A5531E510DB2}">
-      <thm15:themeFamily xmlns:thm15="http://schemas.microsoft.com/office/thememl/2012/main" name="Office Theme" id="{62F939B6-93AF-4DB8-9C6B-D6C7DFDC589F}" vid="{4A3C46E8-61CC-4603-A589-7422A47A8E4A}"/>
+      <thm15:themeFamily xmlns:thm15="http://schemas.microsoft.com/office/thememl/2012/main" name="Mesh" id="{789EC3FE-34FD-429C-9918-760025E6C145}" vid="{B8BE45C0-8141-4D58-8C71-A009BC26FBBB}"/>
     </a:ext>
   </a:extLst>
 </a:theme>
